--- a/AWS_architect.pptx
+++ b/AWS_architect.pptx
@@ -104,6 +104,11 @@
       </a:defRPr>
     </a:lvl9pPr>
   </p:defaultTextStyle>
+  <p:extLst>
+    <p:ext uri="{EFAFB233-063F-42B5-8137-9DF3F51BA10A}">
+      <p15:sldGuideLst xmlns:p15="http://schemas.microsoft.com/office/powerpoint/2012/main"/>
+    </p:ext>
+  </p:extLst>
 </p:presentation>
 </file>
 
@@ -254,7 +259,7 @@
           <a:p>
             <a:fld id="{D6A64239-A41C-4E2D-B78B-CC309741CE54}" type="datetimeFigureOut">
               <a:rPr lang="en-US" smtClean="0"/>
-              <a:t>9/22/2020</a:t>
+              <a:t>9/24/2020</a:t>
             </a:fld>
             <a:endParaRPr lang="en-US"/>
           </a:p>
@@ -452,7 +457,7 @@
           <a:p>
             <a:fld id="{D6A64239-A41C-4E2D-B78B-CC309741CE54}" type="datetimeFigureOut">
               <a:rPr lang="en-US" smtClean="0"/>
-              <a:t>9/22/2020</a:t>
+              <a:t>9/24/2020</a:t>
             </a:fld>
             <a:endParaRPr lang="en-US"/>
           </a:p>
@@ -660,7 +665,7 @@
           <a:p>
             <a:fld id="{D6A64239-A41C-4E2D-B78B-CC309741CE54}" type="datetimeFigureOut">
               <a:rPr lang="en-US" smtClean="0"/>
-              <a:t>9/22/2020</a:t>
+              <a:t>9/24/2020</a:t>
             </a:fld>
             <a:endParaRPr lang="en-US"/>
           </a:p>
@@ -858,7 +863,7 @@
           <a:p>
             <a:fld id="{D6A64239-A41C-4E2D-B78B-CC309741CE54}" type="datetimeFigureOut">
               <a:rPr lang="en-US" smtClean="0"/>
-              <a:t>9/22/2020</a:t>
+              <a:t>9/24/2020</a:t>
             </a:fld>
             <a:endParaRPr lang="en-US"/>
           </a:p>
@@ -1133,7 +1138,7 @@
           <a:p>
             <a:fld id="{D6A64239-A41C-4E2D-B78B-CC309741CE54}" type="datetimeFigureOut">
               <a:rPr lang="en-US" smtClean="0"/>
-              <a:t>9/22/2020</a:t>
+              <a:t>9/24/2020</a:t>
             </a:fld>
             <a:endParaRPr lang="en-US"/>
           </a:p>
@@ -1398,7 +1403,7 @@
           <a:p>
             <a:fld id="{D6A64239-A41C-4E2D-B78B-CC309741CE54}" type="datetimeFigureOut">
               <a:rPr lang="en-US" smtClean="0"/>
-              <a:t>9/22/2020</a:t>
+              <a:t>9/24/2020</a:t>
             </a:fld>
             <a:endParaRPr lang="en-US"/>
           </a:p>
@@ -1810,7 +1815,7 @@
           <a:p>
             <a:fld id="{D6A64239-A41C-4E2D-B78B-CC309741CE54}" type="datetimeFigureOut">
               <a:rPr lang="en-US" smtClean="0"/>
-              <a:t>9/22/2020</a:t>
+              <a:t>9/24/2020</a:t>
             </a:fld>
             <a:endParaRPr lang="en-US"/>
           </a:p>
@@ -1951,7 +1956,7 @@
           <a:p>
             <a:fld id="{D6A64239-A41C-4E2D-B78B-CC309741CE54}" type="datetimeFigureOut">
               <a:rPr lang="en-US" smtClean="0"/>
-              <a:t>9/22/2020</a:t>
+              <a:t>9/24/2020</a:t>
             </a:fld>
             <a:endParaRPr lang="en-US"/>
           </a:p>
@@ -2064,7 +2069,7 @@
           <a:p>
             <a:fld id="{D6A64239-A41C-4E2D-B78B-CC309741CE54}" type="datetimeFigureOut">
               <a:rPr lang="en-US" smtClean="0"/>
-              <a:t>9/22/2020</a:t>
+              <a:t>9/24/2020</a:t>
             </a:fld>
             <a:endParaRPr lang="en-US"/>
           </a:p>
@@ -2375,7 +2380,7 @@
           <a:p>
             <a:fld id="{D6A64239-A41C-4E2D-B78B-CC309741CE54}" type="datetimeFigureOut">
               <a:rPr lang="en-US" smtClean="0"/>
-              <a:t>9/22/2020</a:t>
+              <a:t>9/24/2020</a:t>
             </a:fld>
             <a:endParaRPr lang="en-US"/>
           </a:p>
@@ -2663,7 +2668,7 @@
           <a:p>
             <a:fld id="{D6A64239-A41C-4E2D-B78B-CC309741CE54}" type="datetimeFigureOut">
               <a:rPr lang="en-US" smtClean="0"/>
-              <a:t>9/22/2020</a:t>
+              <a:t>9/24/2020</a:t>
             </a:fld>
             <a:endParaRPr lang="en-US"/>
           </a:p>
@@ -2904,7 +2909,7 @@
           <a:p>
             <a:fld id="{D6A64239-A41C-4E2D-B78B-CC309741CE54}" type="datetimeFigureOut">
               <a:rPr lang="en-US" smtClean="0"/>
-              <a:t>9/22/2020</a:t>
+              <a:t>9/24/2020</a:t>
             </a:fld>
             <a:endParaRPr lang="en-US"/>
           </a:p>
@@ -3321,85 +3326,12 @@
           <a:chExt cx="0" cy="0"/>
         </a:xfrm>
       </p:grpSpPr>
-      <p:pic>
-        <p:nvPicPr>
-          <p:cNvPr id="5" name="Picture 4">
-            <a:extLst>
-              <a:ext uri="{FF2B5EF4-FFF2-40B4-BE49-F238E27FC236}">
-                <a16:creationId xmlns:a16="http://schemas.microsoft.com/office/drawing/2014/main" id="{3D6C1C0C-C3B8-4A42-81E1-F9A022DCCCB1}"/>
-              </a:ext>
-            </a:extLst>
-          </p:cNvPr>
-          <p:cNvPicPr>
-            <a:picLocks noChangeAspect="1"/>
-          </p:cNvPicPr>
-          <p:nvPr/>
-        </p:nvPicPr>
-        <p:blipFill>
-          <a:blip r:embed="rId2">
-            <a:extLst>
-              <a:ext uri="{28A0092B-C50C-407E-A947-70E740481C1C}">
-                <a14:useLocalDpi xmlns:a14="http://schemas.microsoft.com/office/drawing/2010/main" val="0"/>
-              </a:ext>
-            </a:extLst>
-          </a:blip>
-          <a:stretch>
-            <a:fillRect/>
-          </a:stretch>
-        </p:blipFill>
-        <p:spPr>
-          <a:xfrm>
-            <a:off x="7543694" y="1816597"/>
-            <a:ext cx="544781" cy="653737"/>
-          </a:xfrm>
-          <a:prstGeom prst="rect">
-            <a:avLst/>
-          </a:prstGeom>
-        </p:spPr>
-      </p:pic>
-      <p:sp>
-        <p:nvSpPr>
-          <p:cNvPr id="7" name="TextBox 6">
-            <a:extLst>
-              <a:ext uri="{FF2B5EF4-FFF2-40B4-BE49-F238E27FC236}">
-                <a16:creationId xmlns:a16="http://schemas.microsoft.com/office/drawing/2014/main" id="{39221F16-BEB2-49E9-BF7A-5D7B588A676B}"/>
-              </a:ext>
-            </a:extLst>
-          </p:cNvPr>
-          <p:cNvSpPr txBox="1"/>
-          <p:nvPr/>
-        </p:nvSpPr>
-        <p:spPr>
-          <a:xfrm>
-            <a:off x="7494194" y="2497521"/>
-            <a:ext cx="643781" cy="155632"/>
-          </a:xfrm>
-          <a:prstGeom prst="rect">
-            <a:avLst/>
-          </a:prstGeom>
-          <a:noFill/>
-        </p:spPr>
-        <p:txBody>
-          <a:bodyPr wrap="square" lIns="0" tIns="0" rIns="0" bIns="0" rtlCol="0" anchor="t">
-            <a:noAutofit/>
-          </a:bodyPr>
-          <a:lstStyle/>
-          <a:p>
-            <a:pPr algn="ctr"/>
-            <a:r>
-              <a:rPr lang="en-US" sz="1000" b="1" dirty="0"/>
-              <a:t>Web/ App server</a:t>
-            </a:r>
-            <a:endParaRPr lang="en-US" b="1" dirty="0"/>
-          </a:p>
-        </p:txBody>
-      </p:sp>
       <p:grpSp>
         <p:nvGrpSpPr>
-          <p:cNvPr id="13" name="Group 12">
-            <a:extLst>
-              <a:ext uri="{FF2B5EF4-FFF2-40B4-BE49-F238E27FC236}">
-                <a16:creationId xmlns:a16="http://schemas.microsoft.com/office/drawing/2014/main" id="{69F97F5F-B6B5-4BD8-82A2-8252F51C1316}"/>
+          <p:cNvPr id="26" name="Group 25">
+            <a:extLst>
+              <a:ext uri="{FF2B5EF4-FFF2-40B4-BE49-F238E27FC236}">
+                <a16:creationId xmlns:a16="http://schemas.microsoft.com/office/drawing/2014/main" id="{62EF8B36-B197-4F26-8B37-A6068A09AEB5}"/>
               </a:ext>
             </a:extLst>
           </p:cNvPr>
@@ -3408,18 +3340,54 @@
         </p:nvGrpSpPr>
         <p:grpSpPr>
           <a:xfrm>
-            <a:off x="6407645" y="4140242"/>
-            <a:ext cx="640080" cy="949645"/>
-            <a:chOff x="2863144" y="2909178"/>
-            <a:chExt cx="640080" cy="949645"/>
+            <a:off x="70053" y="91643"/>
+            <a:ext cx="12938307" cy="5288249"/>
+            <a:chOff x="70053" y="91643"/>
+            <a:chExt cx="12938307" cy="5288249"/>
           </a:xfrm>
         </p:grpSpPr>
+        <p:pic>
+          <p:nvPicPr>
+            <p:cNvPr id="5" name="Picture 4">
+              <a:extLst>
+                <a:ext uri="{FF2B5EF4-FFF2-40B4-BE49-F238E27FC236}">
+                  <a16:creationId xmlns:a16="http://schemas.microsoft.com/office/drawing/2014/main" id="{3D6C1C0C-C3B8-4A42-81E1-F9A022DCCCB1}"/>
+                </a:ext>
+              </a:extLst>
+            </p:cNvPr>
+            <p:cNvPicPr>
+              <a:picLocks noChangeAspect="1"/>
+            </p:cNvPicPr>
+            <p:nvPr/>
+          </p:nvPicPr>
+          <p:blipFill>
+            <a:blip r:embed="rId2">
+              <a:extLst>
+                <a:ext uri="{28A0092B-C50C-407E-A947-70E740481C1C}">
+                  <a14:useLocalDpi xmlns:a14="http://schemas.microsoft.com/office/drawing/2010/main" val="0"/>
+                </a:ext>
+              </a:extLst>
+            </a:blip>
+            <a:stretch>
+              <a:fillRect/>
+            </a:stretch>
+          </p:blipFill>
+          <p:spPr>
+            <a:xfrm>
+              <a:off x="7543694" y="1816597"/>
+              <a:ext cx="544781" cy="653737"/>
+            </a:xfrm>
+            <a:prstGeom prst="rect">
+              <a:avLst/>
+            </a:prstGeom>
+          </p:spPr>
+        </p:pic>
         <p:sp>
           <p:nvSpPr>
-            <p:cNvPr id="10" name="TextBox 9">
+            <p:cNvPr id="7" name="TextBox 6">
               <a:extLst>
                 <a:ext uri="{FF2B5EF4-FFF2-40B4-BE49-F238E27FC236}">
-                  <a16:creationId xmlns:a16="http://schemas.microsoft.com/office/drawing/2014/main" id="{3BB8D434-28A1-41EB-A94C-3A45893E5BB1}"/>
+                  <a16:creationId xmlns:a16="http://schemas.microsoft.com/office/drawing/2014/main" id="{39221F16-BEB2-49E9-BF7A-5D7B588A676B}"/>
                 </a:ext>
               </a:extLst>
             </p:cNvPr>
@@ -3428,8 +3396,8 @@
           </p:nvSpPr>
           <p:spPr>
             <a:xfrm>
-              <a:off x="2863144" y="3584503"/>
-              <a:ext cx="640080" cy="274320"/>
+              <a:off x="7494194" y="2497521"/>
+              <a:ext cx="643781" cy="155632"/>
             </a:xfrm>
             <a:prstGeom prst="rect">
               <a:avLst/>
@@ -3444,467 +3412,629 @@
             <a:p>
               <a:pPr algn="ctr"/>
               <a:r>
-                <a:rPr lang="en-US" sz="800" b="1" dirty="0"/>
-                <a:t>NAT gateway/  </a:t>
+                <a:rPr lang="en-US" sz="1000" b="1" dirty="0"/>
+                <a:t>Web/ App server</a:t>
               </a:r>
-              <a:r>
-                <a:rPr lang="en-US" sz="800" b="1" dirty="0" err="1"/>
-                <a:t>securitygroup</a:t>
-              </a:r>
-              <a:endParaRPr lang="en-US" sz="800" b="1" dirty="0"/>
-            </a:p>
-            <a:p>
-              <a:pPr algn="ctr"/>
-              <a:endParaRPr lang="en-US" sz="1400" b="1" dirty="0"/>
+              <a:endParaRPr lang="en-US" b="1" dirty="0"/>
             </a:p>
           </p:txBody>
         </p:sp>
-        <p:pic>
-          <p:nvPicPr>
-            <p:cNvPr id="12" name="Picture 11">
+        <p:grpSp>
+          <p:nvGrpSpPr>
+            <p:cNvPr id="13" name="Group 12">
               <a:extLst>
                 <a:ext uri="{FF2B5EF4-FFF2-40B4-BE49-F238E27FC236}">
-                  <a16:creationId xmlns:a16="http://schemas.microsoft.com/office/drawing/2014/main" id="{FEC1D60B-4780-49A6-ACDF-ABB0D61EDF82}"/>
+                  <a16:creationId xmlns:a16="http://schemas.microsoft.com/office/drawing/2014/main" id="{69F97F5F-B6B5-4BD8-82A2-8252F51C1316}"/>
                 </a:ext>
               </a:extLst>
             </p:cNvPr>
-            <p:cNvPicPr>
-              <a:picLocks noChangeAspect="1"/>
-            </p:cNvPicPr>
+            <p:cNvGrpSpPr/>
             <p:nvPr/>
-          </p:nvPicPr>
-          <p:blipFill>
-            <a:blip r:embed="rId3">
-              <a:extLst>
-                <a:ext uri="{28A0092B-C50C-407E-A947-70E740481C1C}">
-                  <a14:useLocalDpi xmlns:a14="http://schemas.microsoft.com/office/drawing/2010/main" val="0"/>
-                </a:ext>
-              </a:extLst>
-            </a:blip>
-            <a:stretch>
-              <a:fillRect/>
-            </a:stretch>
-          </p:blipFill>
-          <p:spPr>
+          </p:nvGrpSpPr>
+          <p:grpSpPr>
             <a:xfrm>
-              <a:off x="2913233" y="2909178"/>
-              <a:ext cx="538195" cy="555557"/>
+              <a:off x="6407645" y="4140242"/>
+              <a:ext cx="640080" cy="949645"/>
+              <a:chOff x="2863144" y="2909178"/>
+              <a:chExt cx="640080" cy="949645"/>
             </a:xfrm>
-            <a:prstGeom prst="rect">
-              <a:avLst/>
-            </a:prstGeom>
-          </p:spPr>
-        </p:pic>
-      </p:grpSp>
-      <p:grpSp>
-        <p:nvGrpSpPr>
-          <p:cNvPr id="18" name="Group 17">
-            <a:extLst>
-              <a:ext uri="{FF2B5EF4-FFF2-40B4-BE49-F238E27FC236}">
-                <a16:creationId xmlns:a16="http://schemas.microsoft.com/office/drawing/2014/main" id="{A4D4C200-0A2C-485A-9690-0FE1515E8D2C}"/>
-              </a:ext>
-            </a:extLst>
-          </p:cNvPr>
-          <p:cNvGrpSpPr/>
-          <p:nvPr/>
-        </p:nvGrpSpPr>
-        <p:grpSpPr>
-          <a:xfrm>
-            <a:off x="9447683" y="3828056"/>
-            <a:ext cx="640080" cy="978749"/>
-            <a:chOff x="6462784" y="1865999"/>
-            <a:chExt cx="640080" cy="978749"/>
-          </a:xfrm>
-        </p:grpSpPr>
-        <p:sp>
-          <p:nvSpPr>
-            <p:cNvPr id="15" name="TextBox 14">
+          </p:grpSpPr>
+          <p:sp>
+            <p:nvSpPr>
+              <p:cNvPr id="10" name="TextBox 9">
+                <a:extLst>
+                  <a:ext uri="{FF2B5EF4-FFF2-40B4-BE49-F238E27FC236}">
+                    <a16:creationId xmlns:a16="http://schemas.microsoft.com/office/drawing/2014/main" id="{3BB8D434-28A1-41EB-A94C-3A45893E5BB1}"/>
+                  </a:ext>
+                </a:extLst>
+              </p:cNvPr>
+              <p:cNvSpPr txBox="1"/>
+              <p:nvPr/>
+            </p:nvSpPr>
+            <p:spPr>
+              <a:xfrm>
+                <a:off x="2863144" y="3584503"/>
+                <a:ext cx="640080" cy="274320"/>
+              </a:xfrm>
+              <a:prstGeom prst="rect">
+                <a:avLst/>
+              </a:prstGeom>
+              <a:noFill/>
+            </p:spPr>
+            <p:txBody>
+              <a:bodyPr wrap="square" lIns="0" tIns="0" rIns="0" bIns="0" rtlCol="0" anchor="t">
+                <a:noAutofit/>
+              </a:bodyPr>
+              <a:lstStyle/>
+              <a:p>
+                <a:pPr algn="ctr"/>
+                <a:r>
+                  <a:rPr lang="en-US" sz="800" b="1" dirty="0"/>
+                  <a:t>NAT gateway/  </a:t>
+                </a:r>
+                <a:r>
+                  <a:rPr lang="en-US" sz="800" b="1" dirty="0" err="1"/>
+                  <a:t>securitygroup</a:t>
+                </a:r>
+                <a:endParaRPr lang="en-US" sz="800" b="1" dirty="0"/>
+              </a:p>
+              <a:p>
+                <a:pPr algn="ctr"/>
+                <a:endParaRPr lang="en-US" sz="1400" b="1" dirty="0"/>
+              </a:p>
+            </p:txBody>
+          </p:sp>
+          <p:pic>
+            <p:nvPicPr>
+              <p:cNvPr id="12" name="Picture 11">
+                <a:extLst>
+                  <a:ext uri="{FF2B5EF4-FFF2-40B4-BE49-F238E27FC236}">
+                    <a16:creationId xmlns:a16="http://schemas.microsoft.com/office/drawing/2014/main" id="{FEC1D60B-4780-49A6-ACDF-ABB0D61EDF82}"/>
+                  </a:ext>
+                </a:extLst>
+              </p:cNvPr>
+              <p:cNvPicPr>
+                <a:picLocks noChangeAspect="1"/>
+              </p:cNvPicPr>
+              <p:nvPr/>
+            </p:nvPicPr>
+            <p:blipFill>
+              <a:blip r:embed="rId3">
+                <a:extLst>
+                  <a:ext uri="{28A0092B-C50C-407E-A947-70E740481C1C}">
+                    <a14:useLocalDpi xmlns:a14="http://schemas.microsoft.com/office/drawing/2010/main" val="0"/>
+                  </a:ext>
+                </a:extLst>
+              </a:blip>
+              <a:stretch>
+                <a:fillRect/>
+              </a:stretch>
+            </p:blipFill>
+            <p:spPr>
+              <a:xfrm>
+                <a:off x="2913233" y="2909178"/>
+                <a:ext cx="538195" cy="555557"/>
+              </a:xfrm>
+              <a:prstGeom prst="rect">
+                <a:avLst/>
+              </a:prstGeom>
+            </p:spPr>
+          </p:pic>
+        </p:grpSp>
+        <p:grpSp>
+          <p:nvGrpSpPr>
+            <p:cNvPr id="18" name="Group 17">
               <a:extLst>
                 <a:ext uri="{FF2B5EF4-FFF2-40B4-BE49-F238E27FC236}">
-                  <a16:creationId xmlns:a16="http://schemas.microsoft.com/office/drawing/2014/main" id="{44446B71-0BC5-4227-8A2F-9303D9DDFA39}"/>
+                  <a16:creationId xmlns:a16="http://schemas.microsoft.com/office/drawing/2014/main" id="{A4D4C200-0A2C-485A-9690-0FE1515E8D2C}"/>
                 </a:ext>
               </a:extLst>
             </p:cNvPr>
-            <p:cNvSpPr txBox="1"/>
+            <p:cNvGrpSpPr/>
             <p:nvPr/>
-          </p:nvSpPr>
-          <p:spPr>
+          </p:nvGrpSpPr>
+          <p:grpSpPr>
             <a:xfrm>
-              <a:off x="6462784" y="2570428"/>
-              <a:ext cx="640080" cy="274320"/>
+              <a:off x="9447683" y="3828056"/>
+              <a:ext cx="640080" cy="978749"/>
+              <a:chOff x="6462784" y="1865999"/>
+              <a:chExt cx="640080" cy="978749"/>
             </a:xfrm>
-            <a:prstGeom prst="rect">
-              <a:avLst/>
-            </a:prstGeom>
-            <a:noFill/>
-          </p:spPr>
-          <p:txBody>
-            <a:bodyPr wrap="square" lIns="0" tIns="0" rIns="0" bIns="0" rtlCol="0" anchor="t">
-              <a:noAutofit/>
-            </a:bodyPr>
-            <a:lstStyle/>
-            <a:p>
-              <a:pPr algn="ctr"/>
-              <a:r>
-                <a:rPr lang="en-US" sz="800" b="1" dirty="0"/>
-                <a:t>RDS DB instance</a:t>
-              </a:r>
-              <a:endParaRPr lang="en-US" sz="1400" b="1" dirty="0"/>
-            </a:p>
-          </p:txBody>
-        </p:sp>
-        <p:pic>
-          <p:nvPicPr>
-            <p:cNvPr id="17" name="Picture 16">
+          </p:grpSpPr>
+          <p:sp>
+            <p:nvSpPr>
+              <p:cNvPr id="15" name="TextBox 14">
+                <a:extLst>
+                  <a:ext uri="{FF2B5EF4-FFF2-40B4-BE49-F238E27FC236}">
+                    <a16:creationId xmlns:a16="http://schemas.microsoft.com/office/drawing/2014/main" id="{44446B71-0BC5-4227-8A2F-9303D9DDFA39}"/>
+                  </a:ext>
+                </a:extLst>
+              </p:cNvPr>
+              <p:cNvSpPr txBox="1"/>
+              <p:nvPr/>
+            </p:nvSpPr>
+            <p:spPr>
+              <a:xfrm>
+                <a:off x="6462784" y="2570428"/>
+                <a:ext cx="640080" cy="274320"/>
+              </a:xfrm>
+              <a:prstGeom prst="rect">
+                <a:avLst/>
+              </a:prstGeom>
+              <a:noFill/>
+            </p:spPr>
+            <p:txBody>
+              <a:bodyPr wrap="square" lIns="0" tIns="0" rIns="0" bIns="0" rtlCol="0" anchor="t">
+                <a:noAutofit/>
+              </a:bodyPr>
+              <a:lstStyle/>
+              <a:p>
+                <a:pPr algn="ctr"/>
+                <a:r>
+                  <a:rPr lang="en-US" sz="800" b="1" dirty="0"/>
+                  <a:t>RDS DB instance</a:t>
+                </a:r>
+                <a:endParaRPr lang="en-US" sz="1400" b="1" dirty="0"/>
+              </a:p>
+            </p:txBody>
+          </p:sp>
+          <p:pic>
+            <p:nvPicPr>
+              <p:cNvPr id="17" name="Picture 16">
+                <a:extLst>
+                  <a:ext uri="{FF2B5EF4-FFF2-40B4-BE49-F238E27FC236}">
+                    <a16:creationId xmlns:a16="http://schemas.microsoft.com/office/drawing/2014/main" id="{91137DD6-3792-4B49-8C62-B8DE295EE985}"/>
+                  </a:ext>
+                </a:extLst>
+              </p:cNvPr>
+              <p:cNvPicPr>
+                <a:picLocks noChangeAspect="1"/>
+              </p:cNvPicPr>
+              <p:nvPr/>
+            </p:nvPicPr>
+            <p:blipFill>
+              <a:blip r:embed="rId4">
+                <a:extLst>
+                  <a:ext uri="{28A0092B-C50C-407E-A947-70E740481C1C}">
+                    <a14:useLocalDpi xmlns:a14="http://schemas.microsoft.com/office/drawing/2010/main" val="0"/>
+                  </a:ext>
+                </a:extLst>
+              </a:blip>
+              <a:stretch>
+                <a:fillRect/>
+              </a:stretch>
+            </p:blipFill>
+            <p:spPr>
+              <a:xfrm>
+                <a:off x="6550013" y="1865999"/>
+                <a:ext cx="457319" cy="602829"/>
+              </a:xfrm>
+              <a:prstGeom prst="rect">
+                <a:avLst/>
+              </a:prstGeom>
+            </p:spPr>
+          </p:pic>
+        </p:grpSp>
+        <p:grpSp>
+          <p:nvGrpSpPr>
+            <p:cNvPr id="23" name="Group 22">
               <a:extLst>
                 <a:ext uri="{FF2B5EF4-FFF2-40B4-BE49-F238E27FC236}">
-                  <a16:creationId xmlns:a16="http://schemas.microsoft.com/office/drawing/2014/main" id="{91137DD6-3792-4B49-8C62-B8DE295EE985}"/>
+                  <a16:creationId xmlns:a16="http://schemas.microsoft.com/office/drawing/2014/main" id="{6F7FA44A-B05A-4FF8-8AC4-E118EC2C6EAD}"/>
                 </a:ext>
               </a:extLst>
             </p:cNvPr>
-            <p:cNvPicPr>
-              <a:picLocks noChangeAspect="1"/>
-            </p:cNvPicPr>
+            <p:cNvGrpSpPr/>
             <p:nvPr/>
-          </p:nvPicPr>
-          <p:blipFill>
-            <a:blip r:embed="rId4">
-              <a:extLst>
-                <a:ext uri="{28A0092B-C50C-407E-A947-70E740481C1C}">
-                  <a14:useLocalDpi xmlns:a14="http://schemas.microsoft.com/office/drawing/2010/main" val="0"/>
-                </a:ext>
-              </a:extLst>
-            </a:blip>
-            <a:stretch>
-              <a:fillRect/>
-            </a:stretch>
-          </p:blipFill>
-          <p:spPr>
+          </p:nvGrpSpPr>
+          <p:grpSpPr>
             <a:xfrm>
-              <a:off x="6550013" y="1865999"/>
-              <a:ext cx="457319" cy="602829"/>
+              <a:off x="9440570" y="1636166"/>
+              <a:ext cx="746446" cy="961069"/>
+              <a:chOff x="430796" y="3974362"/>
+              <a:chExt cx="746446" cy="961069"/>
             </a:xfrm>
-            <a:prstGeom prst="rect">
-              <a:avLst/>
-            </a:prstGeom>
-          </p:spPr>
-        </p:pic>
-      </p:grpSp>
-      <p:grpSp>
-        <p:nvGrpSpPr>
-          <p:cNvPr id="23" name="Group 22">
-            <a:extLst>
-              <a:ext uri="{FF2B5EF4-FFF2-40B4-BE49-F238E27FC236}">
-                <a16:creationId xmlns:a16="http://schemas.microsoft.com/office/drawing/2014/main" id="{6F7FA44A-B05A-4FF8-8AC4-E118EC2C6EAD}"/>
-              </a:ext>
-            </a:extLst>
-          </p:cNvPr>
-          <p:cNvGrpSpPr/>
-          <p:nvPr/>
-        </p:nvGrpSpPr>
-        <p:grpSpPr>
-          <a:xfrm>
-            <a:off x="9440570" y="1636166"/>
-            <a:ext cx="746446" cy="961069"/>
-            <a:chOff x="430796" y="3974362"/>
-            <a:chExt cx="746446" cy="961069"/>
-          </a:xfrm>
-        </p:grpSpPr>
-        <p:sp>
-          <p:nvSpPr>
-            <p:cNvPr id="20" name="TextBox 19">
+          </p:grpSpPr>
+          <p:sp>
+            <p:nvSpPr>
+              <p:cNvPr id="20" name="TextBox 19">
+                <a:extLst>
+                  <a:ext uri="{FF2B5EF4-FFF2-40B4-BE49-F238E27FC236}">
+                    <a16:creationId xmlns:a16="http://schemas.microsoft.com/office/drawing/2014/main" id="{CB20ADF0-00F3-4471-9D28-09C983E7C0A8}"/>
+                  </a:ext>
+                </a:extLst>
+              </p:cNvPr>
+              <p:cNvSpPr txBox="1"/>
+              <p:nvPr/>
+            </p:nvSpPr>
+            <p:spPr>
+              <a:xfrm>
+                <a:off x="430796" y="4661111"/>
+                <a:ext cx="746446" cy="274320"/>
+              </a:xfrm>
+              <a:prstGeom prst="rect">
+                <a:avLst/>
+              </a:prstGeom>
+              <a:noFill/>
+            </p:spPr>
+            <p:txBody>
+              <a:bodyPr wrap="square" lIns="0" tIns="0" rIns="0" bIns="0" rtlCol="0" anchor="t">
+                <a:noAutofit/>
+              </a:bodyPr>
+              <a:lstStyle/>
+              <a:p>
+                <a:pPr algn="ctr"/>
+                <a:r>
+                  <a:rPr lang="en-US" sz="800" b="1" spc="-50" dirty="0"/>
+                  <a:t>RDS DB </a:t>
+                </a:r>
+                <a:br>
+                  <a:rPr lang="en-US" sz="800" b="1" spc="-50" dirty="0"/>
+                </a:br>
+                <a:r>
+                  <a:rPr lang="en-US" sz="800" b="1" spc="-50" dirty="0"/>
+                  <a:t>instance standby (multi-AZ)</a:t>
+                </a:r>
+                <a:endParaRPr lang="en-US" sz="1400" b="1" spc="-50" dirty="0"/>
+              </a:p>
+            </p:txBody>
+          </p:sp>
+          <p:pic>
+            <p:nvPicPr>
+              <p:cNvPr id="22" name="Picture 21">
+                <a:extLst>
+                  <a:ext uri="{FF2B5EF4-FFF2-40B4-BE49-F238E27FC236}">
+                    <a16:creationId xmlns:a16="http://schemas.microsoft.com/office/drawing/2014/main" id="{571D9654-BBF2-4FE3-BBD0-EA7094D5E87B}"/>
+                  </a:ext>
+                </a:extLst>
+              </p:cNvPr>
+              <p:cNvPicPr>
+                <a:picLocks noChangeAspect="1"/>
+              </p:cNvPicPr>
+              <p:nvPr/>
+            </p:nvPicPr>
+            <p:blipFill>
+              <a:blip r:embed="rId5">
+                <a:extLst>
+                  <a:ext uri="{28A0092B-C50C-407E-A947-70E740481C1C}">
+                    <a14:useLocalDpi xmlns:a14="http://schemas.microsoft.com/office/drawing/2010/main" val="0"/>
+                  </a:ext>
+                </a:extLst>
+              </a:blip>
+              <a:stretch>
+                <a:fillRect/>
+              </a:stretch>
+            </p:blipFill>
+            <p:spPr>
+              <a:xfrm>
+                <a:off x="569287" y="3974362"/>
+                <a:ext cx="457319" cy="602829"/>
+              </a:xfrm>
+              <a:prstGeom prst="rect">
+                <a:avLst/>
+              </a:prstGeom>
+            </p:spPr>
+          </p:pic>
+        </p:grpSp>
+        <p:grpSp>
+          <p:nvGrpSpPr>
+            <p:cNvPr id="28" name="Group 27">
               <a:extLst>
                 <a:ext uri="{FF2B5EF4-FFF2-40B4-BE49-F238E27FC236}">
-                  <a16:creationId xmlns:a16="http://schemas.microsoft.com/office/drawing/2014/main" id="{CB20ADF0-00F3-4471-9D28-09C983E7C0A8}"/>
+                  <a16:creationId xmlns:a16="http://schemas.microsoft.com/office/drawing/2014/main" id="{530B332A-C8AA-41E6-A80A-65C6E35EF46A}"/>
                 </a:ext>
               </a:extLst>
             </p:cNvPr>
-            <p:cNvSpPr txBox="1"/>
+            <p:cNvGrpSpPr/>
             <p:nvPr/>
-          </p:nvSpPr>
-          <p:spPr>
+          </p:nvGrpSpPr>
+          <p:grpSpPr>
             <a:xfrm>
-              <a:off x="430796" y="4661111"/>
-              <a:ext cx="746446" cy="274320"/>
+              <a:off x="1169383" y="3363770"/>
+              <a:ext cx="819444" cy="953985"/>
+              <a:chOff x="1268893" y="2904838"/>
+              <a:chExt cx="640080" cy="953985"/>
             </a:xfrm>
-            <a:prstGeom prst="rect">
-              <a:avLst/>
-            </a:prstGeom>
-            <a:noFill/>
-          </p:spPr>
-          <p:txBody>
-            <a:bodyPr wrap="square" lIns="0" tIns="0" rIns="0" bIns="0" rtlCol="0" anchor="t">
-              <a:noAutofit/>
-            </a:bodyPr>
-            <a:lstStyle/>
-            <a:p>
-              <a:pPr algn="ctr"/>
-              <a:r>
-                <a:rPr lang="en-US" sz="800" b="1" spc="-50" dirty="0"/>
-                <a:t>RDS DB </a:t>
-              </a:r>
-              <a:br>
-                <a:rPr lang="en-US" sz="800" b="1" spc="-50" dirty="0"/>
-              </a:br>
-              <a:r>
-                <a:rPr lang="en-US" sz="800" b="1" spc="-50" dirty="0"/>
-                <a:t>instance standby (multi-AZ)</a:t>
-              </a:r>
-              <a:endParaRPr lang="en-US" sz="1400" b="1" spc="-50" dirty="0"/>
-            </a:p>
-          </p:txBody>
-        </p:sp>
-        <p:pic>
-          <p:nvPicPr>
-            <p:cNvPr id="22" name="Picture 21">
+          </p:grpSpPr>
+          <p:sp>
+            <p:nvSpPr>
+              <p:cNvPr id="25" name="TextBox 24">
+                <a:extLst>
+                  <a:ext uri="{FF2B5EF4-FFF2-40B4-BE49-F238E27FC236}">
+                    <a16:creationId xmlns:a16="http://schemas.microsoft.com/office/drawing/2014/main" id="{CE8C0C33-097B-4D34-B380-0D5F33FE4456}"/>
+                  </a:ext>
+                </a:extLst>
+              </p:cNvPr>
+              <p:cNvSpPr txBox="1"/>
+              <p:nvPr/>
+            </p:nvSpPr>
+            <p:spPr>
+              <a:xfrm>
+                <a:off x="1268893" y="3584503"/>
+                <a:ext cx="640080" cy="274320"/>
+              </a:xfrm>
+              <a:prstGeom prst="rect">
+                <a:avLst/>
+              </a:prstGeom>
+              <a:noFill/>
+            </p:spPr>
+            <p:txBody>
+              <a:bodyPr wrap="square" lIns="0" tIns="0" rIns="0" bIns="0" rtlCol="0" anchor="t">
+                <a:noAutofit/>
+              </a:bodyPr>
+              <a:lstStyle/>
+              <a:p>
+                <a:pPr algn="ctr"/>
+                <a:r>
+                  <a:rPr lang="en-US" sz="800" b="1" dirty="0"/>
+                  <a:t>Internet </a:t>
+                </a:r>
+                <a:endParaRPr lang="en-US" sz="1400" b="1" dirty="0"/>
+              </a:p>
+            </p:txBody>
+          </p:sp>
+          <p:pic>
+            <p:nvPicPr>
+              <p:cNvPr id="27" name="Picture 26">
+                <a:extLst>
+                  <a:ext uri="{FF2B5EF4-FFF2-40B4-BE49-F238E27FC236}">
+                    <a16:creationId xmlns:a16="http://schemas.microsoft.com/office/drawing/2014/main" id="{7220E56E-9F96-41BB-8A09-74BB239533C2}"/>
+                  </a:ext>
+                </a:extLst>
+              </p:cNvPr>
+              <p:cNvPicPr>
+                <a:picLocks noChangeAspect="1"/>
+              </p:cNvPicPr>
+              <p:nvPr/>
+            </p:nvPicPr>
+            <p:blipFill>
+              <a:blip r:embed="rId6">
+                <a:extLst>
+                  <a:ext uri="{28A0092B-C50C-407E-A947-70E740481C1C}">
+                    <a14:useLocalDpi xmlns:a14="http://schemas.microsoft.com/office/drawing/2010/main" val="0"/>
+                  </a:ext>
+                </a:extLst>
+              </a:blip>
+              <a:stretch>
+                <a:fillRect/>
+              </a:stretch>
+            </p:blipFill>
+            <p:spPr>
+              <a:xfrm>
+                <a:off x="1318698" y="2904838"/>
+                <a:ext cx="538196" cy="564237"/>
+              </a:xfrm>
+              <a:prstGeom prst="rect">
+                <a:avLst/>
+              </a:prstGeom>
+            </p:spPr>
+          </p:pic>
+        </p:grpSp>
+        <p:grpSp>
+          <p:nvGrpSpPr>
+            <p:cNvPr id="33" name="Group 32">
               <a:extLst>
                 <a:ext uri="{FF2B5EF4-FFF2-40B4-BE49-F238E27FC236}">
-                  <a16:creationId xmlns:a16="http://schemas.microsoft.com/office/drawing/2014/main" id="{571D9654-BBF2-4FE3-BBD0-EA7094D5E87B}"/>
+                  <a16:creationId xmlns:a16="http://schemas.microsoft.com/office/drawing/2014/main" id="{A1C295C7-E5E9-45F1-93D2-33341CD345DB}"/>
                 </a:ext>
               </a:extLst>
             </p:cNvPr>
-            <p:cNvPicPr>
-              <a:picLocks noChangeAspect="1"/>
-            </p:cNvPicPr>
+            <p:cNvGrpSpPr/>
             <p:nvPr/>
-          </p:nvPicPr>
-          <p:blipFill>
-            <a:blip r:embed="rId5">
-              <a:extLst>
-                <a:ext uri="{28A0092B-C50C-407E-A947-70E740481C1C}">
-                  <a14:useLocalDpi xmlns:a14="http://schemas.microsoft.com/office/drawing/2010/main" val="0"/>
-                </a:ext>
-              </a:extLst>
-            </a:blip>
-            <a:stretch>
-              <a:fillRect/>
-            </a:stretch>
-          </p:blipFill>
-          <p:spPr>
+          </p:nvGrpSpPr>
+          <p:grpSpPr>
             <a:xfrm>
-              <a:off x="569287" y="3974362"/>
-              <a:ext cx="457319" cy="602829"/>
+              <a:off x="4123594" y="2548179"/>
+              <a:ext cx="788738" cy="959299"/>
+              <a:chOff x="7116937" y="2904477"/>
+              <a:chExt cx="788738" cy="959299"/>
             </a:xfrm>
-            <a:prstGeom prst="rect">
-              <a:avLst/>
-            </a:prstGeom>
-          </p:spPr>
-        </p:pic>
-      </p:grpSp>
-      <p:grpSp>
-        <p:nvGrpSpPr>
-          <p:cNvPr id="28" name="Group 27">
-            <a:extLst>
-              <a:ext uri="{FF2B5EF4-FFF2-40B4-BE49-F238E27FC236}">
-                <a16:creationId xmlns:a16="http://schemas.microsoft.com/office/drawing/2014/main" id="{530B332A-C8AA-41E6-A80A-65C6E35EF46A}"/>
-              </a:ext>
-            </a:extLst>
-          </p:cNvPr>
-          <p:cNvGrpSpPr/>
-          <p:nvPr/>
-        </p:nvGrpSpPr>
-        <p:grpSpPr>
-          <a:xfrm>
-            <a:off x="1169383" y="3363770"/>
-            <a:ext cx="819444" cy="953985"/>
-            <a:chOff x="1268893" y="2904838"/>
-            <a:chExt cx="640080" cy="953985"/>
-          </a:xfrm>
-        </p:grpSpPr>
-        <p:sp>
-          <p:nvSpPr>
-            <p:cNvPr id="25" name="TextBox 24">
+          </p:grpSpPr>
+          <p:sp>
+            <p:nvSpPr>
+              <p:cNvPr id="30" name="TextBox 29">
+                <a:extLst>
+                  <a:ext uri="{FF2B5EF4-FFF2-40B4-BE49-F238E27FC236}">
+                    <a16:creationId xmlns:a16="http://schemas.microsoft.com/office/drawing/2014/main" id="{D21F9248-2D09-48C6-84E3-D2A7B09AB301}"/>
+                  </a:ext>
+                </a:extLst>
+              </p:cNvPr>
+              <p:cNvSpPr txBox="1"/>
+              <p:nvPr/>
+            </p:nvSpPr>
+            <p:spPr>
+              <a:xfrm>
+                <a:off x="7116937" y="3589456"/>
+                <a:ext cx="788738" cy="274320"/>
+              </a:xfrm>
+              <a:prstGeom prst="rect">
+                <a:avLst/>
+              </a:prstGeom>
+              <a:noFill/>
+            </p:spPr>
+            <p:txBody>
+              <a:bodyPr wrap="square" lIns="0" tIns="0" rIns="0" bIns="0" rtlCol="0" anchor="t">
+                <a:noAutofit/>
+              </a:bodyPr>
+              <a:lstStyle/>
+              <a:p>
+                <a:pPr algn="ctr"/>
+                <a:r>
+                  <a:rPr lang="en-US" sz="800" b="1" dirty="0"/>
+                  <a:t>Application &amp; Network Load Balancer</a:t>
+                </a:r>
+                <a:endParaRPr lang="en-US" sz="1400" b="1" dirty="0"/>
+              </a:p>
+            </p:txBody>
+          </p:sp>
+          <p:pic>
+            <p:nvPicPr>
+              <p:cNvPr id="32" name="Picture 31">
+                <a:extLst>
+                  <a:ext uri="{FF2B5EF4-FFF2-40B4-BE49-F238E27FC236}">
+                    <a16:creationId xmlns:a16="http://schemas.microsoft.com/office/drawing/2014/main" id="{C91BC1A7-B5B7-4996-A985-B349F595DA1C}"/>
+                  </a:ext>
+                </a:extLst>
+              </p:cNvPr>
+              <p:cNvPicPr>
+                <a:picLocks noChangeAspect="1"/>
+              </p:cNvPicPr>
+              <p:nvPr/>
+            </p:nvPicPr>
+            <p:blipFill>
+              <a:blip r:embed="rId7">
+                <a:extLst>
+                  <a:ext uri="{28A0092B-C50C-407E-A947-70E740481C1C}">
+                    <a14:useLocalDpi xmlns:a14="http://schemas.microsoft.com/office/drawing/2010/main" val="0"/>
+                  </a:ext>
+                </a:extLst>
+              </a:blip>
+              <a:stretch>
+                <a:fillRect/>
+              </a:stretch>
+            </p:blipFill>
+            <p:spPr>
+              <a:xfrm>
+                <a:off x="7239487" y="2904477"/>
+                <a:ext cx="543639" cy="564959"/>
+              </a:xfrm>
+              <a:prstGeom prst="rect">
+                <a:avLst/>
+              </a:prstGeom>
+            </p:spPr>
+          </p:pic>
+        </p:grpSp>
+        <p:grpSp>
+          <p:nvGrpSpPr>
+            <p:cNvPr id="34" name="Group 33">
               <a:extLst>
                 <a:ext uri="{FF2B5EF4-FFF2-40B4-BE49-F238E27FC236}">
-                  <a16:creationId xmlns:a16="http://schemas.microsoft.com/office/drawing/2014/main" id="{CE8C0C33-097B-4D34-B380-0D5F33FE4456}"/>
+                  <a16:creationId xmlns:a16="http://schemas.microsoft.com/office/drawing/2014/main" id="{E54C2356-BED2-4207-9F05-775487D051B5}"/>
                 </a:ext>
               </a:extLst>
             </p:cNvPr>
-            <p:cNvSpPr txBox="1"/>
+            <p:cNvGrpSpPr/>
             <p:nvPr/>
-          </p:nvSpPr>
-          <p:spPr>
+          </p:nvGrpSpPr>
+          <p:grpSpPr>
             <a:xfrm>
-              <a:off x="1268893" y="3584503"/>
-              <a:ext cx="640080" cy="274320"/>
+              <a:off x="3062106" y="398762"/>
+              <a:ext cx="8754569" cy="4981130"/>
+              <a:chOff x="581181" y="988432"/>
+              <a:chExt cx="1639732" cy="1995975"/>
             </a:xfrm>
-            <a:prstGeom prst="rect">
-              <a:avLst/>
-            </a:prstGeom>
-            <a:noFill/>
-          </p:spPr>
-          <p:txBody>
-            <a:bodyPr wrap="square" lIns="0" tIns="0" rIns="0" bIns="0" rtlCol="0" anchor="t">
-              <a:noAutofit/>
-            </a:bodyPr>
-            <a:lstStyle/>
-            <a:p>
-              <a:pPr algn="ctr"/>
-              <a:r>
-                <a:rPr lang="en-US" sz="800" b="1" dirty="0"/>
-                <a:t>Internet </a:t>
-              </a:r>
-              <a:endParaRPr lang="en-US" sz="1400" b="1" dirty="0"/>
-            </a:p>
-          </p:txBody>
-        </p:sp>
-        <p:pic>
-          <p:nvPicPr>
-            <p:cNvPr id="27" name="Picture 26">
+          </p:grpSpPr>
+          <p:sp>
+            <p:nvSpPr>
+              <p:cNvPr id="35" name="Rounded Rectangle 3">
+                <a:extLst>
+                  <a:ext uri="{FF2B5EF4-FFF2-40B4-BE49-F238E27FC236}">
+                    <a16:creationId xmlns:a16="http://schemas.microsoft.com/office/drawing/2014/main" id="{BC1C883D-1207-43D5-B892-C299AB613910}"/>
+                  </a:ext>
+                </a:extLst>
+              </p:cNvPr>
+              <p:cNvSpPr/>
+              <p:nvPr/>
+            </p:nvSpPr>
+            <p:spPr>
+              <a:xfrm>
+                <a:off x="644194" y="1250857"/>
+                <a:ext cx="1576719" cy="1733550"/>
+              </a:xfrm>
+              <a:prstGeom prst="roundRect">
+                <a:avLst>
+                  <a:gd name="adj" fmla="val 9818"/>
+                </a:avLst>
+              </a:prstGeom>
+              <a:noFill/>
+              <a:ln w="6350">
+                <a:solidFill>
+                  <a:schemeClr val="tx1"/>
+                </a:solidFill>
+                <a:prstDash val="solid"/>
+              </a:ln>
+              <a:effectLst/>
+            </p:spPr>
+            <p:style>
+              <a:lnRef idx="1">
+                <a:schemeClr val="accent1"/>
+              </a:lnRef>
+              <a:fillRef idx="3">
+                <a:schemeClr val="accent1"/>
+              </a:fillRef>
+              <a:effectRef idx="2">
+                <a:schemeClr val="accent1"/>
+              </a:effectRef>
+              <a:fontRef idx="minor">
+                <a:schemeClr val="lt1"/>
+              </a:fontRef>
+            </p:style>
+            <p:txBody>
+              <a:bodyPr anchor="ctr"/>
+              <a:lstStyle/>
+              <a:p>
+                <a:pPr algn="ctr" fontAlgn="auto">
+                  <a:spcBef>
+                    <a:spcPts val="0"/>
+                  </a:spcBef>
+                  <a:spcAft>
+                    <a:spcPts val="0"/>
+                  </a:spcAft>
+                  <a:defRPr/>
+                </a:pPr>
+                <a:endParaRPr lang="en-US" dirty="0">
+                  <a:solidFill>
+                    <a:schemeClr val="tx1"/>
+                  </a:solidFill>
+                  <a:latin typeface="Arial"/>
+                  <a:cs typeface="Arial"/>
+                </a:endParaRPr>
+              </a:p>
+            </p:txBody>
+          </p:sp>
+          <p:pic>
+            <p:nvPicPr>
+              <p:cNvPr id="37" name="Picture 36">
+                <a:extLst>
+                  <a:ext uri="{FF2B5EF4-FFF2-40B4-BE49-F238E27FC236}">
+                    <a16:creationId xmlns:a16="http://schemas.microsoft.com/office/drawing/2014/main" id="{B6F44A55-5416-458F-A796-6FD4268329C0}"/>
+                  </a:ext>
+                </a:extLst>
+              </p:cNvPr>
+              <p:cNvPicPr>
+                <a:picLocks noChangeAspect="1"/>
+              </p:cNvPicPr>
+              <p:nvPr/>
+            </p:nvPicPr>
+            <p:blipFill>
+              <a:blip r:embed="rId8">
+                <a:extLst>
+                  <a:ext uri="{28A0092B-C50C-407E-A947-70E740481C1C}">
+                    <a14:useLocalDpi xmlns:a14="http://schemas.microsoft.com/office/drawing/2010/main" val="0"/>
+                  </a:ext>
+                </a:extLst>
+              </a:blip>
+              <a:stretch>
+                <a:fillRect/>
+              </a:stretch>
+            </p:blipFill>
+            <p:spPr>
+              <a:xfrm>
+                <a:off x="581181" y="988432"/>
+                <a:ext cx="599170" cy="391125"/>
+              </a:xfrm>
+              <a:prstGeom prst="rect">
+                <a:avLst/>
+              </a:prstGeom>
+            </p:spPr>
+          </p:pic>
+        </p:grpSp>
+        <p:sp>
+          <p:nvSpPr>
+            <p:cNvPr id="39" name="Rounded Rectangle 6">
               <a:extLst>
                 <a:ext uri="{FF2B5EF4-FFF2-40B4-BE49-F238E27FC236}">
-                  <a16:creationId xmlns:a16="http://schemas.microsoft.com/office/drawing/2014/main" id="{7220E56E-9F96-41BB-8A09-74BB239533C2}"/>
-                </a:ext>
-              </a:extLst>
-            </p:cNvPr>
-            <p:cNvPicPr>
-              <a:picLocks noChangeAspect="1"/>
-            </p:cNvPicPr>
-            <p:nvPr/>
-          </p:nvPicPr>
-          <p:blipFill>
-            <a:blip r:embed="rId6">
-              <a:extLst>
-                <a:ext uri="{28A0092B-C50C-407E-A947-70E740481C1C}">
-                  <a14:useLocalDpi xmlns:a14="http://schemas.microsoft.com/office/drawing/2010/main" val="0"/>
-                </a:ext>
-              </a:extLst>
-            </a:blip>
-            <a:stretch>
-              <a:fillRect/>
-            </a:stretch>
-          </p:blipFill>
-          <p:spPr>
-            <a:xfrm>
-              <a:off x="1318698" y="2904838"/>
-              <a:ext cx="538196" cy="564237"/>
-            </a:xfrm>
-            <a:prstGeom prst="rect">
-              <a:avLst/>
-            </a:prstGeom>
-          </p:spPr>
-        </p:pic>
-      </p:grpSp>
-      <p:grpSp>
-        <p:nvGrpSpPr>
-          <p:cNvPr id="33" name="Group 32">
-            <a:extLst>
-              <a:ext uri="{FF2B5EF4-FFF2-40B4-BE49-F238E27FC236}">
-                <a16:creationId xmlns:a16="http://schemas.microsoft.com/office/drawing/2014/main" id="{A1C295C7-E5E9-45F1-93D2-33341CD345DB}"/>
-              </a:ext>
-            </a:extLst>
-          </p:cNvPr>
-          <p:cNvGrpSpPr/>
-          <p:nvPr/>
-        </p:nvGrpSpPr>
-        <p:grpSpPr>
-          <a:xfrm>
-            <a:off x="4123594" y="2548179"/>
-            <a:ext cx="788738" cy="959299"/>
-            <a:chOff x="7116937" y="2904477"/>
-            <a:chExt cx="788738" cy="959299"/>
-          </a:xfrm>
-        </p:grpSpPr>
-        <p:sp>
-          <p:nvSpPr>
-            <p:cNvPr id="30" name="TextBox 29">
-              <a:extLst>
-                <a:ext uri="{FF2B5EF4-FFF2-40B4-BE49-F238E27FC236}">
-                  <a16:creationId xmlns:a16="http://schemas.microsoft.com/office/drawing/2014/main" id="{D21F9248-2D09-48C6-84E3-D2A7B09AB301}"/>
-                </a:ext>
-              </a:extLst>
-            </p:cNvPr>
-            <p:cNvSpPr txBox="1"/>
-            <p:nvPr/>
-          </p:nvSpPr>
-          <p:spPr>
-            <a:xfrm>
-              <a:off x="7116937" y="3589456"/>
-              <a:ext cx="788738" cy="274320"/>
-            </a:xfrm>
-            <a:prstGeom prst="rect">
-              <a:avLst/>
-            </a:prstGeom>
-            <a:noFill/>
-          </p:spPr>
-          <p:txBody>
-            <a:bodyPr wrap="square" lIns="0" tIns="0" rIns="0" bIns="0" rtlCol="0" anchor="t">
-              <a:noAutofit/>
-            </a:bodyPr>
-            <a:lstStyle/>
-            <a:p>
-              <a:pPr algn="ctr"/>
-              <a:r>
-                <a:rPr lang="en-US" sz="800" b="1" dirty="0"/>
-                <a:t>Application Load Balancer</a:t>
-              </a:r>
-              <a:endParaRPr lang="en-US" sz="1400" b="1" dirty="0"/>
-            </a:p>
-          </p:txBody>
-        </p:sp>
-        <p:pic>
-          <p:nvPicPr>
-            <p:cNvPr id="32" name="Picture 31">
-              <a:extLst>
-                <a:ext uri="{FF2B5EF4-FFF2-40B4-BE49-F238E27FC236}">
-                  <a16:creationId xmlns:a16="http://schemas.microsoft.com/office/drawing/2014/main" id="{C91BC1A7-B5B7-4996-A985-B349F595DA1C}"/>
-                </a:ext>
-              </a:extLst>
-            </p:cNvPr>
-            <p:cNvPicPr>
-              <a:picLocks noChangeAspect="1"/>
-            </p:cNvPicPr>
-            <p:nvPr/>
-          </p:nvPicPr>
-          <p:blipFill>
-            <a:blip r:embed="rId7">
-              <a:extLst>
-                <a:ext uri="{28A0092B-C50C-407E-A947-70E740481C1C}">
-                  <a14:useLocalDpi xmlns:a14="http://schemas.microsoft.com/office/drawing/2010/main" val="0"/>
-                </a:ext>
-              </a:extLst>
-            </a:blip>
-            <a:stretch>
-              <a:fillRect/>
-            </a:stretch>
-          </p:blipFill>
-          <p:spPr>
-            <a:xfrm>
-              <a:off x="7239487" y="2904477"/>
-              <a:ext cx="543639" cy="564959"/>
-            </a:xfrm>
-            <a:prstGeom prst="rect">
-              <a:avLst/>
-            </a:prstGeom>
-          </p:spPr>
-        </p:pic>
-      </p:grpSp>
-      <p:grpSp>
-        <p:nvGrpSpPr>
-          <p:cNvPr id="34" name="Group 33">
-            <a:extLst>
-              <a:ext uri="{FF2B5EF4-FFF2-40B4-BE49-F238E27FC236}">
-                <a16:creationId xmlns:a16="http://schemas.microsoft.com/office/drawing/2014/main" id="{E54C2356-BED2-4207-9F05-775487D051B5}"/>
-              </a:ext>
-            </a:extLst>
-          </p:cNvPr>
-          <p:cNvGrpSpPr/>
-          <p:nvPr/>
-        </p:nvGrpSpPr>
-        <p:grpSpPr>
-          <a:xfrm>
-            <a:off x="2424277" y="592750"/>
-            <a:ext cx="9357174" cy="4690450"/>
-            <a:chOff x="468313" y="988432"/>
-            <a:chExt cx="1752600" cy="1995975"/>
-          </a:xfrm>
-        </p:grpSpPr>
-        <p:sp>
-          <p:nvSpPr>
-            <p:cNvPr id="35" name="Rounded Rectangle 3">
-              <a:extLst>
-                <a:ext uri="{FF2B5EF4-FFF2-40B4-BE49-F238E27FC236}">
-                  <a16:creationId xmlns:a16="http://schemas.microsoft.com/office/drawing/2014/main" id="{BC1C883D-1207-43D5-B892-C299AB613910}"/>
+                  <a16:creationId xmlns:a16="http://schemas.microsoft.com/office/drawing/2014/main" id="{F0592E72-523B-4CB9-AD4F-3E43D1462421}"/>
                 </a:ext>
               </a:extLst>
             </p:cNvPr>
@@ -3913,8 +4043,8 @@
           </p:nvSpPr>
           <p:spPr>
             <a:xfrm>
-              <a:off x="468313" y="1250857"/>
-              <a:ext cx="1752600" cy="1733550"/>
+              <a:off x="8820149" y="3404000"/>
+              <a:ext cx="2398055" cy="1733550"/>
             </a:xfrm>
             <a:prstGeom prst="roundRect">
               <a:avLst>
@@ -3922,11 +4052,11 @@
               </a:avLst>
             </a:prstGeom>
             <a:noFill/>
-            <a:ln w="6350">
+            <a:ln w="19050">
               <a:solidFill>
-                <a:schemeClr val="tx1"/>
+                <a:srgbClr val="F7981F"/>
               </a:solidFill>
-              <a:prstDash val="solid"/>
+              <a:prstDash val="lgDash"/>
             </a:ln>
             <a:effectLst/>
           </p:spPr>
@@ -3961,18 +4091,270 @@
                 <a:solidFill>
                   <a:schemeClr val="tx1"/>
                 </a:solidFill>
-                <a:latin typeface="Arial"/>
-                <a:cs typeface="Arial"/>
+                <a:latin typeface="Helvetica Neue"/>
+                <a:cs typeface="Helvetica Neue"/>
+              </a:endParaRPr>
+            </a:p>
+          </p:txBody>
+        </p:sp>
+        <p:sp>
+          <p:nvSpPr>
+            <p:cNvPr id="41" name="Rounded Rectangle 6">
+              <a:extLst>
+                <a:ext uri="{FF2B5EF4-FFF2-40B4-BE49-F238E27FC236}">
+                  <a16:creationId xmlns:a16="http://schemas.microsoft.com/office/drawing/2014/main" id="{1871857B-0AE3-49DC-913A-CF1CF35F0506}"/>
+                </a:ext>
+              </a:extLst>
+            </p:cNvPr>
+            <p:cNvSpPr/>
+            <p:nvPr/>
+          </p:nvSpPr>
+          <p:spPr>
+            <a:xfrm>
+              <a:off x="8877299" y="1311307"/>
+              <a:ext cx="2303827" cy="1733550"/>
+            </a:xfrm>
+            <a:prstGeom prst="roundRect">
+              <a:avLst>
+                <a:gd name="adj" fmla="val 9818"/>
+              </a:avLst>
+            </a:prstGeom>
+            <a:noFill/>
+            <a:ln w="19050">
+              <a:solidFill>
+                <a:srgbClr val="F7981F"/>
+              </a:solidFill>
+              <a:prstDash val="lgDash"/>
+            </a:ln>
+            <a:effectLst/>
+          </p:spPr>
+          <p:style>
+            <a:lnRef idx="1">
+              <a:schemeClr val="accent1"/>
+            </a:lnRef>
+            <a:fillRef idx="3">
+              <a:schemeClr val="accent1"/>
+            </a:fillRef>
+            <a:effectRef idx="2">
+              <a:schemeClr val="accent1"/>
+            </a:effectRef>
+            <a:fontRef idx="minor">
+              <a:schemeClr val="lt1"/>
+            </a:fontRef>
+          </p:style>
+          <p:txBody>
+            <a:bodyPr anchor="ctr"/>
+            <a:lstStyle/>
+            <a:p>
+              <a:pPr algn="ctr" fontAlgn="auto">
+                <a:spcBef>
+                  <a:spcPts val="0"/>
+                </a:spcBef>
+                <a:spcAft>
+                  <a:spcPts val="0"/>
+                </a:spcAft>
+                <a:defRPr/>
+              </a:pPr>
+              <a:endParaRPr lang="en-US" dirty="0">
+                <a:solidFill>
+                  <a:schemeClr val="tx1"/>
+                </a:solidFill>
+                <a:latin typeface="Helvetica Neue"/>
+                <a:cs typeface="Helvetica Neue"/>
+              </a:endParaRPr>
+            </a:p>
+          </p:txBody>
+        </p:sp>
+        <p:sp>
+          <p:nvSpPr>
+            <p:cNvPr id="46" name="TextBox 45">
+              <a:extLst>
+                <a:ext uri="{FF2B5EF4-FFF2-40B4-BE49-F238E27FC236}">
+                  <a16:creationId xmlns:a16="http://schemas.microsoft.com/office/drawing/2014/main" id="{1DE09AF4-6056-469A-B4D5-5B59CC48AEFC}"/>
+                </a:ext>
+              </a:extLst>
+            </p:cNvPr>
+            <p:cNvSpPr txBox="1">
+              <a:spLocks noChangeArrowheads="1"/>
+            </p:cNvSpPr>
+            <p:nvPr/>
+          </p:nvSpPr>
+          <p:spPr bwMode="auto">
+            <a:xfrm>
+              <a:off x="8120541" y="1284120"/>
+              <a:ext cx="4876275" cy="230831"/>
+            </a:xfrm>
+            <a:prstGeom prst="rect">
+              <a:avLst/>
+            </a:prstGeom>
+            <a:noFill/>
+            <a:ln w="9525">
+              <a:noFill/>
+              <a:miter lim="800000"/>
+              <a:headEnd/>
+              <a:tailEnd/>
+            </a:ln>
+          </p:spPr>
+          <p:txBody>
+            <a:bodyPr wrap="square">
+              <a:spAutoFit/>
+            </a:bodyPr>
+            <a:lstStyle/>
+            <a:p>
+              <a:pPr algn="ctr"/>
+              <a:r>
+                <a:rPr lang="en-US" sz="900" b="1" dirty="0">
+                  <a:latin typeface="+mj-lt"/>
+                  <a:ea typeface="Verdana" pitchFamily="34" charset="0"/>
+                  <a:cs typeface="Helvetica Neue"/>
+                </a:rPr>
+                <a:t>private subnet/AZ</a:t>
+              </a:r>
+            </a:p>
+          </p:txBody>
+        </p:sp>
+        <p:sp>
+          <p:nvSpPr>
+            <p:cNvPr id="48" name="Rounded Rectangle 6">
+              <a:extLst>
+                <a:ext uri="{FF2B5EF4-FFF2-40B4-BE49-F238E27FC236}">
+                  <a16:creationId xmlns:a16="http://schemas.microsoft.com/office/drawing/2014/main" id="{3F6A1AA7-4349-4579-A8E3-DCE8C33A5F90}"/>
+                </a:ext>
+              </a:extLst>
+            </p:cNvPr>
+            <p:cNvSpPr/>
+            <p:nvPr/>
+          </p:nvSpPr>
+          <p:spPr>
+            <a:xfrm>
+              <a:off x="6277322" y="1350486"/>
+              <a:ext cx="2303827" cy="1733550"/>
+            </a:xfrm>
+            <a:prstGeom prst="roundRect">
+              <a:avLst>
+                <a:gd name="adj" fmla="val 9818"/>
+              </a:avLst>
+            </a:prstGeom>
+            <a:noFill/>
+            <a:ln w="19050">
+              <a:solidFill>
+                <a:srgbClr val="F7981F"/>
+              </a:solidFill>
+              <a:prstDash val="lgDash"/>
+            </a:ln>
+            <a:effectLst/>
+          </p:spPr>
+          <p:style>
+            <a:lnRef idx="1">
+              <a:schemeClr val="accent1"/>
+            </a:lnRef>
+            <a:fillRef idx="3">
+              <a:schemeClr val="accent1"/>
+            </a:fillRef>
+            <a:effectRef idx="2">
+              <a:schemeClr val="accent1"/>
+            </a:effectRef>
+            <a:fontRef idx="minor">
+              <a:schemeClr val="lt1"/>
+            </a:fontRef>
+          </p:style>
+          <p:txBody>
+            <a:bodyPr anchor="ctr"/>
+            <a:lstStyle/>
+            <a:p>
+              <a:pPr algn="ctr" fontAlgn="auto">
+                <a:spcBef>
+                  <a:spcPts val="0"/>
+                </a:spcBef>
+                <a:spcAft>
+                  <a:spcPts val="0"/>
+                </a:spcAft>
+                <a:defRPr/>
+              </a:pPr>
+              <a:endParaRPr lang="en-US" dirty="0">
+                <a:solidFill>
+                  <a:schemeClr val="tx1"/>
+                </a:solidFill>
+                <a:latin typeface="Helvetica Neue"/>
+                <a:cs typeface="Helvetica Neue"/>
+              </a:endParaRPr>
+            </a:p>
+          </p:txBody>
+        </p:sp>
+        <p:sp>
+          <p:nvSpPr>
+            <p:cNvPr id="50" name="Rounded Rectangle 6">
+              <a:extLst>
+                <a:ext uri="{FF2B5EF4-FFF2-40B4-BE49-F238E27FC236}">
+                  <a16:creationId xmlns:a16="http://schemas.microsoft.com/office/drawing/2014/main" id="{99D55073-F7A0-4D3B-B422-08265D6B1394}"/>
+                </a:ext>
+              </a:extLst>
+            </p:cNvPr>
+            <p:cNvSpPr/>
+            <p:nvPr/>
+          </p:nvSpPr>
+          <p:spPr>
+            <a:xfrm>
+              <a:off x="6225865" y="3410592"/>
+              <a:ext cx="2303827" cy="1733550"/>
+            </a:xfrm>
+            <a:prstGeom prst="roundRect">
+              <a:avLst>
+                <a:gd name="adj" fmla="val 9818"/>
+              </a:avLst>
+            </a:prstGeom>
+            <a:noFill/>
+            <a:ln w="19050">
+              <a:solidFill>
+                <a:srgbClr val="F7981F"/>
+              </a:solidFill>
+              <a:prstDash val="lgDash"/>
+            </a:ln>
+            <a:effectLst/>
+          </p:spPr>
+          <p:style>
+            <a:lnRef idx="1">
+              <a:schemeClr val="accent1"/>
+            </a:lnRef>
+            <a:fillRef idx="3">
+              <a:schemeClr val="accent1"/>
+            </a:fillRef>
+            <a:effectRef idx="2">
+              <a:schemeClr val="accent1"/>
+            </a:effectRef>
+            <a:fontRef idx="minor">
+              <a:schemeClr val="lt1"/>
+            </a:fontRef>
+          </p:style>
+          <p:txBody>
+            <a:bodyPr anchor="ctr"/>
+            <a:lstStyle/>
+            <a:p>
+              <a:pPr algn="ctr" fontAlgn="auto">
+                <a:spcBef>
+                  <a:spcPts val="0"/>
+                </a:spcBef>
+                <a:spcAft>
+                  <a:spcPts val="0"/>
+                </a:spcAft>
+                <a:defRPr/>
+              </a:pPr>
+              <a:endParaRPr lang="en-US" dirty="0">
+                <a:solidFill>
+                  <a:schemeClr val="tx1"/>
+                </a:solidFill>
+                <a:latin typeface="Helvetica Neue"/>
+                <a:cs typeface="Helvetica Neue"/>
               </a:endParaRPr>
             </a:p>
           </p:txBody>
         </p:sp>
         <p:pic>
           <p:nvPicPr>
-            <p:cNvPr id="37" name="Picture 36">
+            <p:cNvPr id="52" name="Picture 51">
               <a:extLst>
                 <a:ext uri="{FF2B5EF4-FFF2-40B4-BE49-F238E27FC236}">
-                  <a16:creationId xmlns:a16="http://schemas.microsoft.com/office/drawing/2014/main" id="{B6F44A55-5416-458F-A796-6FD4268329C0}"/>
+                  <a16:creationId xmlns:a16="http://schemas.microsoft.com/office/drawing/2014/main" id="{12E317FE-58AF-4189-80F4-1C420F185209}"/>
                 </a:ext>
               </a:extLst>
             </p:cNvPr>
@@ -3982,7 +4364,7 @@
             <p:nvPr/>
           </p:nvPicPr>
           <p:blipFill>
-            <a:blip r:embed="rId8">
+            <a:blip r:embed="rId2">
               <a:extLst>
                 <a:ext uri="{28A0092B-C50C-407E-A947-70E740481C1C}">
                   <a14:useLocalDpi xmlns:a14="http://schemas.microsoft.com/office/drawing/2010/main" val="0"/>
@@ -3995,434 +4377,20 @@
           </p:blipFill>
           <p:spPr>
             <a:xfrm>
-              <a:off x="581181" y="988432"/>
-              <a:ext cx="599170" cy="391125"/>
+              <a:off x="7583266" y="3813374"/>
+              <a:ext cx="544781" cy="653737"/>
             </a:xfrm>
             <a:prstGeom prst="rect">
               <a:avLst/>
             </a:prstGeom>
           </p:spPr>
         </p:pic>
-      </p:grpSp>
-      <p:sp>
-        <p:nvSpPr>
-          <p:cNvPr id="39" name="Rounded Rectangle 6">
-            <a:extLst>
-              <a:ext uri="{FF2B5EF4-FFF2-40B4-BE49-F238E27FC236}">
-                <a16:creationId xmlns:a16="http://schemas.microsoft.com/office/drawing/2014/main" id="{F0592E72-523B-4CB9-AD4F-3E43D1462421}"/>
-              </a:ext>
-            </a:extLst>
-          </p:cNvPr>
-          <p:cNvSpPr/>
-          <p:nvPr/>
-        </p:nvSpPr>
-        <p:spPr>
-          <a:xfrm>
-            <a:off x="8820149" y="3404000"/>
-            <a:ext cx="2398055" cy="1733550"/>
-          </a:xfrm>
-          <a:prstGeom prst="roundRect">
-            <a:avLst>
-              <a:gd name="adj" fmla="val 9818"/>
-            </a:avLst>
-          </a:prstGeom>
-          <a:noFill/>
-          <a:ln w="19050">
-            <a:solidFill>
-              <a:srgbClr val="F7981F"/>
-            </a:solidFill>
-            <a:prstDash val="lgDash"/>
-          </a:ln>
-          <a:effectLst/>
-        </p:spPr>
-        <p:style>
-          <a:lnRef idx="1">
-            <a:schemeClr val="accent1"/>
-          </a:lnRef>
-          <a:fillRef idx="3">
-            <a:schemeClr val="accent1"/>
-          </a:fillRef>
-          <a:effectRef idx="2">
-            <a:schemeClr val="accent1"/>
-          </a:effectRef>
-          <a:fontRef idx="minor">
-            <a:schemeClr val="lt1"/>
-          </a:fontRef>
-        </p:style>
-        <p:txBody>
-          <a:bodyPr anchor="ctr"/>
-          <a:lstStyle/>
-          <a:p>
-            <a:pPr algn="ctr" fontAlgn="auto">
-              <a:spcBef>
-                <a:spcPts val="0"/>
-              </a:spcBef>
-              <a:spcAft>
-                <a:spcPts val="0"/>
-              </a:spcAft>
-              <a:defRPr/>
-            </a:pPr>
-            <a:endParaRPr lang="en-US" dirty="0">
-              <a:solidFill>
-                <a:schemeClr val="tx1"/>
-              </a:solidFill>
-              <a:latin typeface="Helvetica Neue"/>
-              <a:cs typeface="Helvetica Neue"/>
-            </a:endParaRPr>
-          </a:p>
-        </p:txBody>
-      </p:sp>
-      <p:sp>
-        <p:nvSpPr>
-          <p:cNvPr id="41" name="Rounded Rectangle 6">
-            <a:extLst>
-              <a:ext uri="{FF2B5EF4-FFF2-40B4-BE49-F238E27FC236}">
-                <a16:creationId xmlns:a16="http://schemas.microsoft.com/office/drawing/2014/main" id="{1871857B-0AE3-49DC-913A-CF1CF35F0506}"/>
-              </a:ext>
-            </a:extLst>
-          </p:cNvPr>
-          <p:cNvSpPr/>
-          <p:nvPr/>
-        </p:nvSpPr>
-        <p:spPr>
-          <a:xfrm>
-            <a:off x="8877299" y="1311307"/>
-            <a:ext cx="2303827" cy="1733550"/>
-          </a:xfrm>
-          <a:prstGeom prst="roundRect">
-            <a:avLst>
-              <a:gd name="adj" fmla="val 9818"/>
-            </a:avLst>
-          </a:prstGeom>
-          <a:noFill/>
-          <a:ln w="19050">
-            <a:solidFill>
-              <a:srgbClr val="F7981F"/>
-            </a:solidFill>
-            <a:prstDash val="lgDash"/>
-          </a:ln>
-          <a:effectLst/>
-        </p:spPr>
-        <p:style>
-          <a:lnRef idx="1">
-            <a:schemeClr val="accent1"/>
-          </a:lnRef>
-          <a:fillRef idx="3">
-            <a:schemeClr val="accent1"/>
-          </a:fillRef>
-          <a:effectRef idx="2">
-            <a:schemeClr val="accent1"/>
-          </a:effectRef>
-          <a:fontRef idx="minor">
-            <a:schemeClr val="lt1"/>
-          </a:fontRef>
-        </p:style>
-        <p:txBody>
-          <a:bodyPr anchor="ctr"/>
-          <a:lstStyle/>
-          <a:p>
-            <a:pPr algn="ctr" fontAlgn="auto">
-              <a:spcBef>
-                <a:spcPts val="0"/>
-              </a:spcBef>
-              <a:spcAft>
-                <a:spcPts val="0"/>
-              </a:spcAft>
-              <a:defRPr/>
-            </a:pPr>
-            <a:endParaRPr lang="en-US" dirty="0">
-              <a:solidFill>
-                <a:schemeClr val="tx1"/>
-              </a:solidFill>
-              <a:latin typeface="Helvetica Neue"/>
-              <a:cs typeface="Helvetica Neue"/>
-            </a:endParaRPr>
-          </a:p>
-        </p:txBody>
-      </p:sp>
-      <p:sp>
-        <p:nvSpPr>
-          <p:cNvPr id="46" name="TextBox 45">
-            <a:extLst>
-              <a:ext uri="{FF2B5EF4-FFF2-40B4-BE49-F238E27FC236}">
-                <a16:creationId xmlns:a16="http://schemas.microsoft.com/office/drawing/2014/main" id="{1DE09AF4-6056-469A-B4D5-5B59CC48AEFC}"/>
-              </a:ext>
-            </a:extLst>
-          </p:cNvPr>
-          <p:cNvSpPr txBox="1">
-            <a:spLocks noChangeArrowheads="1"/>
-          </p:cNvSpPr>
-          <p:nvPr/>
-        </p:nvSpPr>
-        <p:spPr bwMode="auto">
-          <a:xfrm>
-            <a:off x="8120541" y="1284120"/>
-            <a:ext cx="4876275" cy="230831"/>
-          </a:xfrm>
-          <a:prstGeom prst="rect">
-            <a:avLst/>
-          </a:prstGeom>
-          <a:noFill/>
-          <a:ln w="9525">
-            <a:noFill/>
-            <a:miter lim="800000"/>
-            <a:headEnd/>
-            <a:tailEnd/>
-          </a:ln>
-        </p:spPr>
-        <p:txBody>
-          <a:bodyPr wrap="square">
-            <a:spAutoFit/>
-          </a:bodyPr>
-          <a:lstStyle/>
-          <a:p>
-            <a:pPr algn="ctr"/>
-            <a:r>
-              <a:rPr lang="en-US" sz="900" b="1" dirty="0">
-                <a:latin typeface="+mj-lt"/>
-                <a:ea typeface="Verdana" pitchFamily="34" charset="0"/>
-                <a:cs typeface="Helvetica Neue"/>
-              </a:rPr>
-              <a:t>private subnet/AZ</a:t>
-            </a:r>
-          </a:p>
-        </p:txBody>
-      </p:sp>
-      <p:sp>
-        <p:nvSpPr>
-          <p:cNvPr id="48" name="Rounded Rectangle 6">
-            <a:extLst>
-              <a:ext uri="{FF2B5EF4-FFF2-40B4-BE49-F238E27FC236}">
-                <a16:creationId xmlns:a16="http://schemas.microsoft.com/office/drawing/2014/main" id="{3F6A1AA7-4349-4579-A8E3-DCE8C33A5F90}"/>
-              </a:ext>
-            </a:extLst>
-          </p:cNvPr>
-          <p:cNvSpPr/>
-          <p:nvPr/>
-        </p:nvSpPr>
-        <p:spPr>
-          <a:xfrm>
-            <a:off x="6277322" y="1350486"/>
-            <a:ext cx="2303827" cy="1733550"/>
-          </a:xfrm>
-          <a:prstGeom prst="roundRect">
-            <a:avLst>
-              <a:gd name="adj" fmla="val 9818"/>
-            </a:avLst>
-          </a:prstGeom>
-          <a:noFill/>
-          <a:ln w="19050">
-            <a:solidFill>
-              <a:srgbClr val="F7981F"/>
-            </a:solidFill>
-            <a:prstDash val="lgDash"/>
-          </a:ln>
-          <a:effectLst/>
-        </p:spPr>
-        <p:style>
-          <a:lnRef idx="1">
-            <a:schemeClr val="accent1"/>
-          </a:lnRef>
-          <a:fillRef idx="3">
-            <a:schemeClr val="accent1"/>
-          </a:fillRef>
-          <a:effectRef idx="2">
-            <a:schemeClr val="accent1"/>
-          </a:effectRef>
-          <a:fontRef idx="minor">
-            <a:schemeClr val="lt1"/>
-          </a:fontRef>
-        </p:style>
-        <p:txBody>
-          <a:bodyPr anchor="ctr"/>
-          <a:lstStyle/>
-          <a:p>
-            <a:pPr algn="ctr" fontAlgn="auto">
-              <a:spcBef>
-                <a:spcPts val="0"/>
-              </a:spcBef>
-              <a:spcAft>
-                <a:spcPts val="0"/>
-              </a:spcAft>
-              <a:defRPr/>
-            </a:pPr>
-            <a:endParaRPr lang="en-US" dirty="0">
-              <a:solidFill>
-                <a:schemeClr val="tx1"/>
-              </a:solidFill>
-              <a:latin typeface="Helvetica Neue"/>
-              <a:cs typeface="Helvetica Neue"/>
-            </a:endParaRPr>
-          </a:p>
-        </p:txBody>
-      </p:sp>
-      <p:sp>
-        <p:nvSpPr>
-          <p:cNvPr id="50" name="Rounded Rectangle 6">
-            <a:extLst>
-              <a:ext uri="{FF2B5EF4-FFF2-40B4-BE49-F238E27FC236}">
-                <a16:creationId xmlns:a16="http://schemas.microsoft.com/office/drawing/2014/main" id="{99D55073-F7A0-4D3B-B422-08265D6B1394}"/>
-              </a:ext>
-            </a:extLst>
-          </p:cNvPr>
-          <p:cNvSpPr/>
-          <p:nvPr/>
-        </p:nvSpPr>
-        <p:spPr>
-          <a:xfrm>
-            <a:off x="6225865" y="3410592"/>
-            <a:ext cx="2303827" cy="1733550"/>
-          </a:xfrm>
-          <a:prstGeom prst="roundRect">
-            <a:avLst>
-              <a:gd name="adj" fmla="val 9818"/>
-            </a:avLst>
-          </a:prstGeom>
-          <a:noFill/>
-          <a:ln w="19050">
-            <a:solidFill>
-              <a:srgbClr val="F7981F"/>
-            </a:solidFill>
-            <a:prstDash val="lgDash"/>
-          </a:ln>
-          <a:effectLst/>
-        </p:spPr>
-        <p:style>
-          <a:lnRef idx="1">
-            <a:schemeClr val="accent1"/>
-          </a:lnRef>
-          <a:fillRef idx="3">
-            <a:schemeClr val="accent1"/>
-          </a:fillRef>
-          <a:effectRef idx="2">
-            <a:schemeClr val="accent1"/>
-          </a:effectRef>
-          <a:fontRef idx="minor">
-            <a:schemeClr val="lt1"/>
-          </a:fontRef>
-        </p:style>
-        <p:txBody>
-          <a:bodyPr anchor="ctr"/>
-          <a:lstStyle/>
-          <a:p>
-            <a:pPr algn="ctr" fontAlgn="auto">
-              <a:spcBef>
-                <a:spcPts val="0"/>
-              </a:spcBef>
-              <a:spcAft>
-                <a:spcPts val="0"/>
-              </a:spcAft>
-              <a:defRPr/>
-            </a:pPr>
-            <a:endParaRPr lang="en-US" dirty="0">
-              <a:solidFill>
-                <a:schemeClr val="tx1"/>
-              </a:solidFill>
-              <a:latin typeface="Helvetica Neue"/>
-              <a:cs typeface="Helvetica Neue"/>
-            </a:endParaRPr>
-          </a:p>
-        </p:txBody>
-      </p:sp>
-      <p:pic>
-        <p:nvPicPr>
-          <p:cNvPr id="52" name="Picture 51">
-            <a:extLst>
-              <a:ext uri="{FF2B5EF4-FFF2-40B4-BE49-F238E27FC236}">
-                <a16:creationId xmlns:a16="http://schemas.microsoft.com/office/drawing/2014/main" id="{12E317FE-58AF-4189-80F4-1C420F185209}"/>
-              </a:ext>
-            </a:extLst>
-          </p:cNvPr>
-          <p:cNvPicPr>
-            <a:picLocks noChangeAspect="1"/>
-          </p:cNvPicPr>
-          <p:nvPr/>
-        </p:nvPicPr>
-        <p:blipFill>
-          <a:blip r:embed="rId2">
-            <a:extLst>
-              <a:ext uri="{28A0092B-C50C-407E-A947-70E740481C1C}">
-                <a14:useLocalDpi xmlns:a14="http://schemas.microsoft.com/office/drawing/2010/main" val="0"/>
-              </a:ext>
-            </a:extLst>
-          </a:blip>
-          <a:stretch>
-            <a:fillRect/>
-          </a:stretch>
-        </p:blipFill>
-        <p:spPr>
-          <a:xfrm>
-            <a:off x="7583266" y="3813374"/>
-            <a:ext cx="544781" cy="653737"/>
-          </a:xfrm>
-          <a:prstGeom prst="rect">
-            <a:avLst/>
-          </a:prstGeom>
-        </p:spPr>
-      </p:pic>
-      <p:sp>
-        <p:nvSpPr>
-          <p:cNvPr id="53" name="TextBox 52">
-            <a:extLst>
-              <a:ext uri="{FF2B5EF4-FFF2-40B4-BE49-F238E27FC236}">
-                <a16:creationId xmlns:a16="http://schemas.microsoft.com/office/drawing/2014/main" id="{9364FB75-9406-4F91-9F97-5AE8681F1B7A}"/>
-              </a:ext>
-            </a:extLst>
-          </p:cNvPr>
-          <p:cNvSpPr txBox="1"/>
-          <p:nvPr/>
-        </p:nvSpPr>
-        <p:spPr>
-          <a:xfrm>
-            <a:off x="7533766" y="4494298"/>
-            <a:ext cx="643781" cy="155632"/>
-          </a:xfrm>
-          <a:prstGeom prst="rect">
-            <a:avLst/>
-          </a:prstGeom>
-          <a:noFill/>
-        </p:spPr>
-        <p:txBody>
-          <a:bodyPr wrap="square" lIns="0" tIns="0" rIns="0" bIns="0" rtlCol="0" anchor="t">
-            <a:noAutofit/>
-          </a:bodyPr>
-          <a:lstStyle/>
-          <a:p>
-            <a:pPr algn="ctr"/>
-            <a:r>
-              <a:rPr lang="en-US" sz="1000" b="1" dirty="0"/>
-              <a:t>Web/App server</a:t>
-            </a:r>
-            <a:endParaRPr lang="en-US" b="1" dirty="0"/>
-          </a:p>
-        </p:txBody>
-      </p:sp>
-      <p:grpSp>
-        <p:nvGrpSpPr>
-          <p:cNvPr id="54" name="Group 53">
-            <a:extLst>
-              <a:ext uri="{FF2B5EF4-FFF2-40B4-BE49-F238E27FC236}">
-                <a16:creationId xmlns:a16="http://schemas.microsoft.com/office/drawing/2014/main" id="{3172CF8E-B0F8-404D-B789-4F7FA716E445}"/>
-              </a:ext>
-            </a:extLst>
-          </p:cNvPr>
-          <p:cNvGrpSpPr/>
-          <p:nvPr/>
-        </p:nvGrpSpPr>
-        <p:grpSpPr>
-          <a:xfrm>
-            <a:off x="6357074" y="1453058"/>
-            <a:ext cx="640080" cy="949645"/>
-            <a:chOff x="2863144" y="2909178"/>
-            <a:chExt cx="640080" cy="949645"/>
-          </a:xfrm>
-        </p:grpSpPr>
         <p:sp>
           <p:nvSpPr>
-            <p:cNvPr id="55" name="TextBox 54">
+            <p:cNvPr id="53" name="TextBox 52">
               <a:extLst>
                 <a:ext uri="{FF2B5EF4-FFF2-40B4-BE49-F238E27FC236}">
-                  <a16:creationId xmlns:a16="http://schemas.microsoft.com/office/drawing/2014/main" id="{4967F097-B43E-405D-AF9C-D29AA310B399}"/>
+                  <a16:creationId xmlns:a16="http://schemas.microsoft.com/office/drawing/2014/main" id="{9364FB75-9406-4F91-9F97-5AE8681F1B7A}"/>
                 </a:ext>
               </a:extLst>
             </p:cNvPr>
@@ -4431,8 +4399,8 @@
           </p:nvSpPr>
           <p:spPr>
             <a:xfrm>
-              <a:off x="2863144" y="3584503"/>
-              <a:ext cx="640080" cy="274320"/>
+              <a:off x="7533766" y="4494298"/>
+              <a:ext cx="643781" cy="155632"/>
             </a:xfrm>
             <a:prstGeom prst="rect">
               <a:avLst/>
@@ -4447,496 +4415,121 @@
             <a:p>
               <a:pPr algn="ctr"/>
               <a:r>
-                <a:rPr lang="en-US" sz="800" b="1" dirty="0"/>
-                <a:t>NAT gateway/  </a:t>
+                <a:rPr lang="en-US" sz="1000" b="1" dirty="0"/>
+                <a:t>Web/App server</a:t>
               </a:r>
-              <a:r>
-                <a:rPr lang="en-US" sz="800" b="1" dirty="0" err="1"/>
-                <a:t>securitygroup</a:t>
-              </a:r>
-              <a:endParaRPr lang="en-US" sz="800" b="1" dirty="0"/>
-            </a:p>
-            <a:p>
-              <a:pPr algn="ctr"/>
-              <a:endParaRPr lang="en-US" sz="1400" b="1" dirty="0"/>
+              <a:endParaRPr lang="en-US" b="1" dirty="0"/>
             </a:p>
           </p:txBody>
         </p:sp>
-        <p:pic>
-          <p:nvPicPr>
-            <p:cNvPr id="56" name="Picture 55">
+        <p:grpSp>
+          <p:nvGrpSpPr>
+            <p:cNvPr id="54" name="Group 53">
               <a:extLst>
                 <a:ext uri="{FF2B5EF4-FFF2-40B4-BE49-F238E27FC236}">
-                  <a16:creationId xmlns:a16="http://schemas.microsoft.com/office/drawing/2014/main" id="{D84D9C64-2BF7-465B-BEB4-EA96ED72CF59}"/>
+                  <a16:creationId xmlns:a16="http://schemas.microsoft.com/office/drawing/2014/main" id="{3172CF8E-B0F8-404D-B789-4F7FA716E445}"/>
                 </a:ext>
               </a:extLst>
             </p:cNvPr>
-            <p:cNvPicPr>
-              <a:picLocks noChangeAspect="1"/>
-            </p:cNvPicPr>
+            <p:cNvGrpSpPr/>
             <p:nvPr/>
-          </p:nvPicPr>
-          <p:blipFill>
-            <a:blip r:embed="rId3">
-              <a:extLst>
-                <a:ext uri="{28A0092B-C50C-407E-A947-70E740481C1C}">
-                  <a14:useLocalDpi xmlns:a14="http://schemas.microsoft.com/office/drawing/2010/main" val="0"/>
-                </a:ext>
-              </a:extLst>
-            </a:blip>
-            <a:stretch>
-              <a:fillRect/>
-            </a:stretch>
-          </p:blipFill>
-          <p:spPr>
+          </p:nvGrpSpPr>
+          <p:grpSpPr>
             <a:xfrm>
-              <a:off x="2913233" y="2909178"/>
-              <a:ext cx="538195" cy="555557"/>
+              <a:off x="6357074" y="1453058"/>
+              <a:ext cx="640080" cy="949645"/>
+              <a:chOff x="2863144" y="2909178"/>
+              <a:chExt cx="640080" cy="949645"/>
             </a:xfrm>
-            <a:prstGeom prst="rect">
-              <a:avLst/>
-            </a:prstGeom>
-          </p:spPr>
-        </p:pic>
-      </p:grpSp>
-      <p:sp>
-        <p:nvSpPr>
-          <p:cNvPr id="58" name="TextBox 57">
-            <a:extLst>
-              <a:ext uri="{FF2B5EF4-FFF2-40B4-BE49-F238E27FC236}">
-                <a16:creationId xmlns:a16="http://schemas.microsoft.com/office/drawing/2014/main" id="{9DDB6D53-31CC-408B-82C4-69BD1DBBB868}"/>
-              </a:ext>
-            </a:extLst>
-          </p:cNvPr>
-          <p:cNvSpPr txBox="1">
-            <a:spLocks noChangeArrowheads="1"/>
-          </p:cNvSpPr>
-          <p:nvPr/>
-        </p:nvSpPr>
-        <p:spPr bwMode="auto">
-          <a:xfrm>
-            <a:off x="5650337" y="1320677"/>
-            <a:ext cx="4876275" cy="230831"/>
-          </a:xfrm>
-          <a:prstGeom prst="rect">
-            <a:avLst/>
-          </a:prstGeom>
-          <a:noFill/>
-          <a:ln w="9525">
-            <a:noFill/>
-            <a:miter lim="800000"/>
-            <a:headEnd/>
-            <a:tailEnd/>
-          </a:ln>
-        </p:spPr>
-        <p:txBody>
-          <a:bodyPr wrap="square">
-            <a:spAutoFit/>
-          </a:bodyPr>
-          <a:lstStyle/>
-          <a:p>
-            <a:pPr algn="ctr"/>
-            <a:r>
-              <a:rPr lang="en-US" sz="900" b="1" dirty="0">
-                <a:latin typeface="+mj-lt"/>
-                <a:ea typeface="Verdana" pitchFamily="34" charset="0"/>
-                <a:cs typeface="Helvetica Neue"/>
-              </a:rPr>
-              <a:t>Public subnet/AZ</a:t>
-            </a:r>
-          </a:p>
-        </p:txBody>
-      </p:sp>
-      <p:sp>
-        <p:nvSpPr>
-          <p:cNvPr id="60" name="TextBox 59">
-            <a:extLst>
-              <a:ext uri="{FF2B5EF4-FFF2-40B4-BE49-F238E27FC236}">
-                <a16:creationId xmlns:a16="http://schemas.microsoft.com/office/drawing/2014/main" id="{CC50FEAA-6733-4092-A440-13CCB2FD877A}"/>
-              </a:ext>
-            </a:extLst>
-          </p:cNvPr>
-          <p:cNvSpPr txBox="1">
-            <a:spLocks noChangeArrowheads="1"/>
-          </p:cNvSpPr>
-          <p:nvPr/>
-        </p:nvSpPr>
-        <p:spPr bwMode="auto">
-          <a:xfrm>
-            <a:off x="5645353" y="3404480"/>
-            <a:ext cx="4876275" cy="230831"/>
-          </a:xfrm>
-          <a:prstGeom prst="rect">
-            <a:avLst/>
-          </a:prstGeom>
-          <a:noFill/>
-          <a:ln w="9525">
-            <a:noFill/>
-            <a:miter lim="800000"/>
-            <a:headEnd/>
-            <a:tailEnd/>
-          </a:ln>
-        </p:spPr>
-        <p:txBody>
-          <a:bodyPr wrap="square">
-            <a:spAutoFit/>
-          </a:bodyPr>
-          <a:lstStyle/>
-          <a:p>
-            <a:pPr algn="ctr"/>
-            <a:r>
-              <a:rPr lang="en-US" sz="900" b="1" dirty="0">
-                <a:latin typeface="+mj-lt"/>
-                <a:ea typeface="Verdana" pitchFamily="34" charset="0"/>
-                <a:cs typeface="Helvetica Neue"/>
-              </a:rPr>
-              <a:t>Public subnet/AZ</a:t>
-            </a:r>
-          </a:p>
-        </p:txBody>
-      </p:sp>
-      <p:sp>
-        <p:nvSpPr>
-          <p:cNvPr id="62" name="TextBox 61">
-            <a:extLst>
-              <a:ext uri="{FF2B5EF4-FFF2-40B4-BE49-F238E27FC236}">
-                <a16:creationId xmlns:a16="http://schemas.microsoft.com/office/drawing/2014/main" id="{8810EA28-F9C9-4EA4-A48D-5F8AA4B1AAD4}"/>
-              </a:ext>
-            </a:extLst>
-          </p:cNvPr>
-          <p:cNvSpPr txBox="1">
-            <a:spLocks noChangeArrowheads="1"/>
-          </p:cNvSpPr>
-          <p:nvPr/>
-        </p:nvSpPr>
-        <p:spPr bwMode="auto">
-          <a:xfrm>
-            <a:off x="8377292" y="3392074"/>
-            <a:ext cx="4631068" cy="230832"/>
-          </a:xfrm>
-          <a:prstGeom prst="rect">
-            <a:avLst/>
-          </a:prstGeom>
-          <a:noFill/>
-          <a:ln w="9525">
-            <a:noFill/>
-            <a:miter lim="800000"/>
-            <a:headEnd/>
-            <a:tailEnd/>
-          </a:ln>
-        </p:spPr>
-        <p:txBody>
-          <a:bodyPr wrap="square">
-            <a:spAutoFit/>
-          </a:bodyPr>
-          <a:lstStyle/>
-          <a:p>
-            <a:pPr algn="ctr"/>
-            <a:r>
-              <a:rPr lang="en-US" sz="900" b="1" dirty="0">
-                <a:latin typeface="+mj-lt"/>
-                <a:ea typeface="Verdana" pitchFamily="34" charset="0"/>
-                <a:cs typeface="Helvetica Neue"/>
-              </a:rPr>
-              <a:t>private subnet/AZ</a:t>
-            </a:r>
-          </a:p>
-        </p:txBody>
-      </p:sp>
-      <p:cxnSp>
-        <p:nvCxnSpPr>
-          <p:cNvPr id="65" name="Straight Connector 64">
-            <a:extLst>
-              <a:ext uri="{FF2B5EF4-FFF2-40B4-BE49-F238E27FC236}">
-                <a16:creationId xmlns:a16="http://schemas.microsoft.com/office/drawing/2014/main" id="{EF97A57D-AE44-4756-830F-C8BE7306BA4E}"/>
-              </a:ext>
-            </a:extLst>
-          </p:cNvPr>
-          <p:cNvCxnSpPr>
-            <a:cxnSpLocks/>
-          </p:cNvCxnSpPr>
-          <p:nvPr/>
-        </p:nvCxnSpPr>
-        <p:spPr>
-          <a:xfrm flipH="1" flipV="1">
-            <a:off x="8098640" y="2319744"/>
-            <a:ext cx="1407607" cy="1611944"/>
-          </a:xfrm>
-          <a:prstGeom prst="line">
-            <a:avLst/>
-          </a:prstGeom>
-          <a:ln>
-            <a:solidFill>
-              <a:srgbClr val="414042"/>
-            </a:solidFill>
-            <a:headEnd type="triangle"/>
-          </a:ln>
-          <a:effectLst/>
-        </p:spPr>
-        <p:style>
-          <a:lnRef idx="2">
-            <a:schemeClr val="accent1"/>
-          </a:lnRef>
-          <a:fillRef idx="0">
-            <a:schemeClr val="accent1"/>
-          </a:fillRef>
-          <a:effectRef idx="1">
-            <a:schemeClr val="accent1"/>
-          </a:effectRef>
-          <a:fontRef idx="minor">
-            <a:schemeClr val="tx1"/>
-          </a:fontRef>
-        </p:style>
-      </p:cxnSp>
-      <p:cxnSp>
-        <p:nvCxnSpPr>
-          <p:cNvPr id="69" name="Straight Connector 68">
-            <a:extLst>
-              <a:ext uri="{FF2B5EF4-FFF2-40B4-BE49-F238E27FC236}">
-                <a16:creationId xmlns:a16="http://schemas.microsoft.com/office/drawing/2014/main" id="{E2C28D00-B430-4994-935B-E150EB2343DD}"/>
-              </a:ext>
-            </a:extLst>
-          </p:cNvPr>
-          <p:cNvCxnSpPr>
-            <a:cxnSpLocks/>
-            <a:stCxn id="17" idx="1"/>
-          </p:cNvCxnSpPr>
-          <p:nvPr/>
-        </p:nvCxnSpPr>
-        <p:spPr>
-          <a:xfrm flipH="1">
-            <a:off x="8128048" y="4129471"/>
-            <a:ext cx="1406864" cy="10771"/>
-          </a:xfrm>
-          <a:prstGeom prst="line">
-            <a:avLst/>
-          </a:prstGeom>
-          <a:ln>
-            <a:solidFill>
-              <a:srgbClr val="414042"/>
-            </a:solidFill>
-            <a:headEnd type="triangle"/>
-          </a:ln>
-          <a:effectLst/>
-        </p:spPr>
-        <p:style>
-          <a:lnRef idx="2">
-            <a:schemeClr val="accent1"/>
-          </a:lnRef>
-          <a:fillRef idx="0">
-            <a:schemeClr val="accent1"/>
-          </a:fillRef>
-          <a:effectRef idx="1">
-            <a:schemeClr val="accent1"/>
-          </a:effectRef>
-          <a:fontRef idx="minor">
-            <a:schemeClr val="tx1"/>
-          </a:fontRef>
-        </p:style>
-      </p:cxnSp>
-      <p:cxnSp>
-        <p:nvCxnSpPr>
-          <p:cNvPr id="71" name="Straight Connector 70">
-            <a:extLst>
-              <a:ext uri="{FF2B5EF4-FFF2-40B4-BE49-F238E27FC236}">
-                <a16:creationId xmlns:a16="http://schemas.microsoft.com/office/drawing/2014/main" id="{CF8EA196-83AA-4A7D-AD84-4AD263A53697}"/>
-              </a:ext>
-            </a:extLst>
-          </p:cNvPr>
-          <p:cNvCxnSpPr>
-            <a:cxnSpLocks/>
-            <a:stCxn id="17" idx="0"/>
-          </p:cNvCxnSpPr>
-          <p:nvPr/>
-        </p:nvCxnSpPr>
-        <p:spPr>
-          <a:xfrm flipH="1" flipV="1">
-            <a:off x="9710270" y="2196940"/>
-            <a:ext cx="53302" cy="1631116"/>
-          </a:xfrm>
-          <a:prstGeom prst="line">
-            <a:avLst/>
-          </a:prstGeom>
-          <a:ln>
-            <a:solidFill>
-              <a:srgbClr val="414042"/>
-            </a:solidFill>
-            <a:headEnd type="none"/>
-            <a:tailEnd type="triangle"/>
-          </a:ln>
-          <a:effectLst/>
-        </p:spPr>
-        <p:style>
-          <a:lnRef idx="2">
-            <a:schemeClr val="accent1"/>
-          </a:lnRef>
-          <a:fillRef idx="0">
-            <a:schemeClr val="accent1"/>
-          </a:fillRef>
-          <a:effectRef idx="1">
-            <a:schemeClr val="accent1"/>
-          </a:effectRef>
-          <a:fontRef idx="minor">
-            <a:schemeClr val="tx1"/>
-          </a:fontRef>
-        </p:style>
-      </p:cxnSp>
-      <p:cxnSp>
-        <p:nvCxnSpPr>
-          <p:cNvPr id="79" name="Straight Connector 78">
-            <a:extLst>
-              <a:ext uri="{FF2B5EF4-FFF2-40B4-BE49-F238E27FC236}">
-                <a16:creationId xmlns:a16="http://schemas.microsoft.com/office/drawing/2014/main" id="{F00D591D-7B9E-4832-AE5C-5F76E4F219BE}"/>
-              </a:ext>
-            </a:extLst>
-          </p:cNvPr>
-          <p:cNvCxnSpPr>
-            <a:cxnSpLocks/>
-            <a:stCxn id="5" idx="1"/>
-            <a:endCxn id="169" idx="3"/>
-          </p:cNvCxnSpPr>
-          <p:nvPr/>
-        </p:nvCxnSpPr>
-        <p:spPr>
-          <a:xfrm flipH="1">
-            <a:off x="6421336" y="2143466"/>
-            <a:ext cx="1122358" cy="1034679"/>
-          </a:xfrm>
-          <a:prstGeom prst="line">
-            <a:avLst/>
-          </a:prstGeom>
-          <a:ln>
-            <a:solidFill>
-              <a:srgbClr val="414042"/>
-            </a:solidFill>
-            <a:headEnd type="triangle"/>
-            <a:tailEnd type="none"/>
-          </a:ln>
-          <a:effectLst/>
-        </p:spPr>
-        <p:style>
-          <a:lnRef idx="2">
-            <a:schemeClr val="accent1"/>
-          </a:lnRef>
-          <a:fillRef idx="0">
-            <a:schemeClr val="accent1"/>
-          </a:fillRef>
-          <a:effectRef idx="1">
-            <a:schemeClr val="accent1"/>
-          </a:effectRef>
-          <a:fontRef idx="minor">
-            <a:schemeClr val="tx1"/>
-          </a:fontRef>
-        </p:style>
-      </p:cxnSp>
-      <p:cxnSp>
-        <p:nvCxnSpPr>
-          <p:cNvPr id="82" name="Straight Connector 81">
-            <a:extLst>
-              <a:ext uri="{FF2B5EF4-FFF2-40B4-BE49-F238E27FC236}">
-                <a16:creationId xmlns:a16="http://schemas.microsoft.com/office/drawing/2014/main" id="{E421CEB4-385B-42EE-8F1D-A6D36990324D}"/>
-              </a:ext>
-            </a:extLst>
-          </p:cNvPr>
-          <p:cNvCxnSpPr>
-            <a:cxnSpLocks/>
-            <a:endCxn id="169" idx="3"/>
-          </p:cNvCxnSpPr>
-          <p:nvPr/>
-        </p:nvCxnSpPr>
-        <p:spPr>
-          <a:xfrm flipH="1" flipV="1">
-            <a:off x="6421336" y="3178145"/>
-            <a:ext cx="1196962" cy="739806"/>
-          </a:xfrm>
-          <a:prstGeom prst="line">
-            <a:avLst/>
-          </a:prstGeom>
-          <a:ln>
-            <a:solidFill>
-              <a:srgbClr val="414042"/>
-            </a:solidFill>
-            <a:headEnd type="triangle"/>
-          </a:ln>
-          <a:effectLst/>
-        </p:spPr>
-        <p:style>
-          <a:lnRef idx="2">
-            <a:schemeClr val="accent1"/>
-          </a:lnRef>
-          <a:fillRef idx="0">
-            <a:schemeClr val="accent1"/>
-          </a:fillRef>
-          <a:effectRef idx="1">
-            <a:schemeClr val="accent1"/>
-          </a:effectRef>
-          <a:fontRef idx="minor">
-            <a:schemeClr val="tx1"/>
-          </a:fontRef>
-        </p:style>
-      </p:cxnSp>
-      <p:grpSp>
-        <p:nvGrpSpPr>
-          <p:cNvPr id="97" name="Group 96">
-            <a:extLst>
-              <a:ext uri="{FF2B5EF4-FFF2-40B4-BE49-F238E27FC236}">
-                <a16:creationId xmlns:a16="http://schemas.microsoft.com/office/drawing/2014/main" id="{19BE86D6-2285-46D1-841B-18FD6A115313}"/>
-              </a:ext>
-            </a:extLst>
-          </p:cNvPr>
-          <p:cNvGrpSpPr/>
-          <p:nvPr/>
-        </p:nvGrpSpPr>
-        <p:grpSpPr>
-          <a:xfrm>
-            <a:off x="1265046" y="2135877"/>
-            <a:ext cx="738114" cy="1034399"/>
-            <a:chOff x="499607" y="2026277"/>
-            <a:chExt cx="738114" cy="1034399"/>
-          </a:xfrm>
-        </p:grpSpPr>
-        <p:pic>
-          <p:nvPicPr>
-            <p:cNvPr id="94" name="Picture 93">
+          </p:grpSpPr>
+          <p:sp>
+            <p:nvSpPr>
+              <p:cNvPr id="55" name="TextBox 54">
+                <a:extLst>
+                  <a:ext uri="{FF2B5EF4-FFF2-40B4-BE49-F238E27FC236}">
+                    <a16:creationId xmlns:a16="http://schemas.microsoft.com/office/drawing/2014/main" id="{4967F097-B43E-405D-AF9C-D29AA310B399}"/>
+                  </a:ext>
+                </a:extLst>
+              </p:cNvPr>
+              <p:cNvSpPr txBox="1"/>
+              <p:nvPr/>
+            </p:nvSpPr>
+            <p:spPr>
+              <a:xfrm>
+                <a:off x="2863144" y="3584503"/>
+                <a:ext cx="640080" cy="274320"/>
+              </a:xfrm>
+              <a:prstGeom prst="rect">
+                <a:avLst/>
+              </a:prstGeom>
+              <a:noFill/>
+            </p:spPr>
+            <p:txBody>
+              <a:bodyPr wrap="square" lIns="0" tIns="0" rIns="0" bIns="0" rtlCol="0" anchor="t">
+                <a:noAutofit/>
+              </a:bodyPr>
+              <a:lstStyle/>
+              <a:p>
+                <a:pPr algn="ctr"/>
+                <a:r>
+                  <a:rPr lang="en-US" sz="800" b="1" dirty="0"/>
+                  <a:t>NAT gateway/  </a:t>
+                </a:r>
+                <a:r>
+                  <a:rPr lang="en-US" sz="800" b="1" dirty="0" err="1"/>
+                  <a:t>securitygroup</a:t>
+                </a:r>
+                <a:endParaRPr lang="en-US" sz="800" b="1" dirty="0"/>
+              </a:p>
+              <a:p>
+                <a:pPr algn="ctr"/>
+                <a:endParaRPr lang="en-US" sz="1400" b="1" dirty="0"/>
+              </a:p>
+            </p:txBody>
+          </p:sp>
+          <p:pic>
+            <p:nvPicPr>
+              <p:cNvPr id="56" name="Picture 55">
+                <a:extLst>
+                  <a:ext uri="{FF2B5EF4-FFF2-40B4-BE49-F238E27FC236}">
+                    <a16:creationId xmlns:a16="http://schemas.microsoft.com/office/drawing/2014/main" id="{D84D9C64-2BF7-465B-BEB4-EA96ED72CF59}"/>
+                  </a:ext>
+                </a:extLst>
+              </p:cNvPr>
+              <p:cNvPicPr>
+                <a:picLocks noChangeAspect="1"/>
+              </p:cNvPicPr>
+              <p:nvPr/>
+            </p:nvPicPr>
+            <p:blipFill>
+              <a:blip r:embed="rId3">
+                <a:extLst>
+                  <a:ext uri="{28A0092B-C50C-407E-A947-70E740481C1C}">
+                    <a14:useLocalDpi xmlns:a14="http://schemas.microsoft.com/office/drawing/2010/main" val="0"/>
+                  </a:ext>
+                </a:extLst>
+              </a:blip>
+              <a:stretch>
+                <a:fillRect/>
+              </a:stretch>
+            </p:blipFill>
+            <p:spPr>
+              <a:xfrm>
+                <a:off x="2913233" y="2909178"/>
+                <a:ext cx="538195" cy="555557"/>
+              </a:xfrm>
+              <a:prstGeom prst="rect">
+                <a:avLst/>
+              </a:prstGeom>
+            </p:spPr>
+          </p:pic>
+        </p:grpSp>
+        <p:sp>
+          <p:nvSpPr>
+            <p:cNvPr id="58" name="TextBox 57">
               <a:extLst>
                 <a:ext uri="{FF2B5EF4-FFF2-40B4-BE49-F238E27FC236}">
-                  <a16:creationId xmlns:a16="http://schemas.microsoft.com/office/drawing/2014/main" id="{8AC917F3-2393-490D-A03C-DDC8602328AF}"/>
-                </a:ext>
-              </a:extLst>
-            </p:cNvPr>
-            <p:cNvPicPr>
-              <a:picLocks noChangeAspect="1"/>
-            </p:cNvPicPr>
-            <p:nvPr/>
-          </p:nvPicPr>
-          <p:blipFill>
-            <a:blip r:embed="rId9">
-              <a:extLst>
-                <a:ext uri="{28A0092B-C50C-407E-A947-70E740481C1C}">
-                  <a14:useLocalDpi xmlns:a14="http://schemas.microsoft.com/office/drawing/2010/main" val="0"/>
-                </a:ext>
-              </a:extLst>
-            </a:blip>
-            <a:stretch>
-              <a:fillRect/>
-            </a:stretch>
-          </p:blipFill>
-          <p:spPr>
-            <a:xfrm>
-              <a:off x="502904" y="2026277"/>
-              <a:ext cx="731520" cy="707136"/>
-            </a:xfrm>
-            <a:prstGeom prst="rect">
-              <a:avLst/>
-            </a:prstGeom>
-          </p:spPr>
-        </p:pic>
-        <p:sp>
-          <p:nvSpPr>
-            <p:cNvPr id="96" name="TextBox 67">
-              <a:extLst>
-                <a:ext uri="{FF2B5EF4-FFF2-40B4-BE49-F238E27FC236}">
-                  <a16:creationId xmlns:a16="http://schemas.microsoft.com/office/drawing/2014/main" id="{89A708B2-A315-40B4-A01C-BD612263B7F2}"/>
+                  <a16:creationId xmlns:a16="http://schemas.microsoft.com/office/drawing/2014/main" id="{9DDB6D53-31CC-408B-82C4-69BD1DBBB868}"/>
                 </a:ext>
               </a:extLst>
             </p:cNvPr>
@@ -4947,8 +4540,8 @@
           </p:nvSpPr>
           <p:spPr bwMode="auto">
             <a:xfrm>
-              <a:off x="499607" y="2922177"/>
-              <a:ext cx="738114" cy="138499"/>
+              <a:off x="5650337" y="1320677"/>
+              <a:ext cx="4876275" cy="230831"/>
             </a:xfrm>
             <a:prstGeom prst="rect">
               <a:avLst/>
@@ -4962,469 +4555,970 @@
             </a:ln>
           </p:spPr>
           <p:txBody>
-            <a:bodyPr wrap="square" lIns="0" tIns="0" rIns="0" bIns="0" anchor="b">
+            <a:bodyPr wrap="square">
               <a:spAutoFit/>
             </a:bodyPr>
             <a:lstStyle/>
             <a:p>
               <a:pPr algn="ctr"/>
               <a:r>
-                <a:rPr lang="en-US" sz="900" dirty="0">
-                  <a:latin typeface="Helvetica Neue"/>
+                <a:rPr lang="en-US" sz="900" b="1" dirty="0">
+                  <a:latin typeface="+mj-lt"/>
                   <a:ea typeface="Verdana" pitchFamily="34" charset="0"/>
                   <a:cs typeface="Helvetica Neue"/>
                 </a:rPr>
-                <a:t>Users</a:t>
+                <a:t>Public subnet/AZ</a:t>
               </a:r>
             </a:p>
           </p:txBody>
         </p:sp>
+        <p:sp>
+          <p:nvSpPr>
+            <p:cNvPr id="60" name="TextBox 59">
+              <a:extLst>
+                <a:ext uri="{FF2B5EF4-FFF2-40B4-BE49-F238E27FC236}">
+                  <a16:creationId xmlns:a16="http://schemas.microsoft.com/office/drawing/2014/main" id="{CC50FEAA-6733-4092-A440-13CCB2FD877A}"/>
+                </a:ext>
+              </a:extLst>
+            </p:cNvPr>
+            <p:cNvSpPr txBox="1">
+              <a:spLocks noChangeArrowheads="1"/>
+            </p:cNvSpPr>
+            <p:nvPr/>
+          </p:nvSpPr>
+          <p:spPr bwMode="auto">
+            <a:xfrm>
+              <a:off x="5645353" y="3404480"/>
+              <a:ext cx="4876275" cy="230831"/>
+            </a:xfrm>
+            <a:prstGeom prst="rect">
+              <a:avLst/>
+            </a:prstGeom>
+            <a:noFill/>
+            <a:ln w="9525">
+              <a:noFill/>
+              <a:miter lim="800000"/>
+              <a:headEnd/>
+              <a:tailEnd/>
+            </a:ln>
+          </p:spPr>
+          <p:txBody>
+            <a:bodyPr wrap="square">
+              <a:spAutoFit/>
+            </a:bodyPr>
+            <a:lstStyle/>
+            <a:p>
+              <a:pPr algn="ctr"/>
+              <a:r>
+                <a:rPr lang="en-US" sz="900" b="1" dirty="0">
+                  <a:latin typeface="+mj-lt"/>
+                  <a:ea typeface="Verdana" pitchFamily="34" charset="0"/>
+                  <a:cs typeface="Helvetica Neue"/>
+                </a:rPr>
+                <a:t>Public subnet/AZ</a:t>
+              </a:r>
+            </a:p>
+          </p:txBody>
+        </p:sp>
+        <p:sp>
+          <p:nvSpPr>
+            <p:cNvPr id="62" name="TextBox 61">
+              <a:extLst>
+                <a:ext uri="{FF2B5EF4-FFF2-40B4-BE49-F238E27FC236}">
+                  <a16:creationId xmlns:a16="http://schemas.microsoft.com/office/drawing/2014/main" id="{8810EA28-F9C9-4EA4-A48D-5F8AA4B1AAD4}"/>
+                </a:ext>
+              </a:extLst>
+            </p:cNvPr>
+            <p:cNvSpPr txBox="1">
+              <a:spLocks noChangeArrowheads="1"/>
+            </p:cNvSpPr>
+            <p:nvPr/>
+          </p:nvSpPr>
+          <p:spPr bwMode="auto">
+            <a:xfrm>
+              <a:off x="8377292" y="3392074"/>
+              <a:ext cx="4631068" cy="230832"/>
+            </a:xfrm>
+            <a:prstGeom prst="rect">
+              <a:avLst/>
+            </a:prstGeom>
+            <a:noFill/>
+            <a:ln w="9525">
+              <a:noFill/>
+              <a:miter lim="800000"/>
+              <a:headEnd/>
+              <a:tailEnd/>
+            </a:ln>
+          </p:spPr>
+          <p:txBody>
+            <a:bodyPr wrap="square">
+              <a:spAutoFit/>
+            </a:bodyPr>
+            <a:lstStyle/>
+            <a:p>
+              <a:pPr algn="ctr"/>
+              <a:r>
+                <a:rPr lang="en-US" sz="900" b="1" dirty="0">
+                  <a:latin typeface="+mj-lt"/>
+                  <a:ea typeface="Verdana" pitchFamily="34" charset="0"/>
+                  <a:cs typeface="Helvetica Neue"/>
+                </a:rPr>
+                <a:t>private subnet/AZ</a:t>
+              </a:r>
+            </a:p>
+          </p:txBody>
+        </p:sp>
+        <p:cxnSp>
+          <p:nvCxnSpPr>
+            <p:cNvPr id="65" name="Straight Connector 64">
+              <a:extLst>
+                <a:ext uri="{FF2B5EF4-FFF2-40B4-BE49-F238E27FC236}">
+                  <a16:creationId xmlns:a16="http://schemas.microsoft.com/office/drawing/2014/main" id="{EF97A57D-AE44-4756-830F-C8BE7306BA4E}"/>
+                </a:ext>
+              </a:extLst>
+            </p:cNvPr>
+            <p:cNvCxnSpPr>
+              <a:cxnSpLocks/>
+            </p:cNvCxnSpPr>
+            <p:nvPr/>
+          </p:nvCxnSpPr>
+          <p:spPr>
+            <a:xfrm flipH="1" flipV="1">
+              <a:off x="8098640" y="2319744"/>
+              <a:ext cx="1407607" cy="1611944"/>
+            </a:xfrm>
+            <a:prstGeom prst="line">
+              <a:avLst/>
+            </a:prstGeom>
+            <a:ln>
+              <a:solidFill>
+                <a:srgbClr val="414042"/>
+              </a:solidFill>
+              <a:headEnd type="triangle"/>
+            </a:ln>
+            <a:effectLst/>
+          </p:spPr>
+          <p:style>
+            <a:lnRef idx="2">
+              <a:schemeClr val="accent1"/>
+            </a:lnRef>
+            <a:fillRef idx="0">
+              <a:schemeClr val="accent1"/>
+            </a:fillRef>
+            <a:effectRef idx="1">
+              <a:schemeClr val="accent1"/>
+            </a:effectRef>
+            <a:fontRef idx="minor">
+              <a:schemeClr val="tx1"/>
+            </a:fontRef>
+          </p:style>
+        </p:cxnSp>
+        <p:cxnSp>
+          <p:nvCxnSpPr>
+            <p:cNvPr id="69" name="Straight Connector 68">
+              <a:extLst>
+                <a:ext uri="{FF2B5EF4-FFF2-40B4-BE49-F238E27FC236}">
+                  <a16:creationId xmlns:a16="http://schemas.microsoft.com/office/drawing/2014/main" id="{E2C28D00-B430-4994-935B-E150EB2343DD}"/>
+                </a:ext>
+              </a:extLst>
+            </p:cNvPr>
+            <p:cNvCxnSpPr>
+              <a:cxnSpLocks/>
+              <a:stCxn id="17" idx="1"/>
+            </p:cNvCxnSpPr>
+            <p:nvPr/>
+          </p:nvCxnSpPr>
+          <p:spPr>
+            <a:xfrm flipH="1">
+              <a:off x="8128048" y="4129471"/>
+              <a:ext cx="1406864" cy="10771"/>
+            </a:xfrm>
+            <a:prstGeom prst="line">
+              <a:avLst/>
+            </a:prstGeom>
+            <a:ln>
+              <a:solidFill>
+                <a:srgbClr val="414042"/>
+              </a:solidFill>
+              <a:headEnd type="triangle"/>
+            </a:ln>
+            <a:effectLst/>
+          </p:spPr>
+          <p:style>
+            <a:lnRef idx="2">
+              <a:schemeClr val="accent1"/>
+            </a:lnRef>
+            <a:fillRef idx="0">
+              <a:schemeClr val="accent1"/>
+            </a:fillRef>
+            <a:effectRef idx="1">
+              <a:schemeClr val="accent1"/>
+            </a:effectRef>
+            <a:fontRef idx="minor">
+              <a:schemeClr val="tx1"/>
+            </a:fontRef>
+          </p:style>
+        </p:cxnSp>
+        <p:cxnSp>
+          <p:nvCxnSpPr>
+            <p:cNvPr id="71" name="Straight Connector 70">
+              <a:extLst>
+                <a:ext uri="{FF2B5EF4-FFF2-40B4-BE49-F238E27FC236}">
+                  <a16:creationId xmlns:a16="http://schemas.microsoft.com/office/drawing/2014/main" id="{CF8EA196-83AA-4A7D-AD84-4AD263A53697}"/>
+                </a:ext>
+              </a:extLst>
+            </p:cNvPr>
+            <p:cNvCxnSpPr>
+              <a:cxnSpLocks/>
+              <a:stCxn id="17" idx="0"/>
+            </p:cNvCxnSpPr>
+            <p:nvPr/>
+          </p:nvCxnSpPr>
+          <p:spPr>
+            <a:xfrm flipH="1" flipV="1">
+              <a:off x="9710270" y="2196940"/>
+              <a:ext cx="53302" cy="1631116"/>
+            </a:xfrm>
+            <a:prstGeom prst="line">
+              <a:avLst/>
+            </a:prstGeom>
+            <a:ln>
+              <a:solidFill>
+                <a:srgbClr val="414042"/>
+              </a:solidFill>
+              <a:headEnd type="none"/>
+              <a:tailEnd type="triangle"/>
+            </a:ln>
+            <a:effectLst/>
+          </p:spPr>
+          <p:style>
+            <a:lnRef idx="2">
+              <a:schemeClr val="accent1"/>
+            </a:lnRef>
+            <a:fillRef idx="0">
+              <a:schemeClr val="accent1"/>
+            </a:fillRef>
+            <a:effectRef idx="1">
+              <a:schemeClr val="accent1"/>
+            </a:effectRef>
+            <a:fontRef idx="minor">
+              <a:schemeClr val="tx1"/>
+            </a:fontRef>
+          </p:style>
+        </p:cxnSp>
+        <p:cxnSp>
+          <p:nvCxnSpPr>
+            <p:cNvPr id="79" name="Straight Connector 78">
+              <a:extLst>
+                <a:ext uri="{FF2B5EF4-FFF2-40B4-BE49-F238E27FC236}">
+                  <a16:creationId xmlns:a16="http://schemas.microsoft.com/office/drawing/2014/main" id="{F00D591D-7B9E-4832-AE5C-5F76E4F219BE}"/>
+                </a:ext>
+              </a:extLst>
+            </p:cNvPr>
+            <p:cNvCxnSpPr>
+              <a:cxnSpLocks/>
+              <a:stCxn id="5" idx="1"/>
+              <a:endCxn id="169" idx="3"/>
+            </p:cNvCxnSpPr>
+            <p:nvPr/>
+          </p:nvCxnSpPr>
+          <p:spPr>
+            <a:xfrm flipH="1">
+              <a:off x="7263374" y="2143466"/>
+              <a:ext cx="280320" cy="1077781"/>
+            </a:xfrm>
+            <a:prstGeom prst="line">
+              <a:avLst/>
+            </a:prstGeom>
+            <a:ln>
+              <a:solidFill>
+                <a:srgbClr val="414042"/>
+              </a:solidFill>
+              <a:headEnd type="triangle"/>
+              <a:tailEnd type="none"/>
+            </a:ln>
+            <a:effectLst/>
+          </p:spPr>
+          <p:style>
+            <a:lnRef idx="2">
+              <a:schemeClr val="accent1"/>
+            </a:lnRef>
+            <a:fillRef idx="0">
+              <a:schemeClr val="accent1"/>
+            </a:fillRef>
+            <a:effectRef idx="1">
+              <a:schemeClr val="accent1"/>
+            </a:effectRef>
+            <a:fontRef idx="minor">
+              <a:schemeClr val="tx1"/>
+            </a:fontRef>
+          </p:style>
+        </p:cxnSp>
+        <p:cxnSp>
+          <p:nvCxnSpPr>
+            <p:cNvPr id="82" name="Straight Connector 81">
+              <a:extLst>
+                <a:ext uri="{FF2B5EF4-FFF2-40B4-BE49-F238E27FC236}">
+                  <a16:creationId xmlns:a16="http://schemas.microsoft.com/office/drawing/2014/main" id="{E421CEB4-385B-42EE-8F1D-A6D36990324D}"/>
+                </a:ext>
+              </a:extLst>
+            </p:cNvPr>
+            <p:cNvCxnSpPr>
+              <a:cxnSpLocks/>
+              <a:endCxn id="169" idx="3"/>
+            </p:cNvCxnSpPr>
+            <p:nvPr/>
+          </p:nvCxnSpPr>
+          <p:spPr>
+            <a:xfrm flipH="1" flipV="1">
+              <a:off x="7263374" y="3221247"/>
+              <a:ext cx="318018" cy="730872"/>
+            </a:xfrm>
+            <a:prstGeom prst="line">
+              <a:avLst/>
+            </a:prstGeom>
+            <a:ln>
+              <a:solidFill>
+                <a:srgbClr val="414042"/>
+              </a:solidFill>
+              <a:headEnd type="triangle"/>
+            </a:ln>
+            <a:effectLst/>
+          </p:spPr>
+          <p:style>
+            <a:lnRef idx="2">
+              <a:schemeClr val="accent1"/>
+            </a:lnRef>
+            <a:fillRef idx="0">
+              <a:schemeClr val="accent1"/>
+            </a:fillRef>
+            <a:effectRef idx="1">
+              <a:schemeClr val="accent1"/>
+            </a:effectRef>
+            <a:fontRef idx="minor">
+              <a:schemeClr val="tx1"/>
+            </a:fontRef>
+          </p:style>
+        </p:cxnSp>
+        <p:grpSp>
+          <p:nvGrpSpPr>
+            <p:cNvPr id="97" name="Group 96">
+              <a:extLst>
+                <a:ext uri="{FF2B5EF4-FFF2-40B4-BE49-F238E27FC236}">
+                  <a16:creationId xmlns:a16="http://schemas.microsoft.com/office/drawing/2014/main" id="{19BE86D6-2285-46D1-841B-18FD6A115313}"/>
+                </a:ext>
+              </a:extLst>
+            </p:cNvPr>
+            <p:cNvGrpSpPr/>
+            <p:nvPr/>
+          </p:nvGrpSpPr>
+          <p:grpSpPr>
+            <a:xfrm>
+              <a:off x="1265046" y="2135877"/>
+              <a:ext cx="738114" cy="1034399"/>
+              <a:chOff x="499607" y="2026277"/>
+              <a:chExt cx="738114" cy="1034399"/>
+            </a:xfrm>
+          </p:grpSpPr>
+          <p:pic>
+            <p:nvPicPr>
+              <p:cNvPr id="94" name="Picture 93">
+                <a:extLst>
+                  <a:ext uri="{FF2B5EF4-FFF2-40B4-BE49-F238E27FC236}">
+                    <a16:creationId xmlns:a16="http://schemas.microsoft.com/office/drawing/2014/main" id="{8AC917F3-2393-490D-A03C-DDC8602328AF}"/>
+                  </a:ext>
+                </a:extLst>
+              </p:cNvPr>
+              <p:cNvPicPr>
+                <a:picLocks noChangeAspect="1"/>
+              </p:cNvPicPr>
+              <p:nvPr/>
+            </p:nvPicPr>
+            <p:blipFill>
+              <a:blip r:embed="rId9">
+                <a:extLst>
+                  <a:ext uri="{28A0092B-C50C-407E-A947-70E740481C1C}">
+                    <a14:useLocalDpi xmlns:a14="http://schemas.microsoft.com/office/drawing/2010/main" val="0"/>
+                  </a:ext>
+                </a:extLst>
+              </a:blip>
+              <a:stretch>
+                <a:fillRect/>
+              </a:stretch>
+            </p:blipFill>
+            <p:spPr>
+              <a:xfrm>
+                <a:off x="502904" y="2026277"/>
+                <a:ext cx="731520" cy="707136"/>
+              </a:xfrm>
+              <a:prstGeom prst="rect">
+                <a:avLst/>
+              </a:prstGeom>
+            </p:spPr>
+          </p:pic>
+          <p:sp>
+            <p:nvSpPr>
+              <p:cNvPr id="96" name="TextBox 67">
+                <a:extLst>
+                  <a:ext uri="{FF2B5EF4-FFF2-40B4-BE49-F238E27FC236}">
+                    <a16:creationId xmlns:a16="http://schemas.microsoft.com/office/drawing/2014/main" id="{89A708B2-A315-40B4-A01C-BD612263B7F2}"/>
+                  </a:ext>
+                </a:extLst>
+              </p:cNvPr>
+              <p:cNvSpPr txBox="1">
+                <a:spLocks noChangeArrowheads="1"/>
+              </p:cNvSpPr>
+              <p:nvPr/>
+            </p:nvSpPr>
+            <p:spPr bwMode="auto">
+              <a:xfrm>
+                <a:off x="499607" y="2922177"/>
+                <a:ext cx="738114" cy="138499"/>
+              </a:xfrm>
+              <a:prstGeom prst="rect">
+                <a:avLst/>
+              </a:prstGeom>
+              <a:noFill/>
+              <a:ln w="9525">
+                <a:noFill/>
+                <a:miter lim="800000"/>
+                <a:headEnd/>
+                <a:tailEnd/>
+              </a:ln>
+            </p:spPr>
+            <p:txBody>
+              <a:bodyPr wrap="square" lIns="0" tIns="0" rIns="0" bIns="0" anchor="b">
+                <a:spAutoFit/>
+              </a:bodyPr>
+              <a:lstStyle/>
+              <a:p>
+                <a:pPr algn="ctr"/>
+                <a:r>
+                  <a:rPr lang="en-US" sz="900" dirty="0">
+                    <a:latin typeface="Helvetica Neue"/>
+                    <a:ea typeface="Verdana" pitchFamily="34" charset="0"/>
+                    <a:cs typeface="Helvetica Neue"/>
+                  </a:rPr>
+                  <a:t>Users</a:t>
+                </a:r>
+              </a:p>
+            </p:txBody>
+          </p:sp>
+        </p:grpSp>
+        <p:cxnSp>
+          <p:nvCxnSpPr>
+            <p:cNvPr id="98" name="Straight Connector 97">
+              <a:extLst>
+                <a:ext uri="{FF2B5EF4-FFF2-40B4-BE49-F238E27FC236}">
+                  <a16:creationId xmlns:a16="http://schemas.microsoft.com/office/drawing/2014/main" id="{3F9BD0C3-DB11-4F93-A108-8B0D1536341A}"/>
+                </a:ext>
+              </a:extLst>
+            </p:cNvPr>
+            <p:cNvCxnSpPr>
+              <a:cxnSpLocks/>
+            </p:cNvCxnSpPr>
+            <p:nvPr/>
+          </p:nvCxnSpPr>
+          <p:spPr>
+            <a:xfrm flipH="1" flipV="1">
+              <a:off x="1988827" y="2735374"/>
+              <a:ext cx="2251663" cy="113322"/>
+            </a:xfrm>
+            <a:prstGeom prst="line">
+              <a:avLst/>
+            </a:prstGeom>
+            <a:ln>
+              <a:solidFill>
+                <a:srgbClr val="414042"/>
+              </a:solidFill>
+              <a:headEnd type="triangle"/>
+              <a:tailEnd type="none"/>
+            </a:ln>
+            <a:effectLst/>
+          </p:spPr>
+          <p:style>
+            <a:lnRef idx="2">
+              <a:schemeClr val="accent1"/>
+            </a:lnRef>
+            <a:fillRef idx="0">
+              <a:schemeClr val="accent1"/>
+            </a:fillRef>
+            <a:effectRef idx="1">
+              <a:schemeClr val="accent1"/>
+            </a:effectRef>
+            <a:fontRef idx="minor">
+              <a:schemeClr val="tx1"/>
+            </a:fontRef>
+          </p:style>
+        </p:cxnSp>
+        <p:cxnSp>
+          <p:nvCxnSpPr>
+            <p:cNvPr id="105" name="Straight Connector 104">
+              <a:extLst>
+                <a:ext uri="{FF2B5EF4-FFF2-40B4-BE49-F238E27FC236}">
+                  <a16:creationId xmlns:a16="http://schemas.microsoft.com/office/drawing/2014/main" id="{92D64989-FEE8-4A67-84D7-4496937E03DC}"/>
+                </a:ext>
+              </a:extLst>
+            </p:cNvPr>
+            <p:cNvCxnSpPr>
+              <a:cxnSpLocks/>
+            </p:cNvCxnSpPr>
+            <p:nvPr/>
+          </p:nvCxnSpPr>
+          <p:spPr>
+            <a:xfrm flipH="1">
+              <a:off x="6949133" y="4334470"/>
+              <a:ext cx="2583093" cy="178096"/>
+            </a:xfrm>
+            <a:prstGeom prst="line">
+              <a:avLst/>
+            </a:prstGeom>
+            <a:ln>
+              <a:solidFill>
+                <a:srgbClr val="00B050"/>
+              </a:solidFill>
+              <a:tailEnd type="triangle"/>
+            </a:ln>
+            <a:effectLst/>
+          </p:spPr>
+          <p:style>
+            <a:lnRef idx="2">
+              <a:schemeClr val="accent1"/>
+            </a:lnRef>
+            <a:fillRef idx="0">
+              <a:schemeClr val="accent1"/>
+            </a:fillRef>
+            <a:effectRef idx="1">
+              <a:schemeClr val="accent1"/>
+            </a:effectRef>
+            <a:fontRef idx="minor">
+              <a:schemeClr val="tx1"/>
+            </a:fontRef>
+          </p:style>
+        </p:cxnSp>
+        <p:cxnSp>
+          <p:nvCxnSpPr>
+            <p:cNvPr id="110" name="Straight Connector 109">
+              <a:extLst>
+                <a:ext uri="{FF2B5EF4-FFF2-40B4-BE49-F238E27FC236}">
+                  <a16:creationId xmlns:a16="http://schemas.microsoft.com/office/drawing/2014/main" id="{7B68666D-AFC6-4A16-881F-C0C35EEEB611}"/>
+                </a:ext>
+              </a:extLst>
+            </p:cNvPr>
+            <p:cNvCxnSpPr>
+              <a:cxnSpLocks/>
+              <a:stCxn id="22" idx="1"/>
+            </p:cNvCxnSpPr>
+            <p:nvPr/>
+          </p:nvCxnSpPr>
+          <p:spPr>
+            <a:xfrm flipH="1" flipV="1">
+              <a:off x="6936635" y="1673651"/>
+              <a:ext cx="2642426" cy="263930"/>
+            </a:xfrm>
+            <a:prstGeom prst="line">
+              <a:avLst/>
+            </a:prstGeom>
+            <a:ln>
+              <a:solidFill>
+                <a:srgbClr val="00B050"/>
+              </a:solidFill>
+              <a:tailEnd type="triangle"/>
+            </a:ln>
+            <a:effectLst/>
+          </p:spPr>
+          <p:style>
+            <a:lnRef idx="2">
+              <a:schemeClr val="accent1"/>
+            </a:lnRef>
+            <a:fillRef idx="0">
+              <a:schemeClr val="accent1"/>
+            </a:fillRef>
+            <a:effectRef idx="1">
+              <a:schemeClr val="accent1"/>
+            </a:effectRef>
+            <a:fontRef idx="minor">
+              <a:schemeClr val="tx1"/>
+            </a:fontRef>
+          </p:style>
+        </p:cxnSp>
+        <p:cxnSp>
+          <p:nvCxnSpPr>
+            <p:cNvPr id="125" name="Straight Connector 124">
+              <a:extLst>
+                <a:ext uri="{FF2B5EF4-FFF2-40B4-BE49-F238E27FC236}">
+                  <a16:creationId xmlns:a16="http://schemas.microsoft.com/office/drawing/2014/main" id="{EAF4F2D7-47D7-4137-87B0-E309203CD85F}"/>
+                </a:ext>
+              </a:extLst>
+            </p:cNvPr>
+            <p:cNvCxnSpPr>
+              <a:cxnSpLocks/>
+              <a:stCxn id="12" idx="1"/>
+            </p:cNvCxnSpPr>
+            <p:nvPr/>
+          </p:nvCxnSpPr>
+          <p:spPr>
+            <a:xfrm flipH="1" flipV="1">
+              <a:off x="5540618" y="4418020"/>
+              <a:ext cx="917116" cy="1"/>
+            </a:xfrm>
+            <a:prstGeom prst="line">
+              <a:avLst/>
+            </a:prstGeom>
+            <a:ln>
+              <a:solidFill>
+                <a:srgbClr val="00B050"/>
+              </a:solidFill>
+              <a:tailEnd type="none"/>
+            </a:ln>
+            <a:effectLst/>
+          </p:spPr>
+          <p:style>
+            <a:lnRef idx="2">
+              <a:schemeClr val="accent1"/>
+            </a:lnRef>
+            <a:fillRef idx="0">
+              <a:schemeClr val="accent1"/>
+            </a:fillRef>
+            <a:effectRef idx="1">
+              <a:schemeClr val="accent1"/>
+            </a:effectRef>
+            <a:fontRef idx="minor">
+              <a:schemeClr val="tx1"/>
+            </a:fontRef>
+          </p:style>
+        </p:cxnSp>
+        <p:cxnSp>
+          <p:nvCxnSpPr>
+            <p:cNvPr id="138" name="Straight Connector 137">
+              <a:extLst>
+                <a:ext uri="{FF2B5EF4-FFF2-40B4-BE49-F238E27FC236}">
+                  <a16:creationId xmlns:a16="http://schemas.microsoft.com/office/drawing/2014/main" id="{67ABBEA6-936B-4BE6-B823-6C17EB8CE6A0}"/>
+                </a:ext>
+              </a:extLst>
+            </p:cNvPr>
+            <p:cNvCxnSpPr>
+              <a:cxnSpLocks/>
+            </p:cNvCxnSpPr>
+            <p:nvPr/>
+          </p:nvCxnSpPr>
+          <p:spPr>
+            <a:xfrm flipH="1" flipV="1">
+              <a:off x="5557326" y="1838745"/>
+              <a:ext cx="900409" cy="1"/>
+            </a:xfrm>
+            <a:prstGeom prst="line">
+              <a:avLst/>
+            </a:prstGeom>
+            <a:ln>
+              <a:solidFill>
+                <a:srgbClr val="00B050"/>
+              </a:solidFill>
+              <a:tailEnd type="none"/>
+            </a:ln>
+            <a:effectLst/>
+          </p:spPr>
+          <p:style>
+            <a:lnRef idx="2">
+              <a:schemeClr val="accent1"/>
+            </a:lnRef>
+            <a:fillRef idx="0">
+              <a:schemeClr val="accent1"/>
+            </a:fillRef>
+            <a:effectRef idx="1">
+              <a:schemeClr val="accent1"/>
+            </a:effectRef>
+            <a:fontRef idx="minor">
+              <a:schemeClr val="tx1"/>
+            </a:fontRef>
+          </p:style>
+        </p:cxnSp>
+        <p:cxnSp>
+          <p:nvCxnSpPr>
+            <p:cNvPr id="145" name="Straight Connector 144">
+              <a:extLst>
+                <a:ext uri="{FF2B5EF4-FFF2-40B4-BE49-F238E27FC236}">
+                  <a16:creationId xmlns:a16="http://schemas.microsoft.com/office/drawing/2014/main" id="{D94D2406-FAA3-4E8B-9614-F4E6B85F2BAA}"/>
+                </a:ext>
+              </a:extLst>
+            </p:cNvPr>
+            <p:cNvCxnSpPr>
+              <a:cxnSpLocks/>
+            </p:cNvCxnSpPr>
+            <p:nvPr/>
+          </p:nvCxnSpPr>
+          <p:spPr>
+            <a:xfrm>
+              <a:off x="5540618" y="1838745"/>
+              <a:ext cx="0" cy="2592395"/>
+            </a:xfrm>
+            <a:prstGeom prst="line">
+              <a:avLst/>
+            </a:prstGeom>
+            <a:ln>
+              <a:solidFill>
+                <a:srgbClr val="00B050"/>
+              </a:solidFill>
+              <a:tailEnd type="none"/>
+            </a:ln>
+            <a:effectLst/>
+          </p:spPr>
+          <p:style>
+            <a:lnRef idx="2">
+              <a:schemeClr val="accent1"/>
+            </a:lnRef>
+            <a:fillRef idx="0">
+              <a:schemeClr val="accent1"/>
+            </a:fillRef>
+            <a:effectRef idx="1">
+              <a:schemeClr val="accent1"/>
+            </a:effectRef>
+            <a:fontRef idx="minor">
+              <a:schemeClr val="tx1"/>
+            </a:fontRef>
+          </p:style>
+        </p:cxnSp>
+        <p:cxnSp>
+          <p:nvCxnSpPr>
+            <p:cNvPr id="152" name="Straight Connector 151">
+              <a:extLst>
+                <a:ext uri="{FF2B5EF4-FFF2-40B4-BE49-F238E27FC236}">
+                  <a16:creationId xmlns:a16="http://schemas.microsoft.com/office/drawing/2014/main" id="{827C9036-6A5A-4BA1-BC41-82798D57B6E7}"/>
+                </a:ext>
+              </a:extLst>
+            </p:cNvPr>
+            <p:cNvCxnSpPr>
+              <a:cxnSpLocks/>
+            </p:cNvCxnSpPr>
+            <p:nvPr/>
+          </p:nvCxnSpPr>
+          <p:spPr>
+            <a:xfrm flipH="1" flipV="1">
+              <a:off x="1910784" y="3610477"/>
+              <a:ext cx="3629834" cy="12429"/>
+            </a:xfrm>
+            <a:prstGeom prst="line">
+              <a:avLst/>
+            </a:prstGeom>
+            <a:ln>
+              <a:solidFill>
+                <a:srgbClr val="00B050"/>
+              </a:solidFill>
+              <a:headEnd type="none"/>
+              <a:tailEnd type="triangle"/>
+            </a:ln>
+            <a:effectLst/>
+          </p:spPr>
+          <p:style>
+            <a:lnRef idx="2">
+              <a:schemeClr val="accent1"/>
+            </a:lnRef>
+            <a:fillRef idx="0">
+              <a:schemeClr val="accent1"/>
+            </a:fillRef>
+            <a:effectRef idx="1">
+              <a:schemeClr val="accent1"/>
+            </a:effectRef>
+            <a:fontRef idx="minor">
+              <a:schemeClr val="tx1"/>
+            </a:fontRef>
+          </p:style>
+        </p:cxnSp>
+        <p:pic>
+          <p:nvPicPr>
+            <p:cNvPr id="169" name="Picture 168">
+              <a:extLst>
+                <a:ext uri="{FF2B5EF4-FFF2-40B4-BE49-F238E27FC236}">
+                  <a16:creationId xmlns:a16="http://schemas.microsoft.com/office/drawing/2014/main" id="{8B10EF4C-8960-4CA6-B5C6-D3095B7EFF34}"/>
+                </a:ext>
+              </a:extLst>
+            </p:cNvPr>
+            <p:cNvPicPr>
+              <a:picLocks noChangeAspect="1"/>
+            </p:cNvPicPr>
+            <p:nvPr/>
+          </p:nvPicPr>
+          <p:blipFill>
+            <a:blip r:embed="rId10">
+              <a:extLst>
+                <a:ext uri="{28A0092B-C50C-407E-A947-70E740481C1C}">
+                  <a14:useLocalDpi xmlns:a14="http://schemas.microsoft.com/office/drawing/2010/main" val="0"/>
+                </a:ext>
+              </a:extLst>
+            </a:blip>
+            <a:stretch>
+              <a:fillRect/>
+            </a:stretch>
+          </p:blipFill>
+          <p:spPr>
+            <a:xfrm>
+              <a:off x="6718593" y="2956422"/>
+              <a:ext cx="544781" cy="529649"/>
+            </a:xfrm>
+            <a:prstGeom prst="rect">
+              <a:avLst/>
+            </a:prstGeom>
+          </p:spPr>
+        </p:pic>
+        <p:cxnSp>
+          <p:nvCxnSpPr>
+            <p:cNvPr id="174" name="Straight Connector 173">
+              <a:extLst>
+                <a:ext uri="{FF2B5EF4-FFF2-40B4-BE49-F238E27FC236}">
+                  <a16:creationId xmlns:a16="http://schemas.microsoft.com/office/drawing/2014/main" id="{98C87919-6099-4BDC-B71A-C88822413E72}"/>
+                </a:ext>
+              </a:extLst>
+            </p:cNvPr>
+            <p:cNvCxnSpPr>
+              <a:cxnSpLocks/>
+              <a:stCxn id="169" idx="1"/>
+              <a:endCxn id="32" idx="3"/>
+            </p:cNvCxnSpPr>
+            <p:nvPr/>
+          </p:nvCxnSpPr>
+          <p:spPr>
+            <a:xfrm flipH="1" flipV="1">
+              <a:off x="4789783" y="2830659"/>
+              <a:ext cx="1928810" cy="390588"/>
+            </a:xfrm>
+            <a:prstGeom prst="line">
+              <a:avLst/>
+            </a:prstGeom>
+            <a:ln>
+              <a:solidFill>
+                <a:srgbClr val="414042"/>
+              </a:solidFill>
+              <a:headEnd type="triangle"/>
+              <a:tailEnd type="none"/>
+            </a:ln>
+            <a:effectLst/>
+          </p:spPr>
+          <p:style>
+            <a:lnRef idx="2">
+              <a:schemeClr val="accent1"/>
+            </a:lnRef>
+            <a:fillRef idx="0">
+              <a:schemeClr val="accent1"/>
+            </a:fillRef>
+            <a:effectRef idx="1">
+              <a:schemeClr val="accent1"/>
+            </a:effectRef>
+            <a:fontRef idx="minor">
+              <a:schemeClr val="tx1"/>
+            </a:fontRef>
+          </p:style>
+        </p:cxnSp>
+        <p:sp>
+          <p:nvSpPr>
+            <p:cNvPr id="189" name="TextBox 188">
+              <a:extLst>
+                <a:ext uri="{FF2B5EF4-FFF2-40B4-BE49-F238E27FC236}">
+                  <a16:creationId xmlns:a16="http://schemas.microsoft.com/office/drawing/2014/main" id="{815F4D3E-5EBD-4FDA-8A95-10BD6B39608A}"/>
+                </a:ext>
+              </a:extLst>
+            </p:cNvPr>
+            <p:cNvSpPr txBox="1"/>
+            <p:nvPr/>
+          </p:nvSpPr>
+          <p:spPr>
+            <a:xfrm>
+              <a:off x="70053" y="91643"/>
+              <a:ext cx="3467100" cy="369332"/>
+            </a:xfrm>
+            <a:prstGeom prst="rect">
+              <a:avLst/>
+            </a:prstGeom>
+            <a:noFill/>
+          </p:spPr>
+          <p:txBody>
+            <a:bodyPr wrap="square" rtlCol="0">
+              <a:spAutoFit/>
+            </a:bodyPr>
+            <a:lstStyle/>
+            <a:p>
+              <a:r>
+                <a:rPr lang="en-US" b="1" i="0" dirty="0">
+                  <a:solidFill>
+                    <a:srgbClr val="24292E"/>
+                  </a:solidFill>
+                  <a:effectLst/>
+                  <a:latin typeface="-apple-system"/>
+                </a:rPr>
+                <a:t>Symbiosis Architecture Diagram</a:t>
+              </a:r>
+              <a:endParaRPr lang="en-US" b="1" dirty="0"/>
+            </a:p>
+          </p:txBody>
+        </p:sp>
+        <p:sp>
+          <p:nvSpPr>
+            <p:cNvPr id="2" name="Rounded Rectangle 3">
+              <a:extLst>
+                <a:ext uri="{FF2B5EF4-FFF2-40B4-BE49-F238E27FC236}">
+                  <a16:creationId xmlns:a16="http://schemas.microsoft.com/office/drawing/2014/main" id="{E83B596A-C407-4E69-BA45-EAA3E08DB41A}"/>
+                </a:ext>
+              </a:extLst>
+            </p:cNvPr>
+            <p:cNvSpPr/>
+            <p:nvPr/>
+          </p:nvSpPr>
+          <p:spPr>
+            <a:xfrm>
+              <a:off x="7070269" y="1648149"/>
+              <a:ext cx="1200920" cy="3246769"/>
+            </a:xfrm>
+            <a:prstGeom prst="roundRect">
+              <a:avLst>
+                <a:gd name="adj" fmla="val 9818"/>
+              </a:avLst>
+            </a:prstGeom>
+            <a:noFill/>
+            <a:ln w="19050">
+              <a:solidFill>
+                <a:schemeClr val="tx1"/>
+              </a:solidFill>
+              <a:prstDash val="lgDashDot"/>
+            </a:ln>
+            <a:effectLst/>
+          </p:spPr>
+          <p:style>
+            <a:lnRef idx="1">
+              <a:schemeClr val="accent1"/>
+            </a:lnRef>
+            <a:fillRef idx="3">
+              <a:schemeClr val="accent1"/>
+            </a:fillRef>
+            <a:effectRef idx="2">
+              <a:schemeClr val="accent1"/>
+            </a:effectRef>
+            <a:fontRef idx="minor">
+              <a:schemeClr val="lt1"/>
+            </a:fontRef>
+          </p:style>
+          <p:txBody>
+            <a:bodyPr anchor="ctr"/>
+            <a:lstStyle/>
+            <a:p>
+              <a:pPr algn="ctr" fontAlgn="auto">
+                <a:spcBef>
+                  <a:spcPts val="0"/>
+                </a:spcBef>
+                <a:spcAft>
+                  <a:spcPts val="0"/>
+                </a:spcAft>
+                <a:defRPr/>
+              </a:pPr>
+              <a:endParaRPr lang="en-US" dirty="0">
+                <a:solidFill>
+                  <a:schemeClr val="tx1"/>
+                </a:solidFill>
+                <a:latin typeface="Helvetica Neue"/>
+                <a:cs typeface="Helvetica Neue"/>
+              </a:endParaRPr>
+            </a:p>
+          </p:txBody>
+        </p:sp>
       </p:grpSp>
-      <p:cxnSp>
-        <p:nvCxnSpPr>
-          <p:cNvPr id="98" name="Straight Connector 97">
-            <a:extLst>
-              <a:ext uri="{FF2B5EF4-FFF2-40B4-BE49-F238E27FC236}">
-                <a16:creationId xmlns:a16="http://schemas.microsoft.com/office/drawing/2014/main" id="{3F9BD0C3-DB11-4F93-A108-8B0D1536341A}"/>
-              </a:ext>
-            </a:extLst>
-          </p:cNvPr>
-          <p:cNvCxnSpPr>
-            <a:cxnSpLocks/>
-          </p:cNvCxnSpPr>
-          <p:nvPr/>
-        </p:nvCxnSpPr>
-        <p:spPr>
-          <a:xfrm flipH="1" flipV="1">
-            <a:off x="1988827" y="2735374"/>
-            <a:ext cx="2251663" cy="113322"/>
-          </a:xfrm>
-          <a:prstGeom prst="line">
-            <a:avLst/>
-          </a:prstGeom>
-          <a:ln>
-            <a:solidFill>
-              <a:srgbClr val="414042"/>
-            </a:solidFill>
-            <a:headEnd type="triangle"/>
-            <a:tailEnd type="none"/>
-          </a:ln>
-          <a:effectLst/>
-        </p:spPr>
-        <p:style>
-          <a:lnRef idx="2">
-            <a:schemeClr val="accent1"/>
-          </a:lnRef>
-          <a:fillRef idx="0">
-            <a:schemeClr val="accent1"/>
-          </a:fillRef>
-          <a:effectRef idx="1">
-            <a:schemeClr val="accent1"/>
-          </a:effectRef>
-          <a:fontRef idx="minor">
-            <a:schemeClr val="tx1"/>
-          </a:fontRef>
-        </p:style>
-      </p:cxnSp>
-      <p:cxnSp>
-        <p:nvCxnSpPr>
-          <p:cNvPr id="105" name="Straight Connector 104">
-            <a:extLst>
-              <a:ext uri="{FF2B5EF4-FFF2-40B4-BE49-F238E27FC236}">
-                <a16:creationId xmlns:a16="http://schemas.microsoft.com/office/drawing/2014/main" id="{92D64989-FEE8-4A67-84D7-4496937E03DC}"/>
-              </a:ext>
-            </a:extLst>
-          </p:cNvPr>
-          <p:cNvCxnSpPr>
-            <a:cxnSpLocks/>
-          </p:cNvCxnSpPr>
-          <p:nvPr/>
-        </p:nvCxnSpPr>
-        <p:spPr>
-          <a:xfrm flipH="1">
-            <a:off x="6949133" y="4334470"/>
-            <a:ext cx="2583093" cy="178096"/>
-          </a:xfrm>
-          <a:prstGeom prst="line">
-            <a:avLst/>
-          </a:prstGeom>
-          <a:ln>
-            <a:solidFill>
-              <a:srgbClr val="414042"/>
-            </a:solidFill>
-            <a:tailEnd type="triangle"/>
-          </a:ln>
-          <a:effectLst/>
-        </p:spPr>
-        <p:style>
-          <a:lnRef idx="2">
-            <a:schemeClr val="accent1"/>
-          </a:lnRef>
-          <a:fillRef idx="0">
-            <a:schemeClr val="accent1"/>
-          </a:fillRef>
-          <a:effectRef idx="1">
-            <a:schemeClr val="accent1"/>
-          </a:effectRef>
-          <a:fontRef idx="minor">
-            <a:schemeClr val="tx1"/>
-          </a:fontRef>
-        </p:style>
-      </p:cxnSp>
-      <p:cxnSp>
-        <p:nvCxnSpPr>
-          <p:cNvPr id="110" name="Straight Connector 109">
-            <a:extLst>
-              <a:ext uri="{FF2B5EF4-FFF2-40B4-BE49-F238E27FC236}">
-                <a16:creationId xmlns:a16="http://schemas.microsoft.com/office/drawing/2014/main" id="{7B68666D-AFC6-4A16-881F-C0C35EEEB611}"/>
-              </a:ext>
-            </a:extLst>
-          </p:cNvPr>
-          <p:cNvCxnSpPr>
-            <a:cxnSpLocks/>
-            <a:stCxn id="22" idx="1"/>
-          </p:cNvCxnSpPr>
-          <p:nvPr/>
-        </p:nvCxnSpPr>
-        <p:spPr>
-          <a:xfrm flipH="1" flipV="1">
-            <a:off x="6936635" y="1673651"/>
-            <a:ext cx="2642426" cy="263930"/>
-          </a:xfrm>
-          <a:prstGeom prst="line">
-            <a:avLst/>
-          </a:prstGeom>
-          <a:ln>
-            <a:solidFill>
-              <a:srgbClr val="414042"/>
-            </a:solidFill>
-            <a:tailEnd type="triangle"/>
-          </a:ln>
-          <a:effectLst/>
-        </p:spPr>
-        <p:style>
-          <a:lnRef idx="2">
-            <a:schemeClr val="accent1"/>
-          </a:lnRef>
-          <a:fillRef idx="0">
-            <a:schemeClr val="accent1"/>
-          </a:fillRef>
-          <a:effectRef idx="1">
-            <a:schemeClr val="accent1"/>
-          </a:effectRef>
-          <a:fontRef idx="minor">
-            <a:schemeClr val="tx1"/>
-          </a:fontRef>
-        </p:style>
-      </p:cxnSp>
-      <p:cxnSp>
-        <p:nvCxnSpPr>
-          <p:cNvPr id="125" name="Straight Connector 124">
-            <a:extLst>
-              <a:ext uri="{FF2B5EF4-FFF2-40B4-BE49-F238E27FC236}">
-                <a16:creationId xmlns:a16="http://schemas.microsoft.com/office/drawing/2014/main" id="{EAF4F2D7-47D7-4137-87B0-E309203CD85F}"/>
-              </a:ext>
-            </a:extLst>
-          </p:cNvPr>
-          <p:cNvCxnSpPr>
-            <a:cxnSpLocks/>
-            <a:stCxn id="12" idx="1"/>
-          </p:cNvCxnSpPr>
-          <p:nvPr/>
-        </p:nvCxnSpPr>
-        <p:spPr>
-          <a:xfrm flipH="1" flipV="1">
-            <a:off x="5540618" y="4418020"/>
-            <a:ext cx="917116" cy="1"/>
-          </a:xfrm>
-          <a:prstGeom prst="line">
-            <a:avLst/>
-          </a:prstGeom>
-          <a:ln>
-            <a:solidFill>
-              <a:srgbClr val="414042"/>
-            </a:solidFill>
-            <a:tailEnd type="none"/>
-          </a:ln>
-          <a:effectLst/>
-        </p:spPr>
-        <p:style>
-          <a:lnRef idx="2">
-            <a:schemeClr val="accent1"/>
-          </a:lnRef>
-          <a:fillRef idx="0">
-            <a:schemeClr val="accent1"/>
-          </a:fillRef>
-          <a:effectRef idx="1">
-            <a:schemeClr val="accent1"/>
-          </a:effectRef>
-          <a:fontRef idx="minor">
-            <a:schemeClr val="tx1"/>
-          </a:fontRef>
-        </p:style>
-      </p:cxnSp>
-      <p:cxnSp>
-        <p:nvCxnSpPr>
-          <p:cNvPr id="138" name="Straight Connector 137">
-            <a:extLst>
-              <a:ext uri="{FF2B5EF4-FFF2-40B4-BE49-F238E27FC236}">
-                <a16:creationId xmlns:a16="http://schemas.microsoft.com/office/drawing/2014/main" id="{67ABBEA6-936B-4BE6-B823-6C17EB8CE6A0}"/>
-              </a:ext>
-            </a:extLst>
-          </p:cNvPr>
-          <p:cNvCxnSpPr>
-            <a:cxnSpLocks/>
-          </p:cNvCxnSpPr>
-          <p:nvPr/>
-        </p:nvCxnSpPr>
-        <p:spPr>
-          <a:xfrm flipH="1" flipV="1">
-            <a:off x="5557326" y="1838745"/>
-            <a:ext cx="900409" cy="1"/>
-          </a:xfrm>
-          <a:prstGeom prst="line">
-            <a:avLst/>
-          </a:prstGeom>
-          <a:ln>
-            <a:solidFill>
-              <a:srgbClr val="414042"/>
-            </a:solidFill>
-            <a:tailEnd type="none"/>
-          </a:ln>
-          <a:effectLst/>
-        </p:spPr>
-        <p:style>
-          <a:lnRef idx="2">
-            <a:schemeClr val="accent1"/>
-          </a:lnRef>
-          <a:fillRef idx="0">
-            <a:schemeClr val="accent1"/>
-          </a:fillRef>
-          <a:effectRef idx="1">
-            <a:schemeClr val="accent1"/>
-          </a:effectRef>
-          <a:fontRef idx="minor">
-            <a:schemeClr val="tx1"/>
-          </a:fontRef>
-        </p:style>
-      </p:cxnSp>
-      <p:cxnSp>
-        <p:nvCxnSpPr>
-          <p:cNvPr id="145" name="Straight Connector 144">
-            <a:extLst>
-              <a:ext uri="{FF2B5EF4-FFF2-40B4-BE49-F238E27FC236}">
-                <a16:creationId xmlns:a16="http://schemas.microsoft.com/office/drawing/2014/main" id="{D94D2406-FAA3-4E8B-9614-F4E6B85F2BAA}"/>
-              </a:ext>
-            </a:extLst>
-          </p:cNvPr>
-          <p:cNvCxnSpPr>
-            <a:cxnSpLocks/>
-          </p:cNvCxnSpPr>
-          <p:nvPr/>
-        </p:nvCxnSpPr>
-        <p:spPr>
-          <a:xfrm>
-            <a:off x="5540618" y="1838745"/>
-            <a:ext cx="0" cy="2592395"/>
-          </a:xfrm>
-          <a:prstGeom prst="line">
-            <a:avLst/>
-          </a:prstGeom>
-          <a:ln>
-            <a:solidFill>
-              <a:srgbClr val="414042"/>
-            </a:solidFill>
-            <a:tailEnd type="none"/>
-          </a:ln>
-          <a:effectLst/>
-        </p:spPr>
-        <p:style>
-          <a:lnRef idx="2">
-            <a:schemeClr val="accent1"/>
-          </a:lnRef>
-          <a:fillRef idx="0">
-            <a:schemeClr val="accent1"/>
-          </a:fillRef>
-          <a:effectRef idx="1">
-            <a:schemeClr val="accent1"/>
-          </a:effectRef>
-          <a:fontRef idx="minor">
-            <a:schemeClr val="tx1"/>
-          </a:fontRef>
-        </p:style>
-      </p:cxnSp>
-      <p:cxnSp>
-        <p:nvCxnSpPr>
-          <p:cNvPr id="152" name="Straight Connector 151">
-            <a:extLst>
-              <a:ext uri="{FF2B5EF4-FFF2-40B4-BE49-F238E27FC236}">
-                <a16:creationId xmlns:a16="http://schemas.microsoft.com/office/drawing/2014/main" id="{827C9036-6A5A-4BA1-BC41-82798D57B6E7}"/>
-              </a:ext>
-            </a:extLst>
-          </p:cNvPr>
-          <p:cNvCxnSpPr>
-            <a:cxnSpLocks/>
-          </p:cNvCxnSpPr>
-          <p:nvPr/>
-        </p:nvCxnSpPr>
-        <p:spPr>
-          <a:xfrm flipH="1" flipV="1">
-            <a:off x="1910784" y="3610477"/>
-            <a:ext cx="3629834" cy="12429"/>
-          </a:xfrm>
-          <a:prstGeom prst="line">
-            <a:avLst/>
-          </a:prstGeom>
-          <a:ln>
-            <a:solidFill>
-              <a:srgbClr val="414042"/>
-            </a:solidFill>
-            <a:headEnd type="none"/>
-            <a:tailEnd type="triangle"/>
-          </a:ln>
-          <a:effectLst/>
-        </p:spPr>
-        <p:style>
-          <a:lnRef idx="2">
-            <a:schemeClr val="accent1"/>
-          </a:lnRef>
-          <a:fillRef idx="0">
-            <a:schemeClr val="accent1"/>
-          </a:fillRef>
-          <a:effectRef idx="1">
-            <a:schemeClr val="accent1"/>
-          </a:effectRef>
-          <a:fontRef idx="minor">
-            <a:schemeClr val="tx1"/>
-          </a:fontRef>
-        </p:style>
-      </p:cxnSp>
-      <p:pic>
-        <p:nvPicPr>
-          <p:cNvPr id="169" name="Picture 168">
-            <a:extLst>
-              <a:ext uri="{FF2B5EF4-FFF2-40B4-BE49-F238E27FC236}">
-                <a16:creationId xmlns:a16="http://schemas.microsoft.com/office/drawing/2014/main" id="{8B10EF4C-8960-4CA6-B5C6-D3095B7EFF34}"/>
-              </a:ext>
-            </a:extLst>
-          </p:cNvPr>
-          <p:cNvPicPr>
-            <a:picLocks noChangeAspect="1"/>
-          </p:cNvPicPr>
-          <p:nvPr/>
-        </p:nvPicPr>
-        <p:blipFill>
-          <a:blip r:embed="rId10">
-            <a:extLst>
-              <a:ext uri="{28A0092B-C50C-407E-A947-70E740481C1C}">
-                <a14:useLocalDpi xmlns:a14="http://schemas.microsoft.com/office/drawing/2010/main" val="0"/>
-              </a:ext>
-            </a:extLst>
-          </a:blip>
-          <a:stretch>
-            <a:fillRect/>
-          </a:stretch>
-        </p:blipFill>
-        <p:spPr>
-          <a:xfrm>
-            <a:off x="5876555" y="2913320"/>
-            <a:ext cx="544781" cy="529649"/>
-          </a:xfrm>
-          <a:prstGeom prst="rect">
-            <a:avLst/>
-          </a:prstGeom>
-        </p:spPr>
-      </p:pic>
-      <p:cxnSp>
-        <p:nvCxnSpPr>
-          <p:cNvPr id="174" name="Straight Connector 173">
-            <a:extLst>
-              <a:ext uri="{FF2B5EF4-FFF2-40B4-BE49-F238E27FC236}">
-                <a16:creationId xmlns:a16="http://schemas.microsoft.com/office/drawing/2014/main" id="{98C87919-6099-4BDC-B71A-C88822413E72}"/>
-              </a:ext>
-            </a:extLst>
-          </p:cNvPr>
-          <p:cNvCxnSpPr>
-            <a:cxnSpLocks/>
-            <a:stCxn id="169" idx="1"/>
-            <a:endCxn id="32" idx="3"/>
-          </p:cNvCxnSpPr>
-          <p:nvPr/>
-        </p:nvCxnSpPr>
-        <p:spPr>
-          <a:xfrm flipH="1" flipV="1">
-            <a:off x="4789783" y="2830659"/>
-            <a:ext cx="1086772" cy="347486"/>
-          </a:xfrm>
-          <a:prstGeom prst="line">
-            <a:avLst/>
-          </a:prstGeom>
-          <a:ln>
-            <a:solidFill>
-              <a:srgbClr val="414042"/>
-            </a:solidFill>
-            <a:headEnd type="triangle"/>
-            <a:tailEnd type="none"/>
-          </a:ln>
-          <a:effectLst/>
-        </p:spPr>
-        <p:style>
-          <a:lnRef idx="2">
-            <a:schemeClr val="accent1"/>
-          </a:lnRef>
-          <a:fillRef idx="0">
-            <a:schemeClr val="accent1"/>
-          </a:fillRef>
-          <a:effectRef idx="1">
-            <a:schemeClr val="accent1"/>
-          </a:effectRef>
-          <a:fontRef idx="minor">
-            <a:schemeClr val="tx1"/>
-          </a:fontRef>
-        </p:style>
-      </p:cxnSp>
-      <p:sp>
-        <p:nvSpPr>
-          <p:cNvPr id="189" name="TextBox 188">
-            <a:extLst>
-              <a:ext uri="{FF2B5EF4-FFF2-40B4-BE49-F238E27FC236}">
-                <a16:creationId xmlns:a16="http://schemas.microsoft.com/office/drawing/2014/main" id="{815F4D3E-5EBD-4FDA-8A95-10BD6B39608A}"/>
-              </a:ext>
-            </a:extLst>
-          </p:cNvPr>
-          <p:cNvSpPr txBox="1"/>
-          <p:nvPr/>
-        </p:nvSpPr>
-        <p:spPr>
-          <a:xfrm>
-            <a:off x="70053" y="91643"/>
-            <a:ext cx="3467100" cy="369332"/>
-          </a:xfrm>
-          <a:prstGeom prst="rect">
-            <a:avLst/>
-          </a:prstGeom>
-          <a:noFill/>
-        </p:spPr>
-        <p:txBody>
-          <a:bodyPr wrap="square" rtlCol="0">
-            <a:spAutoFit/>
-          </a:bodyPr>
-          <a:lstStyle/>
-          <a:p>
-            <a:r>
-              <a:rPr lang="en-US" b="1" i="0" dirty="0">
-                <a:solidFill>
-                  <a:srgbClr val="24292E"/>
-                </a:solidFill>
-                <a:effectLst/>
-                <a:latin typeface="-apple-system"/>
-              </a:rPr>
-              <a:t>Symbiosis Architecture Diagram</a:t>
-            </a:r>
-            <a:endParaRPr lang="en-US" b="1" dirty="0"/>
-          </a:p>
-        </p:txBody>
-      </p:sp>
     </p:spTree>
     <p:extLst>
       <p:ext uri="{BB962C8B-B14F-4D97-AF65-F5344CB8AC3E}">

--- a/AWS_architect.pptx
+++ b/AWS_architect.pptx
@@ -3326,12 +3326,85 @@
           <a:chExt cx="0" cy="0"/>
         </a:xfrm>
       </p:grpSpPr>
+      <p:pic>
+        <p:nvPicPr>
+          <p:cNvPr id="5" name="Picture 4">
+            <a:extLst>
+              <a:ext uri="{FF2B5EF4-FFF2-40B4-BE49-F238E27FC236}">
+                <a16:creationId xmlns:a16="http://schemas.microsoft.com/office/drawing/2014/main" id="{3D6C1C0C-C3B8-4A42-81E1-F9A022DCCCB1}"/>
+              </a:ext>
+            </a:extLst>
+          </p:cNvPr>
+          <p:cNvPicPr>
+            <a:picLocks noChangeAspect="1"/>
+          </p:cNvPicPr>
+          <p:nvPr/>
+        </p:nvPicPr>
+        <p:blipFill>
+          <a:blip r:embed="rId2">
+            <a:extLst>
+              <a:ext uri="{28A0092B-C50C-407E-A947-70E740481C1C}">
+                <a14:useLocalDpi xmlns:a14="http://schemas.microsoft.com/office/drawing/2010/main" val="0"/>
+              </a:ext>
+            </a:extLst>
+          </a:blip>
+          <a:stretch>
+            <a:fillRect/>
+          </a:stretch>
+        </p:blipFill>
+        <p:spPr>
+          <a:xfrm>
+            <a:off x="7543694" y="1816597"/>
+            <a:ext cx="544781" cy="653737"/>
+          </a:xfrm>
+          <a:prstGeom prst="rect">
+            <a:avLst/>
+          </a:prstGeom>
+        </p:spPr>
+      </p:pic>
+      <p:sp>
+        <p:nvSpPr>
+          <p:cNvPr id="7" name="TextBox 6">
+            <a:extLst>
+              <a:ext uri="{FF2B5EF4-FFF2-40B4-BE49-F238E27FC236}">
+                <a16:creationId xmlns:a16="http://schemas.microsoft.com/office/drawing/2014/main" id="{39221F16-BEB2-49E9-BF7A-5D7B588A676B}"/>
+              </a:ext>
+            </a:extLst>
+          </p:cNvPr>
+          <p:cNvSpPr txBox="1"/>
+          <p:nvPr/>
+        </p:nvSpPr>
+        <p:spPr>
+          <a:xfrm>
+            <a:off x="7494194" y="2497521"/>
+            <a:ext cx="643781" cy="155632"/>
+          </a:xfrm>
+          <a:prstGeom prst="rect">
+            <a:avLst/>
+          </a:prstGeom>
+          <a:noFill/>
+        </p:spPr>
+        <p:txBody>
+          <a:bodyPr wrap="square" lIns="0" tIns="0" rIns="0" bIns="0" rtlCol="0" anchor="t">
+            <a:noAutofit/>
+          </a:bodyPr>
+          <a:lstStyle/>
+          <a:p>
+            <a:pPr algn="ctr"/>
+            <a:r>
+              <a:rPr lang="en-US" sz="1000" b="1" dirty="0"/>
+              <a:t>Web/ App server</a:t>
+            </a:r>
+            <a:endParaRPr lang="en-US" b="1" dirty="0"/>
+          </a:p>
+        </p:txBody>
+      </p:sp>
       <p:grpSp>
         <p:nvGrpSpPr>
-          <p:cNvPr id="26" name="Group 25">
-            <a:extLst>
-              <a:ext uri="{FF2B5EF4-FFF2-40B4-BE49-F238E27FC236}">
-                <a16:creationId xmlns:a16="http://schemas.microsoft.com/office/drawing/2014/main" id="{62EF8B36-B197-4F26-8B37-A6068A09AEB5}"/>
+          <p:cNvPr id="13" name="Group 12">
+            <a:extLst>
+              <a:ext uri="{FF2B5EF4-FFF2-40B4-BE49-F238E27FC236}">
+                <a16:creationId xmlns:a16="http://schemas.microsoft.com/office/drawing/2014/main" id="{69F97F5F-B6B5-4BD8-82A2-8252F51C1316}"/>
               </a:ext>
             </a:extLst>
           </p:cNvPr>
@@ -3340,54 +3413,18 @@
         </p:nvGrpSpPr>
         <p:grpSpPr>
           <a:xfrm>
-            <a:off x="70053" y="91643"/>
-            <a:ext cx="12938307" cy="5288249"/>
-            <a:chOff x="70053" y="91643"/>
-            <a:chExt cx="12938307" cy="5288249"/>
+            <a:off x="6407645" y="4140242"/>
+            <a:ext cx="640080" cy="949645"/>
+            <a:chOff x="2863144" y="2909178"/>
+            <a:chExt cx="640080" cy="949645"/>
           </a:xfrm>
         </p:grpSpPr>
-        <p:pic>
-          <p:nvPicPr>
-            <p:cNvPr id="5" name="Picture 4">
+        <p:sp>
+          <p:nvSpPr>
+            <p:cNvPr id="10" name="TextBox 9">
               <a:extLst>
                 <a:ext uri="{FF2B5EF4-FFF2-40B4-BE49-F238E27FC236}">
-                  <a16:creationId xmlns:a16="http://schemas.microsoft.com/office/drawing/2014/main" id="{3D6C1C0C-C3B8-4A42-81E1-F9A022DCCCB1}"/>
-                </a:ext>
-              </a:extLst>
-            </p:cNvPr>
-            <p:cNvPicPr>
-              <a:picLocks noChangeAspect="1"/>
-            </p:cNvPicPr>
-            <p:nvPr/>
-          </p:nvPicPr>
-          <p:blipFill>
-            <a:blip r:embed="rId2">
-              <a:extLst>
-                <a:ext uri="{28A0092B-C50C-407E-A947-70E740481C1C}">
-                  <a14:useLocalDpi xmlns:a14="http://schemas.microsoft.com/office/drawing/2010/main" val="0"/>
-                </a:ext>
-              </a:extLst>
-            </a:blip>
-            <a:stretch>
-              <a:fillRect/>
-            </a:stretch>
-          </p:blipFill>
-          <p:spPr>
-            <a:xfrm>
-              <a:off x="7543694" y="1816597"/>
-              <a:ext cx="544781" cy="653737"/>
-            </a:xfrm>
-            <a:prstGeom prst="rect">
-              <a:avLst/>
-            </a:prstGeom>
-          </p:spPr>
-        </p:pic>
-        <p:sp>
-          <p:nvSpPr>
-            <p:cNvPr id="7" name="TextBox 6">
-              <a:extLst>
-                <a:ext uri="{FF2B5EF4-FFF2-40B4-BE49-F238E27FC236}">
-                  <a16:creationId xmlns:a16="http://schemas.microsoft.com/office/drawing/2014/main" id="{39221F16-BEB2-49E9-BF7A-5D7B588A676B}"/>
+                  <a16:creationId xmlns:a16="http://schemas.microsoft.com/office/drawing/2014/main" id="{3BB8D434-28A1-41EB-A94C-3A45893E5BB1}"/>
                 </a:ext>
               </a:extLst>
             </p:cNvPr>
@@ -3396,8 +3433,8 @@
           </p:nvSpPr>
           <p:spPr>
             <a:xfrm>
-              <a:off x="7494194" y="2497521"/>
-              <a:ext cx="643781" cy="155632"/>
+              <a:off x="2863144" y="3584503"/>
+              <a:ext cx="640080" cy="274320"/>
             </a:xfrm>
             <a:prstGeom prst="rect">
               <a:avLst/>
@@ -3412,629 +3449,467 @@
             <a:p>
               <a:pPr algn="ctr"/>
               <a:r>
-                <a:rPr lang="en-US" sz="1000" b="1" dirty="0"/>
-                <a:t>Web/ App server</a:t>
+                <a:rPr lang="en-US" sz="800" b="1" dirty="0"/>
+                <a:t>NAT gateway/  </a:t>
               </a:r>
-              <a:endParaRPr lang="en-US" b="1" dirty="0"/>
+              <a:r>
+                <a:rPr lang="en-US" sz="800" b="1" dirty="0" err="1"/>
+                <a:t>securitygroup</a:t>
+              </a:r>
+              <a:endParaRPr lang="en-US" sz="800" b="1" dirty="0"/>
+            </a:p>
+            <a:p>
+              <a:pPr algn="ctr"/>
+              <a:endParaRPr lang="en-US" sz="1400" b="1" dirty="0"/>
             </a:p>
           </p:txBody>
         </p:sp>
-        <p:grpSp>
-          <p:nvGrpSpPr>
-            <p:cNvPr id="13" name="Group 12">
+        <p:pic>
+          <p:nvPicPr>
+            <p:cNvPr id="12" name="Picture 11">
               <a:extLst>
                 <a:ext uri="{FF2B5EF4-FFF2-40B4-BE49-F238E27FC236}">
-                  <a16:creationId xmlns:a16="http://schemas.microsoft.com/office/drawing/2014/main" id="{69F97F5F-B6B5-4BD8-82A2-8252F51C1316}"/>
+                  <a16:creationId xmlns:a16="http://schemas.microsoft.com/office/drawing/2014/main" id="{FEC1D60B-4780-49A6-ACDF-ABB0D61EDF82}"/>
                 </a:ext>
               </a:extLst>
             </p:cNvPr>
-            <p:cNvGrpSpPr/>
+            <p:cNvPicPr>
+              <a:picLocks noChangeAspect="1"/>
+            </p:cNvPicPr>
             <p:nvPr/>
-          </p:nvGrpSpPr>
-          <p:grpSpPr>
+          </p:nvPicPr>
+          <p:blipFill>
+            <a:blip r:embed="rId3">
+              <a:extLst>
+                <a:ext uri="{28A0092B-C50C-407E-A947-70E740481C1C}">
+                  <a14:useLocalDpi xmlns:a14="http://schemas.microsoft.com/office/drawing/2010/main" val="0"/>
+                </a:ext>
+              </a:extLst>
+            </a:blip>
+            <a:stretch>
+              <a:fillRect/>
+            </a:stretch>
+          </p:blipFill>
+          <p:spPr>
             <a:xfrm>
-              <a:off x="6407645" y="4140242"/>
-              <a:ext cx="640080" cy="949645"/>
-              <a:chOff x="2863144" y="2909178"/>
-              <a:chExt cx="640080" cy="949645"/>
+              <a:off x="2913233" y="2909178"/>
+              <a:ext cx="538195" cy="555557"/>
             </a:xfrm>
-          </p:grpSpPr>
-          <p:sp>
-            <p:nvSpPr>
-              <p:cNvPr id="10" name="TextBox 9">
-                <a:extLst>
-                  <a:ext uri="{FF2B5EF4-FFF2-40B4-BE49-F238E27FC236}">
-                    <a16:creationId xmlns:a16="http://schemas.microsoft.com/office/drawing/2014/main" id="{3BB8D434-28A1-41EB-A94C-3A45893E5BB1}"/>
-                  </a:ext>
-                </a:extLst>
-              </p:cNvPr>
-              <p:cNvSpPr txBox="1"/>
-              <p:nvPr/>
-            </p:nvSpPr>
-            <p:spPr>
-              <a:xfrm>
-                <a:off x="2863144" y="3584503"/>
-                <a:ext cx="640080" cy="274320"/>
-              </a:xfrm>
-              <a:prstGeom prst="rect">
-                <a:avLst/>
-              </a:prstGeom>
-              <a:noFill/>
-            </p:spPr>
-            <p:txBody>
-              <a:bodyPr wrap="square" lIns="0" tIns="0" rIns="0" bIns="0" rtlCol="0" anchor="t">
-                <a:noAutofit/>
-              </a:bodyPr>
-              <a:lstStyle/>
-              <a:p>
-                <a:pPr algn="ctr"/>
-                <a:r>
-                  <a:rPr lang="en-US" sz="800" b="1" dirty="0"/>
-                  <a:t>NAT gateway/  </a:t>
-                </a:r>
-                <a:r>
-                  <a:rPr lang="en-US" sz="800" b="1" dirty="0" err="1"/>
-                  <a:t>securitygroup</a:t>
-                </a:r>
-                <a:endParaRPr lang="en-US" sz="800" b="1" dirty="0"/>
-              </a:p>
-              <a:p>
-                <a:pPr algn="ctr"/>
-                <a:endParaRPr lang="en-US" sz="1400" b="1" dirty="0"/>
-              </a:p>
-            </p:txBody>
-          </p:sp>
-          <p:pic>
-            <p:nvPicPr>
-              <p:cNvPr id="12" name="Picture 11">
-                <a:extLst>
-                  <a:ext uri="{FF2B5EF4-FFF2-40B4-BE49-F238E27FC236}">
-                    <a16:creationId xmlns:a16="http://schemas.microsoft.com/office/drawing/2014/main" id="{FEC1D60B-4780-49A6-ACDF-ABB0D61EDF82}"/>
-                  </a:ext>
-                </a:extLst>
-              </p:cNvPr>
-              <p:cNvPicPr>
-                <a:picLocks noChangeAspect="1"/>
-              </p:cNvPicPr>
-              <p:nvPr/>
-            </p:nvPicPr>
-            <p:blipFill>
-              <a:blip r:embed="rId3">
-                <a:extLst>
-                  <a:ext uri="{28A0092B-C50C-407E-A947-70E740481C1C}">
-                    <a14:useLocalDpi xmlns:a14="http://schemas.microsoft.com/office/drawing/2010/main" val="0"/>
-                  </a:ext>
-                </a:extLst>
-              </a:blip>
-              <a:stretch>
-                <a:fillRect/>
-              </a:stretch>
-            </p:blipFill>
-            <p:spPr>
-              <a:xfrm>
-                <a:off x="2913233" y="2909178"/>
-                <a:ext cx="538195" cy="555557"/>
-              </a:xfrm>
-              <a:prstGeom prst="rect">
-                <a:avLst/>
-              </a:prstGeom>
-            </p:spPr>
-          </p:pic>
-        </p:grpSp>
-        <p:grpSp>
-          <p:nvGrpSpPr>
-            <p:cNvPr id="18" name="Group 17">
+            <a:prstGeom prst="rect">
+              <a:avLst/>
+            </a:prstGeom>
+          </p:spPr>
+        </p:pic>
+      </p:grpSp>
+      <p:grpSp>
+        <p:nvGrpSpPr>
+          <p:cNvPr id="18" name="Group 17">
+            <a:extLst>
+              <a:ext uri="{FF2B5EF4-FFF2-40B4-BE49-F238E27FC236}">
+                <a16:creationId xmlns:a16="http://schemas.microsoft.com/office/drawing/2014/main" id="{A4D4C200-0A2C-485A-9690-0FE1515E8D2C}"/>
+              </a:ext>
+            </a:extLst>
+          </p:cNvPr>
+          <p:cNvGrpSpPr/>
+          <p:nvPr/>
+        </p:nvGrpSpPr>
+        <p:grpSpPr>
+          <a:xfrm>
+            <a:off x="9447683" y="3828056"/>
+            <a:ext cx="640080" cy="978749"/>
+            <a:chOff x="6462784" y="1865999"/>
+            <a:chExt cx="640080" cy="978749"/>
+          </a:xfrm>
+        </p:grpSpPr>
+        <p:sp>
+          <p:nvSpPr>
+            <p:cNvPr id="15" name="TextBox 14">
               <a:extLst>
                 <a:ext uri="{FF2B5EF4-FFF2-40B4-BE49-F238E27FC236}">
-                  <a16:creationId xmlns:a16="http://schemas.microsoft.com/office/drawing/2014/main" id="{A4D4C200-0A2C-485A-9690-0FE1515E8D2C}"/>
+                  <a16:creationId xmlns:a16="http://schemas.microsoft.com/office/drawing/2014/main" id="{44446B71-0BC5-4227-8A2F-9303D9DDFA39}"/>
                 </a:ext>
               </a:extLst>
             </p:cNvPr>
-            <p:cNvGrpSpPr/>
+            <p:cNvSpPr txBox="1"/>
             <p:nvPr/>
-          </p:nvGrpSpPr>
-          <p:grpSpPr>
+          </p:nvSpPr>
+          <p:spPr>
             <a:xfrm>
-              <a:off x="9447683" y="3828056"/>
-              <a:ext cx="640080" cy="978749"/>
-              <a:chOff x="6462784" y="1865999"/>
-              <a:chExt cx="640080" cy="978749"/>
+              <a:off x="6462784" y="2570428"/>
+              <a:ext cx="640080" cy="274320"/>
             </a:xfrm>
-          </p:grpSpPr>
-          <p:sp>
-            <p:nvSpPr>
-              <p:cNvPr id="15" name="TextBox 14">
-                <a:extLst>
-                  <a:ext uri="{FF2B5EF4-FFF2-40B4-BE49-F238E27FC236}">
-                    <a16:creationId xmlns:a16="http://schemas.microsoft.com/office/drawing/2014/main" id="{44446B71-0BC5-4227-8A2F-9303D9DDFA39}"/>
-                  </a:ext>
-                </a:extLst>
-              </p:cNvPr>
-              <p:cNvSpPr txBox="1"/>
-              <p:nvPr/>
-            </p:nvSpPr>
-            <p:spPr>
-              <a:xfrm>
-                <a:off x="6462784" y="2570428"/>
-                <a:ext cx="640080" cy="274320"/>
-              </a:xfrm>
-              <a:prstGeom prst="rect">
-                <a:avLst/>
-              </a:prstGeom>
-              <a:noFill/>
-            </p:spPr>
-            <p:txBody>
-              <a:bodyPr wrap="square" lIns="0" tIns="0" rIns="0" bIns="0" rtlCol="0" anchor="t">
-                <a:noAutofit/>
-              </a:bodyPr>
-              <a:lstStyle/>
-              <a:p>
-                <a:pPr algn="ctr"/>
-                <a:r>
-                  <a:rPr lang="en-US" sz="800" b="1" dirty="0"/>
-                  <a:t>RDS DB instance</a:t>
-                </a:r>
-                <a:endParaRPr lang="en-US" sz="1400" b="1" dirty="0"/>
-              </a:p>
-            </p:txBody>
-          </p:sp>
-          <p:pic>
-            <p:nvPicPr>
-              <p:cNvPr id="17" name="Picture 16">
-                <a:extLst>
-                  <a:ext uri="{FF2B5EF4-FFF2-40B4-BE49-F238E27FC236}">
-                    <a16:creationId xmlns:a16="http://schemas.microsoft.com/office/drawing/2014/main" id="{91137DD6-3792-4B49-8C62-B8DE295EE985}"/>
-                  </a:ext>
-                </a:extLst>
-              </p:cNvPr>
-              <p:cNvPicPr>
-                <a:picLocks noChangeAspect="1"/>
-              </p:cNvPicPr>
-              <p:nvPr/>
-            </p:nvPicPr>
-            <p:blipFill>
-              <a:blip r:embed="rId4">
-                <a:extLst>
-                  <a:ext uri="{28A0092B-C50C-407E-A947-70E740481C1C}">
-                    <a14:useLocalDpi xmlns:a14="http://schemas.microsoft.com/office/drawing/2010/main" val="0"/>
-                  </a:ext>
-                </a:extLst>
-              </a:blip>
-              <a:stretch>
-                <a:fillRect/>
-              </a:stretch>
-            </p:blipFill>
-            <p:spPr>
-              <a:xfrm>
-                <a:off x="6550013" y="1865999"/>
-                <a:ext cx="457319" cy="602829"/>
-              </a:xfrm>
-              <a:prstGeom prst="rect">
-                <a:avLst/>
-              </a:prstGeom>
-            </p:spPr>
-          </p:pic>
-        </p:grpSp>
-        <p:grpSp>
-          <p:nvGrpSpPr>
-            <p:cNvPr id="23" name="Group 22">
+            <a:prstGeom prst="rect">
+              <a:avLst/>
+            </a:prstGeom>
+            <a:noFill/>
+          </p:spPr>
+          <p:txBody>
+            <a:bodyPr wrap="square" lIns="0" tIns="0" rIns="0" bIns="0" rtlCol="0" anchor="t">
+              <a:noAutofit/>
+            </a:bodyPr>
+            <a:lstStyle/>
+            <a:p>
+              <a:pPr algn="ctr"/>
+              <a:r>
+                <a:rPr lang="en-US" sz="800" b="1" dirty="0"/>
+                <a:t>RDS DB instance</a:t>
+              </a:r>
+              <a:endParaRPr lang="en-US" sz="1400" b="1" dirty="0"/>
+            </a:p>
+          </p:txBody>
+        </p:sp>
+        <p:pic>
+          <p:nvPicPr>
+            <p:cNvPr id="17" name="Picture 16">
               <a:extLst>
                 <a:ext uri="{FF2B5EF4-FFF2-40B4-BE49-F238E27FC236}">
-                  <a16:creationId xmlns:a16="http://schemas.microsoft.com/office/drawing/2014/main" id="{6F7FA44A-B05A-4FF8-8AC4-E118EC2C6EAD}"/>
+                  <a16:creationId xmlns:a16="http://schemas.microsoft.com/office/drawing/2014/main" id="{91137DD6-3792-4B49-8C62-B8DE295EE985}"/>
                 </a:ext>
               </a:extLst>
             </p:cNvPr>
-            <p:cNvGrpSpPr/>
+            <p:cNvPicPr>
+              <a:picLocks noChangeAspect="1"/>
+            </p:cNvPicPr>
             <p:nvPr/>
-          </p:nvGrpSpPr>
-          <p:grpSpPr>
+          </p:nvPicPr>
+          <p:blipFill>
+            <a:blip r:embed="rId4">
+              <a:extLst>
+                <a:ext uri="{28A0092B-C50C-407E-A947-70E740481C1C}">
+                  <a14:useLocalDpi xmlns:a14="http://schemas.microsoft.com/office/drawing/2010/main" val="0"/>
+                </a:ext>
+              </a:extLst>
+            </a:blip>
+            <a:stretch>
+              <a:fillRect/>
+            </a:stretch>
+          </p:blipFill>
+          <p:spPr>
             <a:xfrm>
-              <a:off x="9440570" y="1636166"/>
-              <a:ext cx="746446" cy="961069"/>
-              <a:chOff x="430796" y="3974362"/>
-              <a:chExt cx="746446" cy="961069"/>
+              <a:off x="6550013" y="1865999"/>
+              <a:ext cx="457319" cy="602829"/>
             </a:xfrm>
-          </p:grpSpPr>
-          <p:sp>
-            <p:nvSpPr>
-              <p:cNvPr id="20" name="TextBox 19">
-                <a:extLst>
-                  <a:ext uri="{FF2B5EF4-FFF2-40B4-BE49-F238E27FC236}">
-                    <a16:creationId xmlns:a16="http://schemas.microsoft.com/office/drawing/2014/main" id="{CB20ADF0-00F3-4471-9D28-09C983E7C0A8}"/>
-                  </a:ext>
-                </a:extLst>
-              </p:cNvPr>
-              <p:cNvSpPr txBox="1"/>
-              <p:nvPr/>
-            </p:nvSpPr>
-            <p:spPr>
-              <a:xfrm>
-                <a:off x="430796" y="4661111"/>
-                <a:ext cx="746446" cy="274320"/>
-              </a:xfrm>
-              <a:prstGeom prst="rect">
-                <a:avLst/>
-              </a:prstGeom>
-              <a:noFill/>
-            </p:spPr>
-            <p:txBody>
-              <a:bodyPr wrap="square" lIns="0" tIns="0" rIns="0" bIns="0" rtlCol="0" anchor="t">
-                <a:noAutofit/>
-              </a:bodyPr>
-              <a:lstStyle/>
-              <a:p>
-                <a:pPr algn="ctr"/>
-                <a:r>
-                  <a:rPr lang="en-US" sz="800" b="1" spc="-50" dirty="0"/>
-                  <a:t>RDS DB </a:t>
-                </a:r>
-                <a:br>
-                  <a:rPr lang="en-US" sz="800" b="1" spc="-50" dirty="0"/>
-                </a:br>
-                <a:r>
-                  <a:rPr lang="en-US" sz="800" b="1" spc="-50" dirty="0"/>
-                  <a:t>instance standby (multi-AZ)</a:t>
-                </a:r>
-                <a:endParaRPr lang="en-US" sz="1400" b="1" spc="-50" dirty="0"/>
-              </a:p>
-            </p:txBody>
-          </p:sp>
-          <p:pic>
-            <p:nvPicPr>
-              <p:cNvPr id="22" name="Picture 21">
-                <a:extLst>
-                  <a:ext uri="{FF2B5EF4-FFF2-40B4-BE49-F238E27FC236}">
-                    <a16:creationId xmlns:a16="http://schemas.microsoft.com/office/drawing/2014/main" id="{571D9654-BBF2-4FE3-BBD0-EA7094D5E87B}"/>
-                  </a:ext>
-                </a:extLst>
-              </p:cNvPr>
-              <p:cNvPicPr>
-                <a:picLocks noChangeAspect="1"/>
-              </p:cNvPicPr>
-              <p:nvPr/>
-            </p:nvPicPr>
-            <p:blipFill>
-              <a:blip r:embed="rId5">
-                <a:extLst>
-                  <a:ext uri="{28A0092B-C50C-407E-A947-70E740481C1C}">
-                    <a14:useLocalDpi xmlns:a14="http://schemas.microsoft.com/office/drawing/2010/main" val="0"/>
-                  </a:ext>
-                </a:extLst>
-              </a:blip>
-              <a:stretch>
-                <a:fillRect/>
-              </a:stretch>
-            </p:blipFill>
-            <p:spPr>
-              <a:xfrm>
-                <a:off x="569287" y="3974362"/>
-                <a:ext cx="457319" cy="602829"/>
-              </a:xfrm>
-              <a:prstGeom prst="rect">
-                <a:avLst/>
-              </a:prstGeom>
-            </p:spPr>
-          </p:pic>
-        </p:grpSp>
-        <p:grpSp>
-          <p:nvGrpSpPr>
-            <p:cNvPr id="28" name="Group 27">
+            <a:prstGeom prst="rect">
+              <a:avLst/>
+            </a:prstGeom>
+          </p:spPr>
+        </p:pic>
+      </p:grpSp>
+      <p:grpSp>
+        <p:nvGrpSpPr>
+          <p:cNvPr id="23" name="Group 22">
+            <a:extLst>
+              <a:ext uri="{FF2B5EF4-FFF2-40B4-BE49-F238E27FC236}">
+                <a16:creationId xmlns:a16="http://schemas.microsoft.com/office/drawing/2014/main" id="{6F7FA44A-B05A-4FF8-8AC4-E118EC2C6EAD}"/>
+              </a:ext>
+            </a:extLst>
+          </p:cNvPr>
+          <p:cNvGrpSpPr/>
+          <p:nvPr/>
+        </p:nvGrpSpPr>
+        <p:grpSpPr>
+          <a:xfrm>
+            <a:off x="9440570" y="1636166"/>
+            <a:ext cx="746446" cy="961069"/>
+            <a:chOff x="430796" y="3974362"/>
+            <a:chExt cx="746446" cy="961069"/>
+          </a:xfrm>
+        </p:grpSpPr>
+        <p:sp>
+          <p:nvSpPr>
+            <p:cNvPr id="20" name="TextBox 19">
               <a:extLst>
                 <a:ext uri="{FF2B5EF4-FFF2-40B4-BE49-F238E27FC236}">
-                  <a16:creationId xmlns:a16="http://schemas.microsoft.com/office/drawing/2014/main" id="{530B332A-C8AA-41E6-A80A-65C6E35EF46A}"/>
+                  <a16:creationId xmlns:a16="http://schemas.microsoft.com/office/drawing/2014/main" id="{CB20ADF0-00F3-4471-9D28-09C983E7C0A8}"/>
                 </a:ext>
               </a:extLst>
             </p:cNvPr>
-            <p:cNvGrpSpPr/>
+            <p:cNvSpPr txBox="1"/>
             <p:nvPr/>
-          </p:nvGrpSpPr>
-          <p:grpSpPr>
+          </p:nvSpPr>
+          <p:spPr>
             <a:xfrm>
-              <a:off x="1169383" y="3363770"/>
-              <a:ext cx="819444" cy="953985"/>
-              <a:chOff x="1268893" y="2904838"/>
-              <a:chExt cx="640080" cy="953985"/>
+              <a:off x="430796" y="4661111"/>
+              <a:ext cx="746446" cy="274320"/>
             </a:xfrm>
-          </p:grpSpPr>
-          <p:sp>
-            <p:nvSpPr>
-              <p:cNvPr id="25" name="TextBox 24">
-                <a:extLst>
-                  <a:ext uri="{FF2B5EF4-FFF2-40B4-BE49-F238E27FC236}">
-                    <a16:creationId xmlns:a16="http://schemas.microsoft.com/office/drawing/2014/main" id="{CE8C0C33-097B-4D34-B380-0D5F33FE4456}"/>
-                  </a:ext>
-                </a:extLst>
-              </p:cNvPr>
-              <p:cNvSpPr txBox="1"/>
-              <p:nvPr/>
-            </p:nvSpPr>
-            <p:spPr>
-              <a:xfrm>
-                <a:off x="1268893" y="3584503"/>
-                <a:ext cx="640080" cy="274320"/>
-              </a:xfrm>
-              <a:prstGeom prst="rect">
-                <a:avLst/>
-              </a:prstGeom>
-              <a:noFill/>
-            </p:spPr>
-            <p:txBody>
-              <a:bodyPr wrap="square" lIns="0" tIns="0" rIns="0" bIns="0" rtlCol="0" anchor="t">
-                <a:noAutofit/>
-              </a:bodyPr>
-              <a:lstStyle/>
-              <a:p>
-                <a:pPr algn="ctr"/>
-                <a:r>
-                  <a:rPr lang="en-US" sz="800" b="1" dirty="0"/>
-                  <a:t>Internet </a:t>
-                </a:r>
-                <a:endParaRPr lang="en-US" sz="1400" b="1" dirty="0"/>
-              </a:p>
-            </p:txBody>
-          </p:sp>
-          <p:pic>
-            <p:nvPicPr>
-              <p:cNvPr id="27" name="Picture 26">
-                <a:extLst>
-                  <a:ext uri="{FF2B5EF4-FFF2-40B4-BE49-F238E27FC236}">
-                    <a16:creationId xmlns:a16="http://schemas.microsoft.com/office/drawing/2014/main" id="{7220E56E-9F96-41BB-8A09-74BB239533C2}"/>
-                  </a:ext>
-                </a:extLst>
-              </p:cNvPr>
-              <p:cNvPicPr>
-                <a:picLocks noChangeAspect="1"/>
-              </p:cNvPicPr>
-              <p:nvPr/>
-            </p:nvPicPr>
-            <p:blipFill>
-              <a:blip r:embed="rId6">
-                <a:extLst>
-                  <a:ext uri="{28A0092B-C50C-407E-A947-70E740481C1C}">
-                    <a14:useLocalDpi xmlns:a14="http://schemas.microsoft.com/office/drawing/2010/main" val="0"/>
-                  </a:ext>
-                </a:extLst>
-              </a:blip>
-              <a:stretch>
-                <a:fillRect/>
-              </a:stretch>
-            </p:blipFill>
-            <p:spPr>
-              <a:xfrm>
-                <a:off x="1318698" y="2904838"/>
-                <a:ext cx="538196" cy="564237"/>
-              </a:xfrm>
-              <a:prstGeom prst="rect">
-                <a:avLst/>
-              </a:prstGeom>
-            </p:spPr>
-          </p:pic>
-        </p:grpSp>
-        <p:grpSp>
-          <p:nvGrpSpPr>
-            <p:cNvPr id="33" name="Group 32">
+            <a:prstGeom prst="rect">
+              <a:avLst/>
+            </a:prstGeom>
+            <a:noFill/>
+          </p:spPr>
+          <p:txBody>
+            <a:bodyPr wrap="square" lIns="0" tIns="0" rIns="0" bIns="0" rtlCol="0" anchor="t">
+              <a:noAutofit/>
+            </a:bodyPr>
+            <a:lstStyle/>
+            <a:p>
+              <a:pPr algn="ctr"/>
+              <a:r>
+                <a:rPr lang="en-US" sz="800" b="1" spc="-50" dirty="0"/>
+                <a:t>RDS DB </a:t>
+              </a:r>
+              <a:br>
+                <a:rPr lang="en-US" sz="800" b="1" spc="-50" dirty="0"/>
+              </a:br>
+              <a:r>
+                <a:rPr lang="en-US" sz="800" b="1" spc="-50" dirty="0"/>
+                <a:t>instance standby (multi-AZ)</a:t>
+              </a:r>
+              <a:endParaRPr lang="en-US" sz="1400" b="1" spc="-50" dirty="0"/>
+            </a:p>
+          </p:txBody>
+        </p:sp>
+        <p:pic>
+          <p:nvPicPr>
+            <p:cNvPr id="22" name="Picture 21">
               <a:extLst>
                 <a:ext uri="{FF2B5EF4-FFF2-40B4-BE49-F238E27FC236}">
-                  <a16:creationId xmlns:a16="http://schemas.microsoft.com/office/drawing/2014/main" id="{A1C295C7-E5E9-45F1-93D2-33341CD345DB}"/>
+                  <a16:creationId xmlns:a16="http://schemas.microsoft.com/office/drawing/2014/main" id="{571D9654-BBF2-4FE3-BBD0-EA7094D5E87B}"/>
                 </a:ext>
               </a:extLst>
             </p:cNvPr>
-            <p:cNvGrpSpPr/>
+            <p:cNvPicPr>
+              <a:picLocks noChangeAspect="1"/>
+            </p:cNvPicPr>
             <p:nvPr/>
-          </p:nvGrpSpPr>
-          <p:grpSpPr>
+          </p:nvPicPr>
+          <p:blipFill>
+            <a:blip r:embed="rId5">
+              <a:extLst>
+                <a:ext uri="{28A0092B-C50C-407E-A947-70E740481C1C}">
+                  <a14:useLocalDpi xmlns:a14="http://schemas.microsoft.com/office/drawing/2010/main" val="0"/>
+                </a:ext>
+              </a:extLst>
+            </a:blip>
+            <a:stretch>
+              <a:fillRect/>
+            </a:stretch>
+          </p:blipFill>
+          <p:spPr>
             <a:xfrm>
-              <a:off x="4123594" y="2548179"/>
-              <a:ext cx="788738" cy="959299"/>
-              <a:chOff x="7116937" y="2904477"/>
-              <a:chExt cx="788738" cy="959299"/>
+              <a:off x="569287" y="3974362"/>
+              <a:ext cx="457319" cy="602829"/>
             </a:xfrm>
-          </p:grpSpPr>
-          <p:sp>
-            <p:nvSpPr>
-              <p:cNvPr id="30" name="TextBox 29">
-                <a:extLst>
-                  <a:ext uri="{FF2B5EF4-FFF2-40B4-BE49-F238E27FC236}">
-                    <a16:creationId xmlns:a16="http://schemas.microsoft.com/office/drawing/2014/main" id="{D21F9248-2D09-48C6-84E3-D2A7B09AB301}"/>
-                  </a:ext>
-                </a:extLst>
-              </p:cNvPr>
-              <p:cNvSpPr txBox="1"/>
-              <p:nvPr/>
-            </p:nvSpPr>
-            <p:spPr>
-              <a:xfrm>
-                <a:off x="7116937" y="3589456"/>
-                <a:ext cx="788738" cy="274320"/>
-              </a:xfrm>
-              <a:prstGeom prst="rect">
-                <a:avLst/>
-              </a:prstGeom>
-              <a:noFill/>
-            </p:spPr>
-            <p:txBody>
-              <a:bodyPr wrap="square" lIns="0" tIns="0" rIns="0" bIns="0" rtlCol="0" anchor="t">
-                <a:noAutofit/>
-              </a:bodyPr>
-              <a:lstStyle/>
-              <a:p>
-                <a:pPr algn="ctr"/>
-                <a:r>
-                  <a:rPr lang="en-US" sz="800" b="1" dirty="0"/>
-                  <a:t>Application &amp; Network Load Balancer</a:t>
-                </a:r>
-                <a:endParaRPr lang="en-US" sz="1400" b="1" dirty="0"/>
-              </a:p>
-            </p:txBody>
-          </p:sp>
-          <p:pic>
-            <p:nvPicPr>
-              <p:cNvPr id="32" name="Picture 31">
-                <a:extLst>
-                  <a:ext uri="{FF2B5EF4-FFF2-40B4-BE49-F238E27FC236}">
-                    <a16:creationId xmlns:a16="http://schemas.microsoft.com/office/drawing/2014/main" id="{C91BC1A7-B5B7-4996-A985-B349F595DA1C}"/>
-                  </a:ext>
-                </a:extLst>
-              </p:cNvPr>
-              <p:cNvPicPr>
-                <a:picLocks noChangeAspect="1"/>
-              </p:cNvPicPr>
-              <p:nvPr/>
-            </p:nvPicPr>
-            <p:blipFill>
-              <a:blip r:embed="rId7">
-                <a:extLst>
-                  <a:ext uri="{28A0092B-C50C-407E-A947-70E740481C1C}">
-                    <a14:useLocalDpi xmlns:a14="http://schemas.microsoft.com/office/drawing/2010/main" val="0"/>
-                  </a:ext>
-                </a:extLst>
-              </a:blip>
-              <a:stretch>
-                <a:fillRect/>
-              </a:stretch>
-            </p:blipFill>
-            <p:spPr>
-              <a:xfrm>
-                <a:off x="7239487" y="2904477"/>
-                <a:ext cx="543639" cy="564959"/>
-              </a:xfrm>
-              <a:prstGeom prst="rect">
-                <a:avLst/>
-              </a:prstGeom>
-            </p:spPr>
-          </p:pic>
-        </p:grpSp>
-        <p:grpSp>
-          <p:nvGrpSpPr>
-            <p:cNvPr id="34" name="Group 33">
+            <a:prstGeom prst="rect">
+              <a:avLst/>
+            </a:prstGeom>
+          </p:spPr>
+        </p:pic>
+      </p:grpSp>
+      <p:grpSp>
+        <p:nvGrpSpPr>
+          <p:cNvPr id="28" name="Group 27">
+            <a:extLst>
+              <a:ext uri="{FF2B5EF4-FFF2-40B4-BE49-F238E27FC236}">
+                <a16:creationId xmlns:a16="http://schemas.microsoft.com/office/drawing/2014/main" id="{530B332A-C8AA-41E6-A80A-65C6E35EF46A}"/>
+              </a:ext>
+            </a:extLst>
+          </p:cNvPr>
+          <p:cNvGrpSpPr/>
+          <p:nvPr/>
+        </p:nvGrpSpPr>
+        <p:grpSpPr>
+          <a:xfrm>
+            <a:off x="1169383" y="3363770"/>
+            <a:ext cx="819444" cy="953985"/>
+            <a:chOff x="1268893" y="2904838"/>
+            <a:chExt cx="640080" cy="953985"/>
+          </a:xfrm>
+        </p:grpSpPr>
+        <p:sp>
+          <p:nvSpPr>
+            <p:cNvPr id="25" name="TextBox 24">
               <a:extLst>
                 <a:ext uri="{FF2B5EF4-FFF2-40B4-BE49-F238E27FC236}">
-                  <a16:creationId xmlns:a16="http://schemas.microsoft.com/office/drawing/2014/main" id="{E54C2356-BED2-4207-9F05-775487D051B5}"/>
+                  <a16:creationId xmlns:a16="http://schemas.microsoft.com/office/drawing/2014/main" id="{CE8C0C33-097B-4D34-B380-0D5F33FE4456}"/>
                 </a:ext>
               </a:extLst>
             </p:cNvPr>
-            <p:cNvGrpSpPr/>
+            <p:cNvSpPr txBox="1"/>
             <p:nvPr/>
-          </p:nvGrpSpPr>
-          <p:grpSpPr>
+          </p:nvSpPr>
+          <p:spPr>
             <a:xfrm>
-              <a:off x="3062106" y="398762"/>
-              <a:ext cx="8754569" cy="4981130"/>
-              <a:chOff x="581181" y="988432"/>
-              <a:chExt cx="1639732" cy="1995975"/>
+              <a:off x="1268893" y="3584503"/>
+              <a:ext cx="640080" cy="274320"/>
             </a:xfrm>
-          </p:grpSpPr>
-          <p:sp>
-            <p:nvSpPr>
-              <p:cNvPr id="35" name="Rounded Rectangle 3">
-                <a:extLst>
-                  <a:ext uri="{FF2B5EF4-FFF2-40B4-BE49-F238E27FC236}">
-                    <a16:creationId xmlns:a16="http://schemas.microsoft.com/office/drawing/2014/main" id="{BC1C883D-1207-43D5-B892-C299AB613910}"/>
-                  </a:ext>
-                </a:extLst>
-              </p:cNvPr>
-              <p:cNvSpPr/>
-              <p:nvPr/>
-            </p:nvSpPr>
-            <p:spPr>
-              <a:xfrm>
-                <a:off x="644194" y="1250857"/>
-                <a:ext cx="1576719" cy="1733550"/>
-              </a:xfrm>
-              <a:prstGeom prst="roundRect">
-                <a:avLst>
-                  <a:gd name="adj" fmla="val 9818"/>
-                </a:avLst>
-              </a:prstGeom>
-              <a:noFill/>
-              <a:ln w="6350">
-                <a:solidFill>
-                  <a:schemeClr val="tx1"/>
-                </a:solidFill>
-                <a:prstDash val="solid"/>
-              </a:ln>
-              <a:effectLst/>
-            </p:spPr>
-            <p:style>
-              <a:lnRef idx="1">
-                <a:schemeClr val="accent1"/>
-              </a:lnRef>
-              <a:fillRef idx="3">
-                <a:schemeClr val="accent1"/>
-              </a:fillRef>
-              <a:effectRef idx="2">
-                <a:schemeClr val="accent1"/>
-              </a:effectRef>
-              <a:fontRef idx="minor">
-                <a:schemeClr val="lt1"/>
-              </a:fontRef>
-            </p:style>
-            <p:txBody>
-              <a:bodyPr anchor="ctr"/>
-              <a:lstStyle/>
-              <a:p>
-                <a:pPr algn="ctr" fontAlgn="auto">
-                  <a:spcBef>
-                    <a:spcPts val="0"/>
-                  </a:spcBef>
-                  <a:spcAft>
-                    <a:spcPts val="0"/>
-                  </a:spcAft>
-                  <a:defRPr/>
-                </a:pPr>
-                <a:endParaRPr lang="en-US" dirty="0">
-                  <a:solidFill>
-                    <a:schemeClr val="tx1"/>
-                  </a:solidFill>
-                  <a:latin typeface="Arial"/>
-                  <a:cs typeface="Arial"/>
-                </a:endParaRPr>
-              </a:p>
-            </p:txBody>
-          </p:sp>
-          <p:pic>
-            <p:nvPicPr>
-              <p:cNvPr id="37" name="Picture 36">
-                <a:extLst>
-                  <a:ext uri="{FF2B5EF4-FFF2-40B4-BE49-F238E27FC236}">
-                    <a16:creationId xmlns:a16="http://schemas.microsoft.com/office/drawing/2014/main" id="{B6F44A55-5416-458F-A796-6FD4268329C0}"/>
-                  </a:ext>
-                </a:extLst>
-              </p:cNvPr>
-              <p:cNvPicPr>
-                <a:picLocks noChangeAspect="1"/>
-              </p:cNvPicPr>
-              <p:nvPr/>
-            </p:nvPicPr>
-            <p:blipFill>
-              <a:blip r:embed="rId8">
-                <a:extLst>
-                  <a:ext uri="{28A0092B-C50C-407E-A947-70E740481C1C}">
-                    <a14:useLocalDpi xmlns:a14="http://schemas.microsoft.com/office/drawing/2010/main" val="0"/>
-                  </a:ext>
-                </a:extLst>
-              </a:blip>
-              <a:stretch>
-                <a:fillRect/>
-              </a:stretch>
-            </p:blipFill>
-            <p:spPr>
-              <a:xfrm>
-                <a:off x="581181" y="988432"/>
-                <a:ext cx="599170" cy="391125"/>
-              </a:xfrm>
-              <a:prstGeom prst="rect">
-                <a:avLst/>
-              </a:prstGeom>
-            </p:spPr>
-          </p:pic>
-        </p:grpSp>
+            <a:prstGeom prst="rect">
+              <a:avLst/>
+            </a:prstGeom>
+            <a:noFill/>
+          </p:spPr>
+          <p:txBody>
+            <a:bodyPr wrap="square" lIns="0" tIns="0" rIns="0" bIns="0" rtlCol="0" anchor="t">
+              <a:noAutofit/>
+            </a:bodyPr>
+            <a:lstStyle/>
+            <a:p>
+              <a:pPr algn="ctr"/>
+              <a:r>
+                <a:rPr lang="en-US" sz="800" b="1" dirty="0"/>
+                <a:t>Internet </a:t>
+              </a:r>
+              <a:endParaRPr lang="en-US" sz="1400" b="1" dirty="0"/>
+            </a:p>
+          </p:txBody>
+        </p:sp>
+        <p:pic>
+          <p:nvPicPr>
+            <p:cNvPr id="27" name="Picture 26">
+              <a:extLst>
+                <a:ext uri="{FF2B5EF4-FFF2-40B4-BE49-F238E27FC236}">
+                  <a16:creationId xmlns:a16="http://schemas.microsoft.com/office/drawing/2014/main" id="{7220E56E-9F96-41BB-8A09-74BB239533C2}"/>
+                </a:ext>
+              </a:extLst>
+            </p:cNvPr>
+            <p:cNvPicPr>
+              <a:picLocks noChangeAspect="1"/>
+            </p:cNvPicPr>
+            <p:nvPr/>
+          </p:nvPicPr>
+          <p:blipFill>
+            <a:blip r:embed="rId6">
+              <a:extLst>
+                <a:ext uri="{28A0092B-C50C-407E-A947-70E740481C1C}">
+                  <a14:useLocalDpi xmlns:a14="http://schemas.microsoft.com/office/drawing/2010/main" val="0"/>
+                </a:ext>
+              </a:extLst>
+            </a:blip>
+            <a:stretch>
+              <a:fillRect/>
+            </a:stretch>
+          </p:blipFill>
+          <p:spPr>
+            <a:xfrm>
+              <a:off x="1318698" y="2904838"/>
+              <a:ext cx="538196" cy="564237"/>
+            </a:xfrm>
+            <a:prstGeom prst="rect">
+              <a:avLst/>
+            </a:prstGeom>
+          </p:spPr>
+        </p:pic>
+      </p:grpSp>
+      <p:grpSp>
+        <p:nvGrpSpPr>
+          <p:cNvPr id="33" name="Group 32">
+            <a:extLst>
+              <a:ext uri="{FF2B5EF4-FFF2-40B4-BE49-F238E27FC236}">
+                <a16:creationId xmlns:a16="http://schemas.microsoft.com/office/drawing/2014/main" id="{A1C295C7-E5E9-45F1-93D2-33341CD345DB}"/>
+              </a:ext>
+            </a:extLst>
+          </p:cNvPr>
+          <p:cNvGrpSpPr/>
+          <p:nvPr/>
+        </p:nvGrpSpPr>
+        <p:grpSpPr>
+          <a:xfrm>
+            <a:off x="4123594" y="2548179"/>
+            <a:ext cx="788738" cy="959299"/>
+            <a:chOff x="7116937" y="2904477"/>
+            <a:chExt cx="788738" cy="959299"/>
+          </a:xfrm>
+        </p:grpSpPr>
         <p:sp>
           <p:nvSpPr>
-            <p:cNvPr id="39" name="Rounded Rectangle 6">
+            <p:cNvPr id="30" name="TextBox 29">
               <a:extLst>
                 <a:ext uri="{FF2B5EF4-FFF2-40B4-BE49-F238E27FC236}">
-                  <a16:creationId xmlns:a16="http://schemas.microsoft.com/office/drawing/2014/main" id="{F0592E72-523B-4CB9-AD4F-3E43D1462421}"/>
+                  <a16:creationId xmlns:a16="http://schemas.microsoft.com/office/drawing/2014/main" id="{D21F9248-2D09-48C6-84E3-D2A7B09AB301}"/>
+                </a:ext>
+              </a:extLst>
+            </p:cNvPr>
+            <p:cNvSpPr txBox="1"/>
+            <p:nvPr/>
+          </p:nvSpPr>
+          <p:spPr>
+            <a:xfrm>
+              <a:off x="7116937" y="3589456"/>
+              <a:ext cx="788738" cy="274320"/>
+            </a:xfrm>
+            <a:prstGeom prst="rect">
+              <a:avLst/>
+            </a:prstGeom>
+            <a:noFill/>
+          </p:spPr>
+          <p:txBody>
+            <a:bodyPr wrap="square" lIns="0" tIns="0" rIns="0" bIns="0" rtlCol="0" anchor="t">
+              <a:noAutofit/>
+            </a:bodyPr>
+            <a:lstStyle/>
+            <a:p>
+              <a:pPr algn="ctr"/>
+              <a:r>
+                <a:rPr lang="en-US" sz="800" b="1" dirty="0"/>
+                <a:t>Application &amp; Network Load Balancer</a:t>
+              </a:r>
+              <a:endParaRPr lang="en-US" sz="1400" b="1" dirty="0"/>
+            </a:p>
+          </p:txBody>
+        </p:sp>
+        <p:pic>
+          <p:nvPicPr>
+            <p:cNvPr id="32" name="Picture 31">
+              <a:extLst>
+                <a:ext uri="{FF2B5EF4-FFF2-40B4-BE49-F238E27FC236}">
+                  <a16:creationId xmlns:a16="http://schemas.microsoft.com/office/drawing/2014/main" id="{C91BC1A7-B5B7-4996-A985-B349F595DA1C}"/>
+                </a:ext>
+              </a:extLst>
+            </p:cNvPr>
+            <p:cNvPicPr>
+              <a:picLocks noChangeAspect="1"/>
+            </p:cNvPicPr>
+            <p:nvPr/>
+          </p:nvPicPr>
+          <p:blipFill>
+            <a:blip r:embed="rId7">
+              <a:extLst>
+                <a:ext uri="{28A0092B-C50C-407E-A947-70E740481C1C}">
+                  <a14:useLocalDpi xmlns:a14="http://schemas.microsoft.com/office/drawing/2010/main" val="0"/>
+                </a:ext>
+              </a:extLst>
+            </a:blip>
+            <a:stretch>
+              <a:fillRect/>
+            </a:stretch>
+          </p:blipFill>
+          <p:spPr>
+            <a:xfrm>
+              <a:off x="7239487" y="2904477"/>
+              <a:ext cx="543639" cy="564959"/>
+            </a:xfrm>
+            <a:prstGeom prst="rect">
+              <a:avLst/>
+            </a:prstGeom>
+          </p:spPr>
+        </p:pic>
+      </p:grpSp>
+      <p:grpSp>
+        <p:nvGrpSpPr>
+          <p:cNvPr id="34" name="Group 33">
+            <a:extLst>
+              <a:ext uri="{FF2B5EF4-FFF2-40B4-BE49-F238E27FC236}">
+                <a16:creationId xmlns:a16="http://schemas.microsoft.com/office/drawing/2014/main" id="{E54C2356-BED2-4207-9F05-775487D051B5}"/>
+              </a:ext>
+            </a:extLst>
+          </p:cNvPr>
+          <p:cNvGrpSpPr/>
+          <p:nvPr/>
+        </p:nvGrpSpPr>
+        <p:grpSpPr>
+          <a:xfrm>
+            <a:off x="3062106" y="398762"/>
+            <a:ext cx="8754569" cy="4981130"/>
+            <a:chOff x="581181" y="988432"/>
+            <a:chExt cx="1639732" cy="1995975"/>
+          </a:xfrm>
+        </p:grpSpPr>
+        <p:sp>
+          <p:nvSpPr>
+            <p:cNvPr id="35" name="Rounded Rectangle 3">
+              <a:extLst>
+                <a:ext uri="{FF2B5EF4-FFF2-40B4-BE49-F238E27FC236}">
+                  <a16:creationId xmlns:a16="http://schemas.microsoft.com/office/drawing/2014/main" id="{BC1C883D-1207-43D5-B892-C299AB613910}"/>
                 </a:ext>
               </a:extLst>
             </p:cNvPr>
@@ -4043,8 +3918,8 @@
           </p:nvSpPr>
           <p:spPr>
             <a:xfrm>
-              <a:off x="8820149" y="3404000"/>
-              <a:ext cx="2398055" cy="1733550"/>
+              <a:off x="644194" y="1250857"/>
+              <a:ext cx="1576719" cy="1733550"/>
             </a:xfrm>
             <a:prstGeom prst="roundRect">
               <a:avLst>
@@ -4052,11 +3927,11 @@
               </a:avLst>
             </a:prstGeom>
             <a:noFill/>
-            <a:ln w="19050">
+            <a:ln w="6350">
               <a:solidFill>
-                <a:srgbClr val="F7981F"/>
+                <a:schemeClr val="tx1"/>
               </a:solidFill>
-              <a:prstDash val="lgDash"/>
+              <a:prstDash val="solid"/>
             </a:ln>
             <a:effectLst/>
           </p:spPr>
@@ -4091,270 +3966,18 @@
                 <a:solidFill>
                   <a:schemeClr val="tx1"/>
                 </a:solidFill>
-                <a:latin typeface="Helvetica Neue"/>
-                <a:cs typeface="Helvetica Neue"/>
-              </a:endParaRPr>
-            </a:p>
-          </p:txBody>
-        </p:sp>
-        <p:sp>
-          <p:nvSpPr>
-            <p:cNvPr id="41" name="Rounded Rectangle 6">
-              <a:extLst>
-                <a:ext uri="{FF2B5EF4-FFF2-40B4-BE49-F238E27FC236}">
-                  <a16:creationId xmlns:a16="http://schemas.microsoft.com/office/drawing/2014/main" id="{1871857B-0AE3-49DC-913A-CF1CF35F0506}"/>
-                </a:ext>
-              </a:extLst>
-            </p:cNvPr>
-            <p:cNvSpPr/>
-            <p:nvPr/>
-          </p:nvSpPr>
-          <p:spPr>
-            <a:xfrm>
-              <a:off x="8877299" y="1311307"/>
-              <a:ext cx="2303827" cy="1733550"/>
-            </a:xfrm>
-            <a:prstGeom prst="roundRect">
-              <a:avLst>
-                <a:gd name="adj" fmla="val 9818"/>
-              </a:avLst>
-            </a:prstGeom>
-            <a:noFill/>
-            <a:ln w="19050">
-              <a:solidFill>
-                <a:srgbClr val="F7981F"/>
-              </a:solidFill>
-              <a:prstDash val="lgDash"/>
-            </a:ln>
-            <a:effectLst/>
-          </p:spPr>
-          <p:style>
-            <a:lnRef idx="1">
-              <a:schemeClr val="accent1"/>
-            </a:lnRef>
-            <a:fillRef idx="3">
-              <a:schemeClr val="accent1"/>
-            </a:fillRef>
-            <a:effectRef idx="2">
-              <a:schemeClr val="accent1"/>
-            </a:effectRef>
-            <a:fontRef idx="minor">
-              <a:schemeClr val="lt1"/>
-            </a:fontRef>
-          </p:style>
-          <p:txBody>
-            <a:bodyPr anchor="ctr"/>
-            <a:lstStyle/>
-            <a:p>
-              <a:pPr algn="ctr" fontAlgn="auto">
-                <a:spcBef>
-                  <a:spcPts val="0"/>
-                </a:spcBef>
-                <a:spcAft>
-                  <a:spcPts val="0"/>
-                </a:spcAft>
-                <a:defRPr/>
-              </a:pPr>
-              <a:endParaRPr lang="en-US" dirty="0">
-                <a:solidFill>
-                  <a:schemeClr val="tx1"/>
-                </a:solidFill>
-                <a:latin typeface="Helvetica Neue"/>
-                <a:cs typeface="Helvetica Neue"/>
-              </a:endParaRPr>
-            </a:p>
-          </p:txBody>
-        </p:sp>
-        <p:sp>
-          <p:nvSpPr>
-            <p:cNvPr id="46" name="TextBox 45">
-              <a:extLst>
-                <a:ext uri="{FF2B5EF4-FFF2-40B4-BE49-F238E27FC236}">
-                  <a16:creationId xmlns:a16="http://schemas.microsoft.com/office/drawing/2014/main" id="{1DE09AF4-6056-469A-B4D5-5B59CC48AEFC}"/>
-                </a:ext>
-              </a:extLst>
-            </p:cNvPr>
-            <p:cNvSpPr txBox="1">
-              <a:spLocks noChangeArrowheads="1"/>
-            </p:cNvSpPr>
-            <p:nvPr/>
-          </p:nvSpPr>
-          <p:spPr bwMode="auto">
-            <a:xfrm>
-              <a:off x="8120541" y="1284120"/>
-              <a:ext cx="4876275" cy="230831"/>
-            </a:xfrm>
-            <a:prstGeom prst="rect">
-              <a:avLst/>
-            </a:prstGeom>
-            <a:noFill/>
-            <a:ln w="9525">
-              <a:noFill/>
-              <a:miter lim="800000"/>
-              <a:headEnd/>
-              <a:tailEnd/>
-            </a:ln>
-          </p:spPr>
-          <p:txBody>
-            <a:bodyPr wrap="square">
-              <a:spAutoFit/>
-            </a:bodyPr>
-            <a:lstStyle/>
-            <a:p>
-              <a:pPr algn="ctr"/>
-              <a:r>
-                <a:rPr lang="en-US" sz="900" b="1" dirty="0">
-                  <a:latin typeface="+mj-lt"/>
-                  <a:ea typeface="Verdana" pitchFamily="34" charset="0"/>
-                  <a:cs typeface="Helvetica Neue"/>
-                </a:rPr>
-                <a:t>private subnet/AZ</a:t>
-              </a:r>
-            </a:p>
-          </p:txBody>
-        </p:sp>
-        <p:sp>
-          <p:nvSpPr>
-            <p:cNvPr id="48" name="Rounded Rectangle 6">
-              <a:extLst>
-                <a:ext uri="{FF2B5EF4-FFF2-40B4-BE49-F238E27FC236}">
-                  <a16:creationId xmlns:a16="http://schemas.microsoft.com/office/drawing/2014/main" id="{3F6A1AA7-4349-4579-A8E3-DCE8C33A5F90}"/>
-                </a:ext>
-              </a:extLst>
-            </p:cNvPr>
-            <p:cNvSpPr/>
-            <p:nvPr/>
-          </p:nvSpPr>
-          <p:spPr>
-            <a:xfrm>
-              <a:off x="6277322" y="1350486"/>
-              <a:ext cx="2303827" cy="1733550"/>
-            </a:xfrm>
-            <a:prstGeom prst="roundRect">
-              <a:avLst>
-                <a:gd name="adj" fmla="val 9818"/>
-              </a:avLst>
-            </a:prstGeom>
-            <a:noFill/>
-            <a:ln w="19050">
-              <a:solidFill>
-                <a:srgbClr val="F7981F"/>
-              </a:solidFill>
-              <a:prstDash val="lgDash"/>
-            </a:ln>
-            <a:effectLst/>
-          </p:spPr>
-          <p:style>
-            <a:lnRef idx="1">
-              <a:schemeClr val="accent1"/>
-            </a:lnRef>
-            <a:fillRef idx="3">
-              <a:schemeClr val="accent1"/>
-            </a:fillRef>
-            <a:effectRef idx="2">
-              <a:schemeClr val="accent1"/>
-            </a:effectRef>
-            <a:fontRef idx="minor">
-              <a:schemeClr val="lt1"/>
-            </a:fontRef>
-          </p:style>
-          <p:txBody>
-            <a:bodyPr anchor="ctr"/>
-            <a:lstStyle/>
-            <a:p>
-              <a:pPr algn="ctr" fontAlgn="auto">
-                <a:spcBef>
-                  <a:spcPts val="0"/>
-                </a:spcBef>
-                <a:spcAft>
-                  <a:spcPts val="0"/>
-                </a:spcAft>
-                <a:defRPr/>
-              </a:pPr>
-              <a:endParaRPr lang="en-US" dirty="0">
-                <a:solidFill>
-                  <a:schemeClr val="tx1"/>
-                </a:solidFill>
-                <a:latin typeface="Helvetica Neue"/>
-                <a:cs typeface="Helvetica Neue"/>
-              </a:endParaRPr>
-            </a:p>
-          </p:txBody>
-        </p:sp>
-        <p:sp>
-          <p:nvSpPr>
-            <p:cNvPr id="50" name="Rounded Rectangle 6">
-              <a:extLst>
-                <a:ext uri="{FF2B5EF4-FFF2-40B4-BE49-F238E27FC236}">
-                  <a16:creationId xmlns:a16="http://schemas.microsoft.com/office/drawing/2014/main" id="{99D55073-F7A0-4D3B-B422-08265D6B1394}"/>
-                </a:ext>
-              </a:extLst>
-            </p:cNvPr>
-            <p:cNvSpPr/>
-            <p:nvPr/>
-          </p:nvSpPr>
-          <p:spPr>
-            <a:xfrm>
-              <a:off x="6225865" y="3410592"/>
-              <a:ext cx="2303827" cy="1733550"/>
-            </a:xfrm>
-            <a:prstGeom prst="roundRect">
-              <a:avLst>
-                <a:gd name="adj" fmla="val 9818"/>
-              </a:avLst>
-            </a:prstGeom>
-            <a:noFill/>
-            <a:ln w="19050">
-              <a:solidFill>
-                <a:srgbClr val="F7981F"/>
-              </a:solidFill>
-              <a:prstDash val="lgDash"/>
-            </a:ln>
-            <a:effectLst/>
-          </p:spPr>
-          <p:style>
-            <a:lnRef idx="1">
-              <a:schemeClr val="accent1"/>
-            </a:lnRef>
-            <a:fillRef idx="3">
-              <a:schemeClr val="accent1"/>
-            </a:fillRef>
-            <a:effectRef idx="2">
-              <a:schemeClr val="accent1"/>
-            </a:effectRef>
-            <a:fontRef idx="minor">
-              <a:schemeClr val="lt1"/>
-            </a:fontRef>
-          </p:style>
-          <p:txBody>
-            <a:bodyPr anchor="ctr"/>
-            <a:lstStyle/>
-            <a:p>
-              <a:pPr algn="ctr" fontAlgn="auto">
-                <a:spcBef>
-                  <a:spcPts val="0"/>
-                </a:spcBef>
-                <a:spcAft>
-                  <a:spcPts val="0"/>
-                </a:spcAft>
-                <a:defRPr/>
-              </a:pPr>
-              <a:endParaRPr lang="en-US" dirty="0">
-                <a:solidFill>
-                  <a:schemeClr val="tx1"/>
-                </a:solidFill>
-                <a:latin typeface="Helvetica Neue"/>
-                <a:cs typeface="Helvetica Neue"/>
+                <a:latin typeface="Arial"/>
+                <a:cs typeface="Arial"/>
               </a:endParaRPr>
             </a:p>
           </p:txBody>
         </p:sp>
         <p:pic>
           <p:nvPicPr>
-            <p:cNvPr id="52" name="Picture 51">
+            <p:cNvPr id="37" name="Picture 36">
               <a:extLst>
                 <a:ext uri="{FF2B5EF4-FFF2-40B4-BE49-F238E27FC236}">
-                  <a16:creationId xmlns:a16="http://schemas.microsoft.com/office/drawing/2014/main" id="{12E317FE-58AF-4189-80F4-1C420F185209}"/>
+                  <a16:creationId xmlns:a16="http://schemas.microsoft.com/office/drawing/2014/main" id="{B6F44A55-5416-458F-A796-6FD4268329C0}"/>
                 </a:ext>
               </a:extLst>
             </p:cNvPr>
@@ -4364,7 +3987,7 @@
             <p:nvPr/>
           </p:nvPicPr>
           <p:blipFill>
-            <a:blip r:embed="rId2">
+            <a:blip r:embed="rId8">
               <a:extLst>
                 <a:ext uri="{28A0092B-C50C-407E-A947-70E740481C1C}">
                   <a14:useLocalDpi xmlns:a14="http://schemas.microsoft.com/office/drawing/2010/main" val="0"/>
@@ -4377,20 +4000,434 @@
           </p:blipFill>
           <p:spPr>
             <a:xfrm>
-              <a:off x="7583266" y="3813374"/>
-              <a:ext cx="544781" cy="653737"/>
+              <a:off x="581181" y="988432"/>
+              <a:ext cx="599170" cy="391125"/>
             </a:xfrm>
             <a:prstGeom prst="rect">
               <a:avLst/>
             </a:prstGeom>
           </p:spPr>
         </p:pic>
+      </p:grpSp>
+      <p:sp>
+        <p:nvSpPr>
+          <p:cNvPr id="39" name="Rounded Rectangle 6">
+            <a:extLst>
+              <a:ext uri="{FF2B5EF4-FFF2-40B4-BE49-F238E27FC236}">
+                <a16:creationId xmlns:a16="http://schemas.microsoft.com/office/drawing/2014/main" id="{F0592E72-523B-4CB9-AD4F-3E43D1462421}"/>
+              </a:ext>
+            </a:extLst>
+          </p:cNvPr>
+          <p:cNvSpPr/>
+          <p:nvPr/>
+        </p:nvSpPr>
+        <p:spPr>
+          <a:xfrm>
+            <a:off x="8820149" y="3404000"/>
+            <a:ext cx="2398055" cy="1733550"/>
+          </a:xfrm>
+          <a:prstGeom prst="roundRect">
+            <a:avLst>
+              <a:gd name="adj" fmla="val 9818"/>
+            </a:avLst>
+          </a:prstGeom>
+          <a:noFill/>
+          <a:ln w="19050">
+            <a:solidFill>
+              <a:srgbClr val="F7981F"/>
+            </a:solidFill>
+            <a:prstDash val="lgDash"/>
+          </a:ln>
+          <a:effectLst/>
+        </p:spPr>
+        <p:style>
+          <a:lnRef idx="1">
+            <a:schemeClr val="accent1"/>
+          </a:lnRef>
+          <a:fillRef idx="3">
+            <a:schemeClr val="accent1"/>
+          </a:fillRef>
+          <a:effectRef idx="2">
+            <a:schemeClr val="accent1"/>
+          </a:effectRef>
+          <a:fontRef idx="minor">
+            <a:schemeClr val="lt1"/>
+          </a:fontRef>
+        </p:style>
+        <p:txBody>
+          <a:bodyPr anchor="ctr"/>
+          <a:lstStyle/>
+          <a:p>
+            <a:pPr algn="ctr" fontAlgn="auto">
+              <a:spcBef>
+                <a:spcPts val="0"/>
+              </a:spcBef>
+              <a:spcAft>
+                <a:spcPts val="0"/>
+              </a:spcAft>
+              <a:defRPr/>
+            </a:pPr>
+            <a:endParaRPr lang="en-US" dirty="0">
+              <a:solidFill>
+                <a:schemeClr val="tx1"/>
+              </a:solidFill>
+              <a:latin typeface="Helvetica Neue"/>
+              <a:cs typeface="Helvetica Neue"/>
+            </a:endParaRPr>
+          </a:p>
+        </p:txBody>
+      </p:sp>
+      <p:sp>
+        <p:nvSpPr>
+          <p:cNvPr id="41" name="Rounded Rectangle 6">
+            <a:extLst>
+              <a:ext uri="{FF2B5EF4-FFF2-40B4-BE49-F238E27FC236}">
+                <a16:creationId xmlns:a16="http://schemas.microsoft.com/office/drawing/2014/main" id="{1871857B-0AE3-49DC-913A-CF1CF35F0506}"/>
+              </a:ext>
+            </a:extLst>
+          </p:cNvPr>
+          <p:cNvSpPr/>
+          <p:nvPr/>
+        </p:nvSpPr>
+        <p:spPr>
+          <a:xfrm>
+            <a:off x="8877299" y="1311307"/>
+            <a:ext cx="2303827" cy="1733550"/>
+          </a:xfrm>
+          <a:prstGeom prst="roundRect">
+            <a:avLst>
+              <a:gd name="adj" fmla="val 9818"/>
+            </a:avLst>
+          </a:prstGeom>
+          <a:noFill/>
+          <a:ln w="19050">
+            <a:solidFill>
+              <a:srgbClr val="F7981F"/>
+            </a:solidFill>
+            <a:prstDash val="lgDash"/>
+          </a:ln>
+          <a:effectLst/>
+        </p:spPr>
+        <p:style>
+          <a:lnRef idx="1">
+            <a:schemeClr val="accent1"/>
+          </a:lnRef>
+          <a:fillRef idx="3">
+            <a:schemeClr val="accent1"/>
+          </a:fillRef>
+          <a:effectRef idx="2">
+            <a:schemeClr val="accent1"/>
+          </a:effectRef>
+          <a:fontRef idx="minor">
+            <a:schemeClr val="lt1"/>
+          </a:fontRef>
+        </p:style>
+        <p:txBody>
+          <a:bodyPr anchor="ctr"/>
+          <a:lstStyle/>
+          <a:p>
+            <a:pPr algn="ctr" fontAlgn="auto">
+              <a:spcBef>
+                <a:spcPts val="0"/>
+              </a:spcBef>
+              <a:spcAft>
+                <a:spcPts val="0"/>
+              </a:spcAft>
+              <a:defRPr/>
+            </a:pPr>
+            <a:endParaRPr lang="en-US" dirty="0">
+              <a:solidFill>
+                <a:schemeClr val="tx1"/>
+              </a:solidFill>
+              <a:latin typeface="Helvetica Neue"/>
+              <a:cs typeface="Helvetica Neue"/>
+            </a:endParaRPr>
+          </a:p>
+        </p:txBody>
+      </p:sp>
+      <p:sp>
+        <p:nvSpPr>
+          <p:cNvPr id="46" name="TextBox 45">
+            <a:extLst>
+              <a:ext uri="{FF2B5EF4-FFF2-40B4-BE49-F238E27FC236}">
+                <a16:creationId xmlns:a16="http://schemas.microsoft.com/office/drawing/2014/main" id="{1DE09AF4-6056-469A-B4D5-5B59CC48AEFC}"/>
+              </a:ext>
+            </a:extLst>
+          </p:cNvPr>
+          <p:cNvSpPr txBox="1">
+            <a:spLocks noChangeArrowheads="1"/>
+          </p:cNvSpPr>
+          <p:nvPr/>
+        </p:nvSpPr>
+        <p:spPr bwMode="auto">
+          <a:xfrm>
+            <a:off x="8120541" y="1284120"/>
+            <a:ext cx="4876275" cy="230831"/>
+          </a:xfrm>
+          <a:prstGeom prst="rect">
+            <a:avLst/>
+          </a:prstGeom>
+          <a:noFill/>
+          <a:ln w="9525">
+            <a:noFill/>
+            <a:miter lim="800000"/>
+            <a:headEnd/>
+            <a:tailEnd/>
+          </a:ln>
+        </p:spPr>
+        <p:txBody>
+          <a:bodyPr wrap="square">
+            <a:spAutoFit/>
+          </a:bodyPr>
+          <a:lstStyle/>
+          <a:p>
+            <a:pPr algn="ctr"/>
+            <a:r>
+              <a:rPr lang="en-US" sz="900" b="1" dirty="0">
+                <a:latin typeface="+mj-lt"/>
+                <a:ea typeface="Verdana" pitchFamily="34" charset="0"/>
+                <a:cs typeface="Helvetica Neue"/>
+              </a:rPr>
+              <a:t>private subnet/AZ</a:t>
+            </a:r>
+          </a:p>
+        </p:txBody>
+      </p:sp>
+      <p:sp>
+        <p:nvSpPr>
+          <p:cNvPr id="48" name="Rounded Rectangle 6">
+            <a:extLst>
+              <a:ext uri="{FF2B5EF4-FFF2-40B4-BE49-F238E27FC236}">
+                <a16:creationId xmlns:a16="http://schemas.microsoft.com/office/drawing/2014/main" id="{3F6A1AA7-4349-4579-A8E3-DCE8C33A5F90}"/>
+              </a:ext>
+            </a:extLst>
+          </p:cNvPr>
+          <p:cNvSpPr/>
+          <p:nvPr/>
+        </p:nvSpPr>
+        <p:spPr>
+          <a:xfrm>
+            <a:off x="6277322" y="1350486"/>
+            <a:ext cx="2303827" cy="1733550"/>
+          </a:xfrm>
+          <a:prstGeom prst="roundRect">
+            <a:avLst>
+              <a:gd name="adj" fmla="val 9818"/>
+            </a:avLst>
+          </a:prstGeom>
+          <a:noFill/>
+          <a:ln w="19050">
+            <a:solidFill>
+              <a:srgbClr val="F7981F"/>
+            </a:solidFill>
+            <a:prstDash val="lgDash"/>
+          </a:ln>
+          <a:effectLst/>
+        </p:spPr>
+        <p:style>
+          <a:lnRef idx="1">
+            <a:schemeClr val="accent1"/>
+          </a:lnRef>
+          <a:fillRef idx="3">
+            <a:schemeClr val="accent1"/>
+          </a:fillRef>
+          <a:effectRef idx="2">
+            <a:schemeClr val="accent1"/>
+          </a:effectRef>
+          <a:fontRef idx="minor">
+            <a:schemeClr val="lt1"/>
+          </a:fontRef>
+        </p:style>
+        <p:txBody>
+          <a:bodyPr anchor="ctr"/>
+          <a:lstStyle/>
+          <a:p>
+            <a:pPr algn="ctr" fontAlgn="auto">
+              <a:spcBef>
+                <a:spcPts val="0"/>
+              </a:spcBef>
+              <a:spcAft>
+                <a:spcPts val="0"/>
+              </a:spcAft>
+              <a:defRPr/>
+            </a:pPr>
+            <a:endParaRPr lang="en-US" dirty="0">
+              <a:solidFill>
+                <a:schemeClr val="tx1"/>
+              </a:solidFill>
+              <a:latin typeface="Helvetica Neue"/>
+              <a:cs typeface="Helvetica Neue"/>
+            </a:endParaRPr>
+          </a:p>
+        </p:txBody>
+      </p:sp>
+      <p:sp>
+        <p:nvSpPr>
+          <p:cNvPr id="50" name="Rounded Rectangle 6">
+            <a:extLst>
+              <a:ext uri="{FF2B5EF4-FFF2-40B4-BE49-F238E27FC236}">
+                <a16:creationId xmlns:a16="http://schemas.microsoft.com/office/drawing/2014/main" id="{99D55073-F7A0-4D3B-B422-08265D6B1394}"/>
+              </a:ext>
+            </a:extLst>
+          </p:cNvPr>
+          <p:cNvSpPr/>
+          <p:nvPr/>
+        </p:nvSpPr>
+        <p:spPr>
+          <a:xfrm>
+            <a:off x="6225865" y="3410592"/>
+            <a:ext cx="2303827" cy="1733550"/>
+          </a:xfrm>
+          <a:prstGeom prst="roundRect">
+            <a:avLst>
+              <a:gd name="adj" fmla="val 9818"/>
+            </a:avLst>
+          </a:prstGeom>
+          <a:noFill/>
+          <a:ln w="19050">
+            <a:solidFill>
+              <a:srgbClr val="F7981F"/>
+            </a:solidFill>
+            <a:prstDash val="lgDash"/>
+          </a:ln>
+          <a:effectLst/>
+        </p:spPr>
+        <p:style>
+          <a:lnRef idx="1">
+            <a:schemeClr val="accent1"/>
+          </a:lnRef>
+          <a:fillRef idx="3">
+            <a:schemeClr val="accent1"/>
+          </a:fillRef>
+          <a:effectRef idx="2">
+            <a:schemeClr val="accent1"/>
+          </a:effectRef>
+          <a:fontRef idx="minor">
+            <a:schemeClr val="lt1"/>
+          </a:fontRef>
+        </p:style>
+        <p:txBody>
+          <a:bodyPr anchor="ctr"/>
+          <a:lstStyle/>
+          <a:p>
+            <a:pPr algn="ctr" fontAlgn="auto">
+              <a:spcBef>
+                <a:spcPts val="0"/>
+              </a:spcBef>
+              <a:spcAft>
+                <a:spcPts val="0"/>
+              </a:spcAft>
+              <a:defRPr/>
+            </a:pPr>
+            <a:endParaRPr lang="en-US" dirty="0">
+              <a:solidFill>
+                <a:schemeClr val="tx1"/>
+              </a:solidFill>
+              <a:latin typeface="Helvetica Neue"/>
+              <a:cs typeface="Helvetica Neue"/>
+            </a:endParaRPr>
+          </a:p>
+        </p:txBody>
+      </p:sp>
+      <p:pic>
+        <p:nvPicPr>
+          <p:cNvPr id="52" name="Picture 51">
+            <a:extLst>
+              <a:ext uri="{FF2B5EF4-FFF2-40B4-BE49-F238E27FC236}">
+                <a16:creationId xmlns:a16="http://schemas.microsoft.com/office/drawing/2014/main" id="{12E317FE-58AF-4189-80F4-1C420F185209}"/>
+              </a:ext>
+            </a:extLst>
+          </p:cNvPr>
+          <p:cNvPicPr>
+            <a:picLocks noChangeAspect="1"/>
+          </p:cNvPicPr>
+          <p:nvPr/>
+        </p:nvPicPr>
+        <p:blipFill>
+          <a:blip r:embed="rId2">
+            <a:extLst>
+              <a:ext uri="{28A0092B-C50C-407E-A947-70E740481C1C}">
+                <a14:useLocalDpi xmlns:a14="http://schemas.microsoft.com/office/drawing/2010/main" val="0"/>
+              </a:ext>
+            </a:extLst>
+          </a:blip>
+          <a:stretch>
+            <a:fillRect/>
+          </a:stretch>
+        </p:blipFill>
+        <p:spPr>
+          <a:xfrm>
+            <a:off x="7583266" y="3813374"/>
+            <a:ext cx="544781" cy="653737"/>
+          </a:xfrm>
+          <a:prstGeom prst="rect">
+            <a:avLst/>
+          </a:prstGeom>
+        </p:spPr>
+      </p:pic>
+      <p:sp>
+        <p:nvSpPr>
+          <p:cNvPr id="53" name="TextBox 52">
+            <a:extLst>
+              <a:ext uri="{FF2B5EF4-FFF2-40B4-BE49-F238E27FC236}">
+                <a16:creationId xmlns:a16="http://schemas.microsoft.com/office/drawing/2014/main" id="{9364FB75-9406-4F91-9F97-5AE8681F1B7A}"/>
+              </a:ext>
+            </a:extLst>
+          </p:cNvPr>
+          <p:cNvSpPr txBox="1"/>
+          <p:nvPr/>
+        </p:nvSpPr>
+        <p:spPr>
+          <a:xfrm>
+            <a:off x="7533766" y="4494298"/>
+            <a:ext cx="643781" cy="155632"/>
+          </a:xfrm>
+          <a:prstGeom prst="rect">
+            <a:avLst/>
+          </a:prstGeom>
+          <a:noFill/>
+        </p:spPr>
+        <p:txBody>
+          <a:bodyPr wrap="square" lIns="0" tIns="0" rIns="0" bIns="0" rtlCol="0" anchor="t">
+            <a:noAutofit/>
+          </a:bodyPr>
+          <a:lstStyle/>
+          <a:p>
+            <a:pPr algn="ctr"/>
+            <a:r>
+              <a:rPr lang="en-US" sz="1000" b="1" dirty="0"/>
+              <a:t>Web/App server</a:t>
+            </a:r>
+            <a:endParaRPr lang="en-US" b="1" dirty="0"/>
+          </a:p>
+        </p:txBody>
+      </p:sp>
+      <p:grpSp>
+        <p:nvGrpSpPr>
+          <p:cNvPr id="54" name="Group 53">
+            <a:extLst>
+              <a:ext uri="{FF2B5EF4-FFF2-40B4-BE49-F238E27FC236}">
+                <a16:creationId xmlns:a16="http://schemas.microsoft.com/office/drawing/2014/main" id="{3172CF8E-B0F8-404D-B789-4F7FA716E445}"/>
+              </a:ext>
+            </a:extLst>
+          </p:cNvPr>
+          <p:cNvGrpSpPr/>
+          <p:nvPr/>
+        </p:nvGrpSpPr>
+        <p:grpSpPr>
+          <a:xfrm>
+            <a:off x="6357074" y="1453058"/>
+            <a:ext cx="640080" cy="949645"/>
+            <a:chOff x="2863144" y="2909178"/>
+            <a:chExt cx="640080" cy="949645"/>
+          </a:xfrm>
+        </p:grpSpPr>
         <p:sp>
           <p:nvSpPr>
-            <p:cNvPr id="53" name="TextBox 52">
+            <p:cNvPr id="55" name="TextBox 54">
               <a:extLst>
                 <a:ext uri="{FF2B5EF4-FFF2-40B4-BE49-F238E27FC236}">
-                  <a16:creationId xmlns:a16="http://schemas.microsoft.com/office/drawing/2014/main" id="{9364FB75-9406-4F91-9F97-5AE8681F1B7A}"/>
+                  <a16:creationId xmlns:a16="http://schemas.microsoft.com/office/drawing/2014/main" id="{4967F097-B43E-405D-AF9C-D29AA310B399}"/>
                 </a:ext>
               </a:extLst>
             </p:cNvPr>
@@ -4399,8 +4436,8 @@
           </p:nvSpPr>
           <p:spPr>
             <a:xfrm>
-              <a:off x="7533766" y="4494298"/>
-              <a:ext cx="643781" cy="155632"/>
+              <a:off x="2863144" y="3584503"/>
+              <a:ext cx="640080" cy="274320"/>
             </a:xfrm>
             <a:prstGeom prst="rect">
               <a:avLst/>
@@ -4415,121 +4452,498 @@
             <a:p>
               <a:pPr algn="ctr"/>
               <a:r>
-                <a:rPr lang="en-US" sz="1000" b="1" dirty="0"/>
-                <a:t>Web/App server</a:t>
+                <a:rPr lang="en-US" sz="800" b="1" dirty="0"/>
+                <a:t>NAT gateway/  </a:t>
               </a:r>
-              <a:endParaRPr lang="en-US" b="1" dirty="0"/>
+              <a:r>
+                <a:rPr lang="en-US" sz="800" b="1" dirty="0" err="1"/>
+                <a:t>securitygroup</a:t>
+              </a:r>
+              <a:endParaRPr lang="en-US" sz="800" b="1" dirty="0"/>
+            </a:p>
+            <a:p>
+              <a:pPr algn="ctr"/>
+              <a:endParaRPr lang="en-US" sz="1400" b="1" dirty="0"/>
             </a:p>
           </p:txBody>
         </p:sp>
-        <p:grpSp>
-          <p:nvGrpSpPr>
-            <p:cNvPr id="54" name="Group 53">
+        <p:pic>
+          <p:nvPicPr>
+            <p:cNvPr id="56" name="Picture 55">
               <a:extLst>
                 <a:ext uri="{FF2B5EF4-FFF2-40B4-BE49-F238E27FC236}">
-                  <a16:creationId xmlns:a16="http://schemas.microsoft.com/office/drawing/2014/main" id="{3172CF8E-B0F8-404D-B789-4F7FA716E445}"/>
+                  <a16:creationId xmlns:a16="http://schemas.microsoft.com/office/drawing/2014/main" id="{D84D9C64-2BF7-465B-BEB4-EA96ED72CF59}"/>
                 </a:ext>
               </a:extLst>
             </p:cNvPr>
-            <p:cNvGrpSpPr/>
+            <p:cNvPicPr>
+              <a:picLocks noChangeAspect="1"/>
+            </p:cNvPicPr>
             <p:nvPr/>
-          </p:nvGrpSpPr>
-          <p:grpSpPr>
+          </p:nvPicPr>
+          <p:blipFill>
+            <a:blip r:embed="rId3">
+              <a:extLst>
+                <a:ext uri="{28A0092B-C50C-407E-A947-70E740481C1C}">
+                  <a14:useLocalDpi xmlns:a14="http://schemas.microsoft.com/office/drawing/2010/main" val="0"/>
+                </a:ext>
+              </a:extLst>
+            </a:blip>
+            <a:stretch>
+              <a:fillRect/>
+            </a:stretch>
+          </p:blipFill>
+          <p:spPr>
             <a:xfrm>
-              <a:off x="6357074" y="1453058"/>
-              <a:ext cx="640080" cy="949645"/>
-              <a:chOff x="2863144" y="2909178"/>
-              <a:chExt cx="640080" cy="949645"/>
+              <a:off x="2913233" y="2909178"/>
+              <a:ext cx="538195" cy="555557"/>
             </a:xfrm>
-          </p:grpSpPr>
-          <p:sp>
-            <p:nvSpPr>
-              <p:cNvPr id="55" name="TextBox 54">
-                <a:extLst>
-                  <a:ext uri="{FF2B5EF4-FFF2-40B4-BE49-F238E27FC236}">
-                    <a16:creationId xmlns:a16="http://schemas.microsoft.com/office/drawing/2014/main" id="{4967F097-B43E-405D-AF9C-D29AA310B399}"/>
-                  </a:ext>
-                </a:extLst>
-              </p:cNvPr>
-              <p:cNvSpPr txBox="1"/>
-              <p:nvPr/>
-            </p:nvSpPr>
-            <p:spPr>
-              <a:xfrm>
-                <a:off x="2863144" y="3584503"/>
-                <a:ext cx="640080" cy="274320"/>
-              </a:xfrm>
-              <a:prstGeom prst="rect">
-                <a:avLst/>
-              </a:prstGeom>
-              <a:noFill/>
-            </p:spPr>
-            <p:txBody>
-              <a:bodyPr wrap="square" lIns="0" tIns="0" rIns="0" bIns="0" rtlCol="0" anchor="t">
-                <a:noAutofit/>
-              </a:bodyPr>
-              <a:lstStyle/>
-              <a:p>
-                <a:pPr algn="ctr"/>
-                <a:r>
-                  <a:rPr lang="en-US" sz="800" b="1" dirty="0"/>
-                  <a:t>NAT gateway/  </a:t>
-                </a:r>
-                <a:r>
-                  <a:rPr lang="en-US" sz="800" b="1" dirty="0" err="1"/>
-                  <a:t>securitygroup</a:t>
-                </a:r>
-                <a:endParaRPr lang="en-US" sz="800" b="1" dirty="0"/>
-              </a:p>
-              <a:p>
-                <a:pPr algn="ctr"/>
-                <a:endParaRPr lang="en-US" sz="1400" b="1" dirty="0"/>
-              </a:p>
-            </p:txBody>
-          </p:sp>
-          <p:pic>
-            <p:nvPicPr>
-              <p:cNvPr id="56" name="Picture 55">
-                <a:extLst>
-                  <a:ext uri="{FF2B5EF4-FFF2-40B4-BE49-F238E27FC236}">
-                    <a16:creationId xmlns:a16="http://schemas.microsoft.com/office/drawing/2014/main" id="{D84D9C64-2BF7-465B-BEB4-EA96ED72CF59}"/>
-                  </a:ext>
-                </a:extLst>
-              </p:cNvPr>
-              <p:cNvPicPr>
-                <a:picLocks noChangeAspect="1"/>
-              </p:cNvPicPr>
-              <p:nvPr/>
-            </p:nvPicPr>
-            <p:blipFill>
-              <a:blip r:embed="rId3">
-                <a:extLst>
-                  <a:ext uri="{28A0092B-C50C-407E-A947-70E740481C1C}">
-                    <a14:useLocalDpi xmlns:a14="http://schemas.microsoft.com/office/drawing/2010/main" val="0"/>
-                  </a:ext>
-                </a:extLst>
-              </a:blip>
-              <a:stretch>
-                <a:fillRect/>
-              </a:stretch>
-            </p:blipFill>
-            <p:spPr>
-              <a:xfrm>
-                <a:off x="2913233" y="2909178"/>
-                <a:ext cx="538195" cy="555557"/>
-              </a:xfrm>
-              <a:prstGeom prst="rect">
-                <a:avLst/>
-              </a:prstGeom>
-            </p:spPr>
-          </p:pic>
-        </p:grpSp>
+            <a:prstGeom prst="rect">
+              <a:avLst/>
+            </a:prstGeom>
+          </p:spPr>
+        </p:pic>
+      </p:grpSp>
+      <p:sp>
+        <p:nvSpPr>
+          <p:cNvPr id="58" name="TextBox 57">
+            <a:extLst>
+              <a:ext uri="{FF2B5EF4-FFF2-40B4-BE49-F238E27FC236}">
+                <a16:creationId xmlns:a16="http://schemas.microsoft.com/office/drawing/2014/main" id="{9DDB6D53-31CC-408B-82C4-69BD1DBBB868}"/>
+              </a:ext>
+            </a:extLst>
+          </p:cNvPr>
+          <p:cNvSpPr txBox="1">
+            <a:spLocks noChangeArrowheads="1"/>
+          </p:cNvSpPr>
+          <p:nvPr/>
+        </p:nvSpPr>
+        <p:spPr bwMode="auto">
+          <a:xfrm>
+            <a:off x="5650337" y="1320677"/>
+            <a:ext cx="4876275" cy="230831"/>
+          </a:xfrm>
+          <a:prstGeom prst="rect">
+            <a:avLst/>
+          </a:prstGeom>
+          <a:noFill/>
+          <a:ln w="9525">
+            <a:noFill/>
+            <a:miter lim="800000"/>
+            <a:headEnd/>
+            <a:tailEnd/>
+          </a:ln>
+        </p:spPr>
+        <p:txBody>
+          <a:bodyPr wrap="square">
+            <a:spAutoFit/>
+          </a:bodyPr>
+          <a:lstStyle/>
+          <a:p>
+            <a:pPr algn="ctr"/>
+            <a:r>
+              <a:rPr lang="en-US" sz="900" b="1" dirty="0">
+                <a:latin typeface="+mj-lt"/>
+                <a:ea typeface="Verdana" pitchFamily="34" charset="0"/>
+                <a:cs typeface="Helvetica Neue"/>
+              </a:rPr>
+              <a:t>Public subnet/AZ</a:t>
+            </a:r>
+          </a:p>
+        </p:txBody>
+      </p:sp>
+      <p:sp>
+        <p:nvSpPr>
+          <p:cNvPr id="60" name="TextBox 59">
+            <a:extLst>
+              <a:ext uri="{FF2B5EF4-FFF2-40B4-BE49-F238E27FC236}">
+                <a16:creationId xmlns:a16="http://schemas.microsoft.com/office/drawing/2014/main" id="{CC50FEAA-6733-4092-A440-13CCB2FD877A}"/>
+              </a:ext>
+            </a:extLst>
+          </p:cNvPr>
+          <p:cNvSpPr txBox="1">
+            <a:spLocks noChangeArrowheads="1"/>
+          </p:cNvSpPr>
+          <p:nvPr/>
+        </p:nvSpPr>
+        <p:spPr bwMode="auto">
+          <a:xfrm>
+            <a:off x="5645353" y="3404480"/>
+            <a:ext cx="4876275" cy="230831"/>
+          </a:xfrm>
+          <a:prstGeom prst="rect">
+            <a:avLst/>
+          </a:prstGeom>
+          <a:noFill/>
+          <a:ln w="9525">
+            <a:noFill/>
+            <a:miter lim="800000"/>
+            <a:headEnd/>
+            <a:tailEnd/>
+          </a:ln>
+        </p:spPr>
+        <p:txBody>
+          <a:bodyPr wrap="square">
+            <a:spAutoFit/>
+          </a:bodyPr>
+          <a:lstStyle/>
+          <a:p>
+            <a:pPr algn="ctr"/>
+            <a:r>
+              <a:rPr lang="en-US" sz="900" b="1" dirty="0">
+                <a:latin typeface="+mj-lt"/>
+                <a:ea typeface="Verdana" pitchFamily="34" charset="0"/>
+                <a:cs typeface="Helvetica Neue"/>
+              </a:rPr>
+              <a:t>Public subnet/AZ</a:t>
+            </a:r>
+          </a:p>
+        </p:txBody>
+      </p:sp>
+      <p:sp>
+        <p:nvSpPr>
+          <p:cNvPr id="62" name="TextBox 61">
+            <a:extLst>
+              <a:ext uri="{FF2B5EF4-FFF2-40B4-BE49-F238E27FC236}">
+                <a16:creationId xmlns:a16="http://schemas.microsoft.com/office/drawing/2014/main" id="{8810EA28-F9C9-4EA4-A48D-5F8AA4B1AAD4}"/>
+              </a:ext>
+            </a:extLst>
+          </p:cNvPr>
+          <p:cNvSpPr txBox="1">
+            <a:spLocks noChangeArrowheads="1"/>
+          </p:cNvSpPr>
+          <p:nvPr/>
+        </p:nvSpPr>
+        <p:spPr bwMode="auto">
+          <a:xfrm>
+            <a:off x="8377292" y="3392074"/>
+            <a:ext cx="4631068" cy="230832"/>
+          </a:xfrm>
+          <a:prstGeom prst="rect">
+            <a:avLst/>
+          </a:prstGeom>
+          <a:noFill/>
+          <a:ln w="9525">
+            <a:noFill/>
+            <a:miter lim="800000"/>
+            <a:headEnd/>
+            <a:tailEnd/>
+          </a:ln>
+        </p:spPr>
+        <p:txBody>
+          <a:bodyPr wrap="square">
+            <a:spAutoFit/>
+          </a:bodyPr>
+          <a:lstStyle/>
+          <a:p>
+            <a:pPr algn="ctr"/>
+            <a:r>
+              <a:rPr lang="en-US" sz="900" b="1" dirty="0">
+                <a:latin typeface="+mj-lt"/>
+                <a:ea typeface="Verdana" pitchFamily="34" charset="0"/>
+                <a:cs typeface="Helvetica Neue"/>
+              </a:rPr>
+              <a:t>private subnet/AZ</a:t>
+            </a:r>
+          </a:p>
+        </p:txBody>
+      </p:sp>
+      <p:cxnSp>
+        <p:nvCxnSpPr>
+          <p:cNvPr id="65" name="Straight Connector 64">
+            <a:extLst>
+              <a:ext uri="{FF2B5EF4-FFF2-40B4-BE49-F238E27FC236}">
+                <a16:creationId xmlns:a16="http://schemas.microsoft.com/office/drawing/2014/main" id="{EF97A57D-AE44-4756-830F-C8BE7306BA4E}"/>
+              </a:ext>
+            </a:extLst>
+          </p:cNvPr>
+          <p:cNvCxnSpPr>
+            <a:cxnSpLocks/>
+          </p:cNvCxnSpPr>
+          <p:nvPr/>
+        </p:nvCxnSpPr>
+        <p:spPr>
+          <a:xfrm flipH="1" flipV="1">
+            <a:off x="8098640" y="2319744"/>
+            <a:ext cx="1407607" cy="1611944"/>
+          </a:xfrm>
+          <a:prstGeom prst="line">
+            <a:avLst/>
+          </a:prstGeom>
+          <a:ln>
+            <a:solidFill>
+              <a:srgbClr val="414042"/>
+            </a:solidFill>
+            <a:headEnd type="triangle"/>
+            <a:tailEnd type="triangle"/>
+          </a:ln>
+          <a:effectLst/>
+        </p:spPr>
+        <p:style>
+          <a:lnRef idx="2">
+            <a:schemeClr val="accent1"/>
+          </a:lnRef>
+          <a:fillRef idx="0">
+            <a:schemeClr val="accent1"/>
+          </a:fillRef>
+          <a:effectRef idx="1">
+            <a:schemeClr val="accent1"/>
+          </a:effectRef>
+          <a:fontRef idx="minor">
+            <a:schemeClr val="tx1"/>
+          </a:fontRef>
+        </p:style>
+      </p:cxnSp>
+      <p:cxnSp>
+        <p:nvCxnSpPr>
+          <p:cNvPr id="69" name="Straight Connector 68">
+            <a:extLst>
+              <a:ext uri="{FF2B5EF4-FFF2-40B4-BE49-F238E27FC236}">
+                <a16:creationId xmlns:a16="http://schemas.microsoft.com/office/drawing/2014/main" id="{E2C28D00-B430-4994-935B-E150EB2343DD}"/>
+              </a:ext>
+            </a:extLst>
+          </p:cNvPr>
+          <p:cNvCxnSpPr>
+            <a:cxnSpLocks/>
+            <a:stCxn id="17" idx="1"/>
+          </p:cNvCxnSpPr>
+          <p:nvPr/>
+        </p:nvCxnSpPr>
+        <p:spPr>
+          <a:xfrm flipH="1">
+            <a:off x="8128048" y="4129471"/>
+            <a:ext cx="1406864" cy="10771"/>
+          </a:xfrm>
+          <a:prstGeom prst="line">
+            <a:avLst/>
+          </a:prstGeom>
+          <a:ln>
+            <a:solidFill>
+              <a:srgbClr val="414042"/>
+            </a:solidFill>
+            <a:headEnd type="triangle"/>
+            <a:tailEnd type="triangle"/>
+          </a:ln>
+          <a:effectLst/>
+        </p:spPr>
+        <p:style>
+          <a:lnRef idx="2">
+            <a:schemeClr val="accent1"/>
+          </a:lnRef>
+          <a:fillRef idx="0">
+            <a:schemeClr val="accent1"/>
+          </a:fillRef>
+          <a:effectRef idx="1">
+            <a:schemeClr val="accent1"/>
+          </a:effectRef>
+          <a:fontRef idx="minor">
+            <a:schemeClr val="tx1"/>
+          </a:fontRef>
+        </p:style>
+      </p:cxnSp>
+      <p:cxnSp>
+        <p:nvCxnSpPr>
+          <p:cNvPr id="71" name="Straight Connector 70">
+            <a:extLst>
+              <a:ext uri="{FF2B5EF4-FFF2-40B4-BE49-F238E27FC236}">
+                <a16:creationId xmlns:a16="http://schemas.microsoft.com/office/drawing/2014/main" id="{CF8EA196-83AA-4A7D-AD84-4AD263A53697}"/>
+              </a:ext>
+            </a:extLst>
+          </p:cNvPr>
+          <p:cNvCxnSpPr>
+            <a:cxnSpLocks/>
+            <a:stCxn id="17" idx="0"/>
+          </p:cNvCxnSpPr>
+          <p:nvPr/>
+        </p:nvCxnSpPr>
+        <p:spPr>
+          <a:xfrm flipH="1" flipV="1">
+            <a:off x="9710270" y="2196940"/>
+            <a:ext cx="53302" cy="1631116"/>
+          </a:xfrm>
+          <a:prstGeom prst="line">
+            <a:avLst/>
+          </a:prstGeom>
+          <a:ln>
+            <a:solidFill>
+              <a:srgbClr val="414042"/>
+            </a:solidFill>
+            <a:headEnd type="none"/>
+            <a:tailEnd type="triangle"/>
+          </a:ln>
+          <a:effectLst/>
+        </p:spPr>
+        <p:style>
+          <a:lnRef idx="2">
+            <a:schemeClr val="accent1"/>
+          </a:lnRef>
+          <a:fillRef idx="0">
+            <a:schemeClr val="accent1"/>
+          </a:fillRef>
+          <a:effectRef idx="1">
+            <a:schemeClr val="accent1"/>
+          </a:effectRef>
+          <a:fontRef idx="minor">
+            <a:schemeClr val="tx1"/>
+          </a:fontRef>
+        </p:style>
+      </p:cxnSp>
+      <p:cxnSp>
+        <p:nvCxnSpPr>
+          <p:cNvPr id="79" name="Straight Connector 78">
+            <a:extLst>
+              <a:ext uri="{FF2B5EF4-FFF2-40B4-BE49-F238E27FC236}">
+                <a16:creationId xmlns:a16="http://schemas.microsoft.com/office/drawing/2014/main" id="{F00D591D-7B9E-4832-AE5C-5F76E4F219BE}"/>
+              </a:ext>
+            </a:extLst>
+          </p:cNvPr>
+          <p:cNvCxnSpPr>
+            <a:cxnSpLocks/>
+            <a:stCxn id="5" idx="1"/>
+            <a:endCxn id="169" idx="3"/>
+          </p:cNvCxnSpPr>
+          <p:nvPr/>
+        </p:nvCxnSpPr>
+        <p:spPr>
+          <a:xfrm flipH="1">
+            <a:off x="7263374" y="2143466"/>
+            <a:ext cx="280320" cy="1077781"/>
+          </a:xfrm>
+          <a:prstGeom prst="line">
+            <a:avLst/>
+          </a:prstGeom>
+          <a:ln>
+            <a:solidFill>
+              <a:srgbClr val="414042"/>
+            </a:solidFill>
+            <a:headEnd type="triangle"/>
+            <a:tailEnd type="none"/>
+          </a:ln>
+          <a:effectLst/>
+        </p:spPr>
+        <p:style>
+          <a:lnRef idx="2">
+            <a:schemeClr val="accent1"/>
+          </a:lnRef>
+          <a:fillRef idx="0">
+            <a:schemeClr val="accent1"/>
+          </a:fillRef>
+          <a:effectRef idx="1">
+            <a:schemeClr val="accent1"/>
+          </a:effectRef>
+          <a:fontRef idx="minor">
+            <a:schemeClr val="tx1"/>
+          </a:fontRef>
+        </p:style>
+      </p:cxnSp>
+      <p:cxnSp>
+        <p:nvCxnSpPr>
+          <p:cNvPr id="82" name="Straight Connector 81">
+            <a:extLst>
+              <a:ext uri="{FF2B5EF4-FFF2-40B4-BE49-F238E27FC236}">
+                <a16:creationId xmlns:a16="http://schemas.microsoft.com/office/drawing/2014/main" id="{E421CEB4-385B-42EE-8F1D-A6D36990324D}"/>
+              </a:ext>
+            </a:extLst>
+          </p:cNvPr>
+          <p:cNvCxnSpPr>
+            <a:cxnSpLocks/>
+            <a:endCxn id="169" idx="3"/>
+          </p:cNvCxnSpPr>
+          <p:nvPr/>
+        </p:nvCxnSpPr>
+        <p:spPr>
+          <a:xfrm flipH="1" flipV="1">
+            <a:off x="7263374" y="3221247"/>
+            <a:ext cx="318018" cy="730872"/>
+          </a:xfrm>
+          <a:prstGeom prst="line">
+            <a:avLst/>
+          </a:prstGeom>
+          <a:ln>
+            <a:solidFill>
+              <a:srgbClr val="414042"/>
+            </a:solidFill>
+            <a:headEnd type="triangle"/>
+          </a:ln>
+          <a:effectLst/>
+        </p:spPr>
+        <p:style>
+          <a:lnRef idx="2">
+            <a:schemeClr val="accent1"/>
+          </a:lnRef>
+          <a:fillRef idx="0">
+            <a:schemeClr val="accent1"/>
+          </a:fillRef>
+          <a:effectRef idx="1">
+            <a:schemeClr val="accent1"/>
+          </a:effectRef>
+          <a:fontRef idx="minor">
+            <a:schemeClr val="tx1"/>
+          </a:fontRef>
+        </p:style>
+      </p:cxnSp>
+      <p:grpSp>
+        <p:nvGrpSpPr>
+          <p:cNvPr id="97" name="Group 96">
+            <a:extLst>
+              <a:ext uri="{FF2B5EF4-FFF2-40B4-BE49-F238E27FC236}">
+                <a16:creationId xmlns:a16="http://schemas.microsoft.com/office/drawing/2014/main" id="{19BE86D6-2285-46D1-841B-18FD6A115313}"/>
+              </a:ext>
+            </a:extLst>
+          </p:cNvPr>
+          <p:cNvGrpSpPr/>
+          <p:nvPr/>
+        </p:nvGrpSpPr>
+        <p:grpSpPr>
+          <a:xfrm>
+            <a:off x="1265046" y="2135877"/>
+            <a:ext cx="738114" cy="1034399"/>
+            <a:chOff x="499607" y="2026277"/>
+            <a:chExt cx="738114" cy="1034399"/>
+          </a:xfrm>
+        </p:grpSpPr>
+        <p:pic>
+          <p:nvPicPr>
+            <p:cNvPr id="94" name="Picture 93">
+              <a:extLst>
+                <a:ext uri="{FF2B5EF4-FFF2-40B4-BE49-F238E27FC236}">
+                  <a16:creationId xmlns:a16="http://schemas.microsoft.com/office/drawing/2014/main" id="{8AC917F3-2393-490D-A03C-DDC8602328AF}"/>
+                </a:ext>
+              </a:extLst>
+            </p:cNvPr>
+            <p:cNvPicPr>
+              <a:picLocks noChangeAspect="1"/>
+            </p:cNvPicPr>
+            <p:nvPr/>
+          </p:nvPicPr>
+          <p:blipFill>
+            <a:blip r:embed="rId9">
+              <a:extLst>
+                <a:ext uri="{28A0092B-C50C-407E-A947-70E740481C1C}">
+                  <a14:useLocalDpi xmlns:a14="http://schemas.microsoft.com/office/drawing/2010/main" val="0"/>
+                </a:ext>
+              </a:extLst>
+            </a:blip>
+            <a:stretch>
+              <a:fillRect/>
+            </a:stretch>
+          </p:blipFill>
+          <p:spPr>
+            <a:xfrm>
+              <a:off x="502904" y="2026277"/>
+              <a:ext cx="731520" cy="707136"/>
+            </a:xfrm>
+            <a:prstGeom prst="rect">
+              <a:avLst/>
+            </a:prstGeom>
+          </p:spPr>
+        </p:pic>
         <p:sp>
           <p:nvSpPr>
-            <p:cNvPr id="58" name="TextBox 57">
+            <p:cNvPr id="96" name="TextBox 67">
               <a:extLst>
                 <a:ext uri="{FF2B5EF4-FFF2-40B4-BE49-F238E27FC236}">
-                  <a16:creationId xmlns:a16="http://schemas.microsoft.com/office/drawing/2014/main" id="{9DDB6D53-31CC-408B-82C4-69BD1DBBB868}"/>
+                  <a16:creationId xmlns:a16="http://schemas.microsoft.com/office/drawing/2014/main" id="{89A708B2-A315-40B4-A01C-BD612263B7F2}"/>
                 </a:ext>
               </a:extLst>
             </p:cNvPr>
@@ -4540,8 +4954,8 @@
           </p:nvSpPr>
           <p:spPr bwMode="auto">
             <a:xfrm>
-              <a:off x="5650337" y="1320677"/>
-              <a:ext cx="4876275" cy="230831"/>
+              <a:off x="499607" y="2922177"/>
+              <a:ext cx="738114" cy="138499"/>
             </a:xfrm>
             <a:prstGeom prst="rect">
               <a:avLst/>
@@ -4555,970 +4969,537 @@
             </a:ln>
           </p:spPr>
           <p:txBody>
-            <a:bodyPr wrap="square">
+            <a:bodyPr wrap="square" lIns="0" tIns="0" rIns="0" bIns="0" anchor="b">
               <a:spAutoFit/>
             </a:bodyPr>
             <a:lstStyle/>
             <a:p>
               <a:pPr algn="ctr"/>
               <a:r>
-                <a:rPr lang="en-US" sz="900" b="1" dirty="0">
-                  <a:latin typeface="+mj-lt"/>
+                <a:rPr lang="en-US" sz="900" dirty="0">
+                  <a:latin typeface="Helvetica Neue"/>
                   <a:ea typeface="Verdana" pitchFamily="34" charset="0"/>
                   <a:cs typeface="Helvetica Neue"/>
                 </a:rPr>
-                <a:t>Public subnet/AZ</a:t>
+                <a:t>Users</a:t>
               </a:r>
             </a:p>
           </p:txBody>
         </p:sp>
-        <p:sp>
-          <p:nvSpPr>
-            <p:cNvPr id="60" name="TextBox 59">
-              <a:extLst>
-                <a:ext uri="{FF2B5EF4-FFF2-40B4-BE49-F238E27FC236}">
-                  <a16:creationId xmlns:a16="http://schemas.microsoft.com/office/drawing/2014/main" id="{CC50FEAA-6733-4092-A440-13CCB2FD877A}"/>
-                </a:ext>
-              </a:extLst>
-            </p:cNvPr>
-            <p:cNvSpPr txBox="1">
-              <a:spLocks noChangeArrowheads="1"/>
-            </p:cNvSpPr>
-            <p:nvPr/>
-          </p:nvSpPr>
-          <p:spPr bwMode="auto">
-            <a:xfrm>
-              <a:off x="5645353" y="3404480"/>
-              <a:ext cx="4876275" cy="230831"/>
-            </a:xfrm>
-            <a:prstGeom prst="rect">
-              <a:avLst/>
-            </a:prstGeom>
-            <a:noFill/>
-            <a:ln w="9525">
-              <a:noFill/>
-              <a:miter lim="800000"/>
-              <a:headEnd/>
-              <a:tailEnd/>
-            </a:ln>
-          </p:spPr>
-          <p:txBody>
-            <a:bodyPr wrap="square">
-              <a:spAutoFit/>
-            </a:bodyPr>
-            <a:lstStyle/>
-            <a:p>
-              <a:pPr algn="ctr"/>
-              <a:r>
-                <a:rPr lang="en-US" sz="900" b="1" dirty="0">
-                  <a:latin typeface="+mj-lt"/>
-                  <a:ea typeface="Verdana" pitchFamily="34" charset="0"/>
-                  <a:cs typeface="Helvetica Neue"/>
-                </a:rPr>
-                <a:t>Public subnet/AZ</a:t>
-              </a:r>
-            </a:p>
-          </p:txBody>
-        </p:sp>
-        <p:sp>
-          <p:nvSpPr>
-            <p:cNvPr id="62" name="TextBox 61">
-              <a:extLst>
-                <a:ext uri="{FF2B5EF4-FFF2-40B4-BE49-F238E27FC236}">
-                  <a16:creationId xmlns:a16="http://schemas.microsoft.com/office/drawing/2014/main" id="{8810EA28-F9C9-4EA4-A48D-5F8AA4B1AAD4}"/>
-                </a:ext>
-              </a:extLst>
-            </p:cNvPr>
-            <p:cNvSpPr txBox="1">
-              <a:spLocks noChangeArrowheads="1"/>
-            </p:cNvSpPr>
-            <p:nvPr/>
-          </p:nvSpPr>
-          <p:spPr bwMode="auto">
-            <a:xfrm>
-              <a:off x="8377292" y="3392074"/>
-              <a:ext cx="4631068" cy="230832"/>
-            </a:xfrm>
-            <a:prstGeom prst="rect">
-              <a:avLst/>
-            </a:prstGeom>
-            <a:noFill/>
-            <a:ln w="9525">
-              <a:noFill/>
-              <a:miter lim="800000"/>
-              <a:headEnd/>
-              <a:tailEnd/>
-            </a:ln>
-          </p:spPr>
-          <p:txBody>
-            <a:bodyPr wrap="square">
-              <a:spAutoFit/>
-            </a:bodyPr>
-            <a:lstStyle/>
-            <a:p>
-              <a:pPr algn="ctr"/>
-              <a:r>
-                <a:rPr lang="en-US" sz="900" b="1" dirty="0">
-                  <a:latin typeface="+mj-lt"/>
-                  <a:ea typeface="Verdana" pitchFamily="34" charset="0"/>
-                  <a:cs typeface="Helvetica Neue"/>
-                </a:rPr>
-                <a:t>private subnet/AZ</a:t>
-              </a:r>
-            </a:p>
-          </p:txBody>
-        </p:sp>
-        <p:cxnSp>
-          <p:nvCxnSpPr>
-            <p:cNvPr id="65" name="Straight Connector 64">
-              <a:extLst>
-                <a:ext uri="{FF2B5EF4-FFF2-40B4-BE49-F238E27FC236}">
-                  <a16:creationId xmlns:a16="http://schemas.microsoft.com/office/drawing/2014/main" id="{EF97A57D-AE44-4756-830F-C8BE7306BA4E}"/>
-                </a:ext>
-              </a:extLst>
-            </p:cNvPr>
-            <p:cNvCxnSpPr>
-              <a:cxnSpLocks/>
-            </p:cNvCxnSpPr>
-            <p:nvPr/>
-          </p:nvCxnSpPr>
-          <p:spPr>
-            <a:xfrm flipH="1" flipV="1">
-              <a:off x="8098640" y="2319744"/>
-              <a:ext cx="1407607" cy="1611944"/>
-            </a:xfrm>
-            <a:prstGeom prst="line">
-              <a:avLst/>
-            </a:prstGeom>
-            <a:ln>
-              <a:solidFill>
-                <a:srgbClr val="414042"/>
-              </a:solidFill>
-              <a:headEnd type="triangle"/>
-            </a:ln>
-            <a:effectLst/>
-          </p:spPr>
-          <p:style>
-            <a:lnRef idx="2">
-              <a:schemeClr val="accent1"/>
-            </a:lnRef>
-            <a:fillRef idx="0">
-              <a:schemeClr val="accent1"/>
-            </a:fillRef>
-            <a:effectRef idx="1">
-              <a:schemeClr val="accent1"/>
-            </a:effectRef>
-            <a:fontRef idx="minor">
+      </p:grpSp>
+      <p:cxnSp>
+        <p:nvCxnSpPr>
+          <p:cNvPr id="98" name="Straight Connector 97">
+            <a:extLst>
+              <a:ext uri="{FF2B5EF4-FFF2-40B4-BE49-F238E27FC236}">
+                <a16:creationId xmlns:a16="http://schemas.microsoft.com/office/drawing/2014/main" id="{3F9BD0C3-DB11-4F93-A108-8B0D1536341A}"/>
+              </a:ext>
+            </a:extLst>
+          </p:cNvPr>
+          <p:cNvCxnSpPr>
+            <a:cxnSpLocks/>
+          </p:cNvCxnSpPr>
+          <p:nvPr/>
+        </p:nvCxnSpPr>
+        <p:spPr>
+          <a:xfrm flipH="1" flipV="1">
+            <a:off x="1988827" y="2735374"/>
+            <a:ext cx="2251663" cy="113322"/>
+          </a:xfrm>
+          <a:prstGeom prst="line">
+            <a:avLst/>
+          </a:prstGeom>
+          <a:ln>
+            <a:solidFill>
+              <a:srgbClr val="414042"/>
+            </a:solidFill>
+            <a:headEnd type="triangle"/>
+            <a:tailEnd type="none"/>
+          </a:ln>
+          <a:effectLst/>
+        </p:spPr>
+        <p:style>
+          <a:lnRef idx="2">
+            <a:schemeClr val="accent1"/>
+          </a:lnRef>
+          <a:fillRef idx="0">
+            <a:schemeClr val="accent1"/>
+          </a:fillRef>
+          <a:effectRef idx="1">
+            <a:schemeClr val="accent1"/>
+          </a:effectRef>
+          <a:fontRef idx="minor">
+            <a:schemeClr val="tx1"/>
+          </a:fontRef>
+        </p:style>
+      </p:cxnSp>
+      <p:cxnSp>
+        <p:nvCxnSpPr>
+          <p:cNvPr id="105" name="Straight Connector 104">
+            <a:extLst>
+              <a:ext uri="{FF2B5EF4-FFF2-40B4-BE49-F238E27FC236}">
+                <a16:creationId xmlns:a16="http://schemas.microsoft.com/office/drawing/2014/main" id="{92D64989-FEE8-4A67-84D7-4496937E03DC}"/>
+              </a:ext>
+            </a:extLst>
+          </p:cNvPr>
+          <p:cNvCxnSpPr>
+            <a:cxnSpLocks/>
+          </p:cNvCxnSpPr>
+          <p:nvPr/>
+        </p:nvCxnSpPr>
+        <p:spPr>
+          <a:xfrm flipH="1">
+            <a:off x="6949133" y="4334470"/>
+            <a:ext cx="2583093" cy="178096"/>
+          </a:xfrm>
+          <a:prstGeom prst="line">
+            <a:avLst/>
+          </a:prstGeom>
+          <a:ln>
+            <a:solidFill>
+              <a:srgbClr val="00B050"/>
+            </a:solidFill>
+            <a:tailEnd type="triangle"/>
+          </a:ln>
+          <a:effectLst/>
+        </p:spPr>
+        <p:style>
+          <a:lnRef idx="2">
+            <a:schemeClr val="accent1"/>
+          </a:lnRef>
+          <a:fillRef idx="0">
+            <a:schemeClr val="accent1"/>
+          </a:fillRef>
+          <a:effectRef idx="1">
+            <a:schemeClr val="accent1"/>
+          </a:effectRef>
+          <a:fontRef idx="minor">
+            <a:schemeClr val="tx1"/>
+          </a:fontRef>
+        </p:style>
+      </p:cxnSp>
+      <p:cxnSp>
+        <p:nvCxnSpPr>
+          <p:cNvPr id="110" name="Straight Connector 109">
+            <a:extLst>
+              <a:ext uri="{FF2B5EF4-FFF2-40B4-BE49-F238E27FC236}">
+                <a16:creationId xmlns:a16="http://schemas.microsoft.com/office/drawing/2014/main" id="{7B68666D-AFC6-4A16-881F-C0C35EEEB611}"/>
+              </a:ext>
+            </a:extLst>
+          </p:cNvPr>
+          <p:cNvCxnSpPr>
+            <a:cxnSpLocks/>
+            <a:stCxn id="22" idx="1"/>
+          </p:cNvCxnSpPr>
+          <p:nvPr/>
+        </p:nvCxnSpPr>
+        <p:spPr>
+          <a:xfrm flipH="1" flipV="1">
+            <a:off x="6936635" y="1673651"/>
+            <a:ext cx="2642426" cy="263930"/>
+          </a:xfrm>
+          <a:prstGeom prst="line">
+            <a:avLst/>
+          </a:prstGeom>
+          <a:ln>
+            <a:solidFill>
+              <a:srgbClr val="00B050"/>
+            </a:solidFill>
+            <a:tailEnd type="triangle"/>
+          </a:ln>
+          <a:effectLst/>
+        </p:spPr>
+        <p:style>
+          <a:lnRef idx="2">
+            <a:schemeClr val="accent1"/>
+          </a:lnRef>
+          <a:fillRef idx="0">
+            <a:schemeClr val="accent1"/>
+          </a:fillRef>
+          <a:effectRef idx="1">
+            <a:schemeClr val="accent1"/>
+          </a:effectRef>
+          <a:fontRef idx="minor">
+            <a:schemeClr val="tx1"/>
+          </a:fontRef>
+        </p:style>
+      </p:cxnSp>
+      <p:cxnSp>
+        <p:nvCxnSpPr>
+          <p:cNvPr id="125" name="Straight Connector 124">
+            <a:extLst>
+              <a:ext uri="{FF2B5EF4-FFF2-40B4-BE49-F238E27FC236}">
+                <a16:creationId xmlns:a16="http://schemas.microsoft.com/office/drawing/2014/main" id="{EAF4F2D7-47D7-4137-87B0-E309203CD85F}"/>
+              </a:ext>
+            </a:extLst>
+          </p:cNvPr>
+          <p:cNvCxnSpPr>
+            <a:cxnSpLocks/>
+            <a:stCxn id="12" idx="1"/>
+          </p:cNvCxnSpPr>
+          <p:nvPr/>
+        </p:nvCxnSpPr>
+        <p:spPr>
+          <a:xfrm flipH="1" flipV="1">
+            <a:off x="5540618" y="4418020"/>
+            <a:ext cx="917116" cy="1"/>
+          </a:xfrm>
+          <a:prstGeom prst="line">
+            <a:avLst/>
+          </a:prstGeom>
+          <a:ln>
+            <a:solidFill>
+              <a:srgbClr val="00B050"/>
+            </a:solidFill>
+            <a:tailEnd type="none"/>
+          </a:ln>
+          <a:effectLst/>
+        </p:spPr>
+        <p:style>
+          <a:lnRef idx="2">
+            <a:schemeClr val="accent1"/>
+          </a:lnRef>
+          <a:fillRef idx="0">
+            <a:schemeClr val="accent1"/>
+          </a:fillRef>
+          <a:effectRef idx="1">
+            <a:schemeClr val="accent1"/>
+          </a:effectRef>
+          <a:fontRef idx="minor">
+            <a:schemeClr val="tx1"/>
+          </a:fontRef>
+        </p:style>
+      </p:cxnSp>
+      <p:cxnSp>
+        <p:nvCxnSpPr>
+          <p:cNvPr id="138" name="Straight Connector 137">
+            <a:extLst>
+              <a:ext uri="{FF2B5EF4-FFF2-40B4-BE49-F238E27FC236}">
+                <a16:creationId xmlns:a16="http://schemas.microsoft.com/office/drawing/2014/main" id="{67ABBEA6-936B-4BE6-B823-6C17EB8CE6A0}"/>
+              </a:ext>
+            </a:extLst>
+          </p:cNvPr>
+          <p:cNvCxnSpPr>
+            <a:cxnSpLocks/>
+          </p:cNvCxnSpPr>
+          <p:nvPr/>
+        </p:nvCxnSpPr>
+        <p:spPr>
+          <a:xfrm flipH="1" flipV="1">
+            <a:off x="5557326" y="1838745"/>
+            <a:ext cx="900409" cy="1"/>
+          </a:xfrm>
+          <a:prstGeom prst="line">
+            <a:avLst/>
+          </a:prstGeom>
+          <a:ln>
+            <a:solidFill>
+              <a:srgbClr val="00B050"/>
+            </a:solidFill>
+            <a:tailEnd type="none"/>
+          </a:ln>
+          <a:effectLst/>
+        </p:spPr>
+        <p:style>
+          <a:lnRef idx="2">
+            <a:schemeClr val="accent1"/>
+          </a:lnRef>
+          <a:fillRef idx="0">
+            <a:schemeClr val="accent1"/>
+          </a:fillRef>
+          <a:effectRef idx="1">
+            <a:schemeClr val="accent1"/>
+          </a:effectRef>
+          <a:fontRef idx="minor">
+            <a:schemeClr val="tx1"/>
+          </a:fontRef>
+        </p:style>
+      </p:cxnSp>
+      <p:cxnSp>
+        <p:nvCxnSpPr>
+          <p:cNvPr id="145" name="Straight Connector 144">
+            <a:extLst>
+              <a:ext uri="{FF2B5EF4-FFF2-40B4-BE49-F238E27FC236}">
+                <a16:creationId xmlns:a16="http://schemas.microsoft.com/office/drawing/2014/main" id="{D94D2406-FAA3-4E8B-9614-F4E6B85F2BAA}"/>
+              </a:ext>
+            </a:extLst>
+          </p:cNvPr>
+          <p:cNvCxnSpPr>
+            <a:cxnSpLocks/>
+          </p:cNvCxnSpPr>
+          <p:nvPr/>
+        </p:nvCxnSpPr>
+        <p:spPr>
+          <a:xfrm>
+            <a:off x="5540618" y="1838745"/>
+            <a:ext cx="0" cy="2592395"/>
+          </a:xfrm>
+          <a:prstGeom prst="line">
+            <a:avLst/>
+          </a:prstGeom>
+          <a:ln>
+            <a:solidFill>
+              <a:srgbClr val="00B050"/>
+            </a:solidFill>
+            <a:tailEnd type="none"/>
+          </a:ln>
+          <a:effectLst/>
+        </p:spPr>
+        <p:style>
+          <a:lnRef idx="2">
+            <a:schemeClr val="accent1"/>
+          </a:lnRef>
+          <a:fillRef idx="0">
+            <a:schemeClr val="accent1"/>
+          </a:fillRef>
+          <a:effectRef idx="1">
+            <a:schemeClr val="accent1"/>
+          </a:effectRef>
+          <a:fontRef idx="minor">
+            <a:schemeClr val="tx1"/>
+          </a:fontRef>
+        </p:style>
+      </p:cxnSp>
+      <p:cxnSp>
+        <p:nvCxnSpPr>
+          <p:cNvPr id="152" name="Straight Connector 151">
+            <a:extLst>
+              <a:ext uri="{FF2B5EF4-FFF2-40B4-BE49-F238E27FC236}">
+                <a16:creationId xmlns:a16="http://schemas.microsoft.com/office/drawing/2014/main" id="{827C9036-6A5A-4BA1-BC41-82798D57B6E7}"/>
+              </a:ext>
+            </a:extLst>
+          </p:cNvPr>
+          <p:cNvCxnSpPr>
+            <a:cxnSpLocks/>
+          </p:cNvCxnSpPr>
+          <p:nvPr/>
+        </p:nvCxnSpPr>
+        <p:spPr>
+          <a:xfrm flipH="1" flipV="1">
+            <a:off x="1910784" y="3610477"/>
+            <a:ext cx="3629834" cy="12429"/>
+          </a:xfrm>
+          <a:prstGeom prst="line">
+            <a:avLst/>
+          </a:prstGeom>
+          <a:ln>
+            <a:solidFill>
+              <a:srgbClr val="00B050"/>
+            </a:solidFill>
+            <a:headEnd type="none"/>
+            <a:tailEnd type="triangle"/>
+          </a:ln>
+          <a:effectLst/>
+        </p:spPr>
+        <p:style>
+          <a:lnRef idx="2">
+            <a:schemeClr val="accent1"/>
+          </a:lnRef>
+          <a:fillRef idx="0">
+            <a:schemeClr val="accent1"/>
+          </a:fillRef>
+          <a:effectRef idx="1">
+            <a:schemeClr val="accent1"/>
+          </a:effectRef>
+          <a:fontRef idx="minor">
+            <a:schemeClr val="tx1"/>
+          </a:fontRef>
+        </p:style>
+      </p:cxnSp>
+      <p:pic>
+        <p:nvPicPr>
+          <p:cNvPr id="169" name="Picture 168">
+            <a:extLst>
+              <a:ext uri="{FF2B5EF4-FFF2-40B4-BE49-F238E27FC236}">
+                <a16:creationId xmlns:a16="http://schemas.microsoft.com/office/drawing/2014/main" id="{8B10EF4C-8960-4CA6-B5C6-D3095B7EFF34}"/>
+              </a:ext>
+            </a:extLst>
+          </p:cNvPr>
+          <p:cNvPicPr>
+            <a:picLocks noChangeAspect="1"/>
+          </p:cNvPicPr>
+          <p:nvPr/>
+        </p:nvPicPr>
+        <p:blipFill>
+          <a:blip r:embed="rId10">
+            <a:extLst>
+              <a:ext uri="{28A0092B-C50C-407E-A947-70E740481C1C}">
+                <a14:useLocalDpi xmlns:a14="http://schemas.microsoft.com/office/drawing/2010/main" val="0"/>
+              </a:ext>
+            </a:extLst>
+          </a:blip>
+          <a:stretch>
+            <a:fillRect/>
+          </a:stretch>
+        </p:blipFill>
+        <p:spPr>
+          <a:xfrm>
+            <a:off x="6718593" y="2956422"/>
+            <a:ext cx="544781" cy="529649"/>
+          </a:xfrm>
+          <a:prstGeom prst="rect">
+            <a:avLst/>
+          </a:prstGeom>
+        </p:spPr>
+      </p:pic>
+      <p:cxnSp>
+        <p:nvCxnSpPr>
+          <p:cNvPr id="174" name="Straight Connector 173">
+            <a:extLst>
+              <a:ext uri="{FF2B5EF4-FFF2-40B4-BE49-F238E27FC236}">
+                <a16:creationId xmlns:a16="http://schemas.microsoft.com/office/drawing/2014/main" id="{98C87919-6099-4BDC-B71A-C88822413E72}"/>
+              </a:ext>
+            </a:extLst>
+          </p:cNvPr>
+          <p:cNvCxnSpPr>
+            <a:cxnSpLocks/>
+            <a:stCxn id="169" idx="1"/>
+            <a:endCxn id="32" idx="3"/>
+          </p:cNvCxnSpPr>
+          <p:nvPr/>
+        </p:nvCxnSpPr>
+        <p:spPr>
+          <a:xfrm flipH="1" flipV="1">
+            <a:off x="4789783" y="2830659"/>
+            <a:ext cx="1928810" cy="390588"/>
+          </a:xfrm>
+          <a:prstGeom prst="line">
+            <a:avLst/>
+          </a:prstGeom>
+          <a:ln>
+            <a:solidFill>
+              <a:srgbClr val="414042"/>
+            </a:solidFill>
+            <a:headEnd type="triangle"/>
+            <a:tailEnd type="none"/>
+          </a:ln>
+          <a:effectLst/>
+        </p:spPr>
+        <p:style>
+          <a:lnRef idx="2">
+            <a:schemeClr val="accent1"/>
+          </a:lnRef>
+          <a:fillRef idx="0">
+            <a:schemeClr val="accent1"/>
+          </a:fillRef>
+          <a:effectRef idx="1">
+            <a:schemeClr val="accent1"/>
+          </a:effectRef>
+          <a:fontRef idx="minor">
+            <a:schemeClr val="tx1"/>
+          </a:fontRef>
+        </p:style>
+      </p:cxnSp>
+      <p:sp>
+        <p:nvSpPr>
+          <p:cNvPr id="189" name="TextBox 188">
+            <a:extLst>
+              <a:ext uri="{FF2B5EF4-FFF2-40B4-BE49-F238E27FC236}">
+                <a16:creationId xmlns:a16="http://schemas.microsoft.com/office/drawing/2014/main" id="{815F4D3E-5EBD-4FDA-8A95-10BD6B39608A}"/>
+              </a:ext>
+            </a:extLst>
+          </p:cNvPr>
+          <p:cNvSpPr txBox="1"/>
+          <p:nvPr/>
+        </p:nvSpPr>
+        <p:spPr>
+          <a:xfrm>
+            <a:off x="70053" y="91643"/>
+            <a:ext cx="3467100" cy="369332"/>
+          </a:xfrm>
+          <a:prstGeom prst="rect">
+            <a:avLst/>
+          </a:prstGeom>
+          <a:noFill/>
+        </p:spPr>
+        <p:txBody>
+          <a:bodyPr wrap="square" rtlCol="0">
+            <a:spAutoFit/>
+          </a:bodyPr>
+          <a:lstStyle/>
+          <a:p>
+            <a:r>
+              <a:rPr lang="en-US" b="1" i="0" dirty="0">
+                <a:solidFill>
+                  <a:srgbClr val="24292E"/>
+                </a:solidFill>
+                <a:effectLst/>
+                <a:latin typeface="-apple-system"/>
+              </a:rPr>
+              <a:t>Symbiosis Architecture Diagram</a:t>
+            </a:r>
+            <a:endParaRPr lang="en-US" b="1" dirty="0"/>
+          </a:p>
+        </p:txBody>
+      </p:sp>
+      <p:sp>
+        <p:nvSpPr>
+          <p:cNvPr id="2" name="Rounded Rectangle 3">
+            <a:extLst>
+              <a:ext uri="{FF2B5EF4-FFF2-40B4-BE49-F238E27FC236}">
+                <a16:creationId xmlns:a16="http://schemas.microsoft.com/office/drawing/2014/main" id="{E83B596A-C407-4E69-BA45-EAA3E08DB41A}"/>
+              </a:ext>
+            </a:extLst>
+          </p:cNvPr>
+          <p:cNvSpPr/>
+          <p:nvPr/>
+        </p:nvSpPr>
+        <p:spPr>
+          <a:xfrm>
+            <a:off x="7070269" y="1648149"/>
+            <a:ext cx="1200920" cy="3246769"/>
+          </a:xfrm>
+          <a:prstGeom prst="roundRect">
+            <a:avLst>
+              <a:gd name="adj" fmla="val 9818"/>
+            </a:avLst>
+          </a:prstGeom>
+          <a:noFill/>
+          <a:ln w="19050">
+            <a:solidFill>
               <a:schemeClr val="tx1"/>
-            </a:fontRef>
-          </p:style>
-        </p:cxnSp>
-        <p:cxnSp>
-          <p:nvCxnSpPr>
-            <p:cNvPr id="69" name="Straight Connector 68">
-              <a:extLst>
-                <a:ext uri="{FF2B5EF4-FFF2-40B4-BE49-F238E27FC236}">
-                  <a16:creationId xmlns:a16="http://schemas.microsoft.com/office/drawing/2014/main" id="{E2C28D00-B430-4994-935B-E150EB2343DD}"/>
-                </a:ext>
-              </a:extLst>
-            </p:cNvPr>
-            <p:cNvCxnSpPr>
-              <a:cxnSpLocks/>
-              <a:stCxn id="17" idx="1"/>
-            </p:cNvCxnSpPr>
-            <p:nvPr/>
-          </p:nvCxnSpPr>
-          <p:spPr>
-            <a:xfrm flipH="1">
-              <a:off x="8128048" y="4129471"/>
-              <a:ext cx="1406864" cy="10771"/>
-            </a:xfrm>
-            <a:prstGeom prst="line">
-              <a:avLst/>
-            </a:prstGeom>
-            <a:ln>
-              <a:solidFill>
-                <a:srgbClr val="414042"/>
-              </a:solidFill>
-              <a:headEnd type="triangle"/>
-            </a:ln>
-            <a:effectLst/>
-          </p:spPr>
-          <p:style>
-            <a:lnRef idx="2">
-              <a:schemeClr val="accent1"/>
-            </a:lnRef>
-            <a:fillRef idx="0">
-              <a:schemeClr val="accent1"/>
-            </a:fillRef>
-            <a:effectRef idx="1">
-              <a:schemeClr val="accent1"/>
-            </a:effectRef>
-            <a:fontRef idx="minor">
-              <a:schemeClr val="tx1"/>
-            </a:fontRef>
-          </p:style>
-        </p:cxnSp>
-        <p:cxnSp>
-          <p:nvCxnSpPr>
-            <p:cNvPr id="71" name="Straight Connector 70">
-              <a:extLst>
-                <a:ext uri="{FF2B5EF4-FFF2-40B4-BE49-F238E27FC236}">
-                  <a16:creationId xmlns:a16="http://schemas.microsoft.com/office/drawing/2014/main" id="{CF8EA196-83AA-4A7D-AD84-4AD263A53697}"/>
-                </a:ext>
-              </a:extLst>
-            </p:cNvPr>
-            <p:cNvCxnSpPr>
-              <a:cxnSpLocks/>
-              <a:stCxn id="17" idx="0"/>
-            </p:cNvCxnSpPr>
-            <p:nvPr/>
-          </p:nvCxnSpPr>
-          <p:spPr>
-            <a:xfrm flipH="1" flipV="1">
-              <a:off x="9710270" y="2196940"/>
-              <a:ext cx="53302" cy="1631116"/>
-            </a:xfrm>
-            <a:prstGeom prst="line">
-              <a:avLst/>
-            </a:prstGeom>
-            <a:ln>
-              <a:solidFill>
-                <a:srgbClr val="414042"/>
-              </a:solidFill>
-              <a:headEnd type="none"/>
-              <a:tailEnd type="triangle"/>
-            </a:ln>
-            <a:effectLst/>
-          </p:spPr>
-          <p:style>
-            <a:lnRef idx="2">
-              <a:schemeClr val="accent1"/>
-            </a:lnRef>
-            <a:fillRef idx="0">
-              <a:schemeClr val="accent1"/>
-            </a:fillRef>
-            <a:effectRef idx="1">
-              <a:schemeClr val="accent1"/>
-            </a:effectRef>
-            <a:fontRef idx="minor">
-              <a:schemeClr val="tx1"/>
-            </a:fontRef>
-          </p:style>
-        </p:cxnSp>
-        <p:cxnSp>
-          <p:nvCxnSpPr>
-            <p:cNvPr id="79" name="Straight Connector 78">
-              <a:extLst>
-                <a:ext uri="{FF2B5EF4-FFF2-40B4-BE49-F238E27FC236}">
-                  <a16:creationId xmlns:a16="http://schemas.microsoft.com/office/drawing/2014/main" id="{F00D591D-7B9E-4832-AE5C-5F76E4F219BE}"/>
-                </a:ext>
-              </a:extLst>
-            </p:cNvPr>
-            <p:cNvCxnSpPr>
-              <a:cxnSpLocks/>
-              <a:stCxn id="5" idx="1"/>
-              <a:endCxn id="169" idx="3"/>
-            </p:cNvCxnSpPr>
-            <p:nvPr/>
-          </p:nvCxnSpPr>
-          <p:spPr>
-            <a:xfrm flipH="1">
-              <a:off x="7263374" y="2143466"/>
-              <a:ext cx="280320" cy="1077781"/>
-            </a:xfrm>
-            <a:prstGeom prst="line">
-              <a:avLst/>
-            </a:prstGeom>
-            <a:ln>
-              <a:solidFill>
-                <a:srgbClr val="414042"/>
-              </a:solidFill>
-              <a:headEnd type="triangle"/>
-              <a:tailEnd type="none"/>
-            </a:ln>
-            <a:effectLst/>
-          </p:spPr>
-          <p:style>
-            <a:lnRef idx="2">
-              <a:schemeClr val="accent1"/>
-            </a:lnRef>
-            <a:fillRef idx="0">
-              <a:schemeClr val="accent1"/>
-            </a:fillRef>
-            <a:effectRef idx="1">
-              <a:schemeClr val="accent1"/>
-            </a:effectRef>
-            <a:fontRef idx="minor">
-              <a:schemeClr val="tx1"/>
-            </a:fontRef>
-          </p:style>
-        </p:cxnSp>
-        <p:cxnSp>
-          <p:nvCxnSpPr>
-            <p:cNvPr id="82" name="Straight Connector 81">
-              <a:extLst>
-                <a:ext uri="{FF2B5EF4-FFF2-40B4-BE49-F238E27FC236}">
-                  <a16:creationId xmlns:a16="http://schemas.microsoft.com/office/drawing/2014/main" id="{E421CEB4-385B-42EE-8F1D-A6D36990324D}"/>
-                </a:ext>
-              </a:extLst>
-            </p:cNvPr>
-            <p:cNvCxnSpPr>
-              <a:cxnSpLocks/>
-              <a:endCxn id="169" idx="3"/>
-            </p:cNvCxnSpPr>
-            <p:nvPr/>
-          </p:nvCxnSpPr>
-          <p:spPr>
-            <a:xfrm flipH="1" flipV="1">
-              <a:off x="7263374" y="3221247"/>
-              <a:ext cx="318018" cy="730872"/>
-            </a:xfrm>
-            <a:prstGeom prst="line">
-              <a:avLst/>
-            </a:prstGeom>
-            <a:ln>
-              <a:solidFill>
-                <a:srgbClr val="414042"/>
-              </a:solidFill>
-              <a:headEnd type="triangle"/>
-            </a:ln>
-            <a:effectLst/>
-          </p:spPr>
-          <p:style>
-            <a:lnRef idx="2">
-              <a:schemeClr val="accent1"/>
-            </a:lnRef>
-            <a:fillRef idx="0">
-              <a:schemeClr val="accent1"/>
-            </a:fillRef>
-            <a:effectRef idx="1">
-              <a:schemeClr val="accent1"/>
-            </a:effectRef>
-            <a:fontRef idx="minor">
-              <a:schemeClr val="tx1"/>
-            </a:fontRef>
-          </p:style>
-        </p:cxnSp>
-        <p:grpSp>
-          <p:nvGrpSpPr>
-            <p:cNvPr id="97" name="Group 96">
-              <a:extLst>
-                <a:ext uri="{FF2B5EF4-FFF2-40B4-BE49-F238E27FC236}">
-                  <a16:creationId xmlns:a16="http://schemas.microsoft.com/office/drawing/2014/main" id="{19BE86D6-2285-46D1-841B-18FD6A115313}"/>
-                </a:ext>
-              </a:extLst>
-            </p:cNvPr>
-            <p:cNvGrpSpPr/>
-            <p:nvPr/>
-          </p:nvGrpSpPr>
-          <p:grpSpPr>
-            <a:xfrm>
-              <a:off x="1265046" y="2135877"/>
-              <a:ext cx="738114" cy="1034399"/>
-              <a:chOff x="499607" y="2026277"/>
-              <a:chExt cx="738114" cy="1034399"/>
-            </a:xfrm>
-          </p:grpSpPr>
-          <p:pic>
-            <p:nvPicPr>
-              <p:cNvPr id="94" name="Picture 93">
-                <a:extLst>
-                  <a:ext uri="{FF2B5EF4-FFF2-40B4-BE49-F238E27FC236}">
-                    <a16:creationId xmlns:a16="http://schemas.microsoft.com/office/drawing/2014/main" id="{8AC917F3-2393-490D-A03C-DDC8602328AF}"/>
-                  </a:ext>
-                </a:extLst>
-              </p:cNvPr>
-              <p:cNvPicPr>
-                <a:picLocks noChangeAspect="1"/>
-              </p:cNvPicPr>
-              <p:nvPr/>
-            </p:nvPicPr>
-            <p:blipFill>
-              <a:blip r:embed="rId9">
-                <a:extLst>
-                  <a:ext uri="{28A0092B-C50C-407E-A947-70E740481C1C}">
-                    <a14:useLocalDpi xmlns:a14="http://schemas.microsoft.com/office/drawing/2010/main" val="0"/>
-                  </a:ext>
-                </a:extLst>
-              </a:blip>
-              <a:stretch>
-                <a:fillRect/>
-              </a:stretch>
-            </p:blipFill>
-            <p:spPr>
-              <a:xfrm>
-                <a:off x="502904" y="2026277"/>
-                <a:ext cx="731520" cy="707136"/>
-              </a:xfrm>
-              <a:prstGeom prst="rect">
-                <a:avLst/>
-              </a:prstGeom>
-            </p:spPr>
-          </p:pic>
-          <p:sp>
-            <p:nvSpPr>
-              <p:cNvPr id="96" name="TextBox 67">
-                <a:extLst>
-                  <a:ext uri="{FF2B5EF4-FFF2-40B4-BE49-F238E27FC236}">
-                    <a16:creationId xmlns:a16="http://schemas.microsoft.com/office/drawing/2014/main" id="{89A708B2-A315-40B4-A01C-BD612263B7F2}"/>
-                  </a:ext>
-                </a:extLst>
-              </p:cNvPr>
-              <p:cNvSpPr txBox="1">
-                <a:spLocks noChangeArrowheads="1"/>
-              </p:cNvSpPr>
-              <p:nvPr/>
-            </p:nvSpPr>
-            <p:spPr bwMode="auto">
-              <a:xfrm>
-                <a:off x="499607" y="2922177"/>
-                <a:ext cx="738114" cy="138499"/>
-              </a:xfrm>
-              <a:prstGeom prst="rect">
-                <a:avLst/>
-              </a:prstGeom>
-              <a:noFill/>
-              <a:ln w="9525">
-                <a:noFill/>
-                <a:miter lim="800000"/>
-                <a:headEnd/>
-                <a:tailEnd/>
-              </a:ln>
-            </p:spPr>
-            <p:txBody>
-              <a:bodyPr wrap="square" lIns="0" tIns="0" rIns="0" bIns="0" anchor="b">
-                <a:spAutoFit/>
-              </a:bodyPr>
-              <a:lstStyle/>
-              <a:p>
-                <a:pPr algn="ctr"/>
-                <a:r>
-                  <a:rPr lang="en-US" sz="900" dirty="0">
-                    <a:latin typeface="Helvetica Neue"/>
-                    <a:ea typeface="Verdana" pitchFamily="34" charset="0"/>
-                    <a:cs typeface="Helvetica Neue"/>
-                  </a:rPr>
-                  <a:t>Users</a:t>
-                </a:r>
-              </a:p>
-            </p:txBody>
-          </p:sp>
-        </p:grpSp>
-        <p:cxnSp>
-          <p:nvCxnSpPr>
-            <p:cNvPr id="98" name="Straight Connector 97">
-              <a:extLst>
-                <a:ext uri="{FF2B5EF4-FFF2-40B4-BE49-F238E27FC236}">
-                  <a16:creationId xmlns:a16="http://schemas.microsoft.com/office/drawing/2014/main" id="{3F9BD0C3-DB11-4F93-A108-8B0D1536341A}"/>
-                </a:ext>
-              </a:extLst>
-            </p:cNvPr>
-            <p:cNvCxnSpPr>
-              <a:cxnSpLocks/>
-            </p:cNvCxnSpPr>
-            <p:nvPr/>
-          </p:nvCxnSpPr>
-          <p:spPr>
-            <a:xfrm flipH="1" flipV="1">
-              <a:off x="1988827" y="2735374"/>
-              <a:ext cx="2251663" cy="113322"/>
-            </a:xfrm>
-            <a:prstGeom prst="line">
-              <a:avLst/>
-            </a:prstGeom>
-            <a:ln>
-              <a:solidFill>
-                <a:srgbClr val="414042"/>
-              </a:solidFill>
-              <a:headEnd type="triangle"/>
-              <a:tailEnd type="none"/>
-            </a:ln>
-            <a:effectLst/>
-          </p:spPr>
-          <p:style>
-            <a:lnRef idx="2">
-              <a:schemeClr val="accent1"/>
-            </a:lnRef>
-            <a:fillRef idx="0">
-              <a:schemeClr val="accent1"/>
-            </a:fillRef>
-            <a:effectRef idx="1">
-              <a:schemeClr val="accent1"/>
-            </a:effectRef>
-            <a:fontRef idx="minor">
-              <a:schemeClr val="tx1"/>
-            </a:fontRef>
-          </p:style>
-        </p:cxnSp>
-        <p:cxnSp>
-          <p:nvCxnSpPr>
-            <p:cNvPr id="105" name="Straight Connector 104">
-              <a:extLst>
-                <a:ext uri="{FF2B5EF4-FFF2-40B4-BE49-F238E27FC236}">
-                  <a16:creationId xmlns:a16="http://schemas.microsoft.com/office/drawing/2014/main" id="{92D64989-FEE8-4A67-84D7-4496937E03DC}"/>
-                </a:ext>
-              </a:extLst>
-            </p:cNvPr>
-            <p:cNvCxnSpPr>
-              <a:cxnSpLocks/>
-            </p:cNvCxnSpPr>
-            <p:nvPr/>
-          </p:nvCxnSpPr>
-          <p:spPr>
-            <a:xfrm flipH="1">
-              <a:off x="6949133" y="4334470"/>
-              <a:ext cx="2583093" cy="178096"/>
-            </a:xfrm>
-            <a:prstGeom prst="line">
-              <a:avLst/>
-            </a:prstGeom>
-            <a:ln>
-              <a:solidFill>
-                <a:srgbClr val="00B050"/>
-              </a:solidFill>
-              <a:tailEnd type="triangle"/>
-            </a:ln>
-            <a:effectLst/>
-          </p:spPr>
-          <p:style>
-            <a:lnRef idx="2">
-              <a:schemeClr val="accent1"/>
-            </a:lnRef>
-            <a:fillRef idx="0">
-              <a:schemeClr val="accent1"/>
-            </a:fillRef>
-            <a:effectRef idx="1">
-              <a:schemeClr val="accent1"/>
-            </a:effectRef>
-            <a:fontRef idx="minor">
-              <a:schemeClr val="tx1"/>
-            </a:fontRef>
-          </p:style>
-        </p:cxnSp>
-        <p:cxnSp>
-          <p:nvCxnSpPr>
-            <p:cNvPr id="110" name="Straight Connector 109">
-              <a:extLst>
-                <a:ext uri="{FF2B5EF4-FFF2-40B4-BE49-F238E27FC236}">
-                  <a16:creationId xmlns:a16="http://schemas.microsoft.com/office/drawing/2014/main" id="{7B68666D-AFC6-4A16-881F-C0C35EEEB611}"/>
-                </a:ext>
-              </a:extLst>
-            </p:cNvPr>
-            <p:cNvCxnSpPr>
-              <a:cxnSpLocks/>
-              <a:stCxn id="22" idx="1"/>
-            </p:cNvCxnSpPr>
-            <p:nvPr/>
-          </p:nvCxnSpPr>
-          <p:spPr>
-            <a:xfrm flipH="1" flipV="1">
-              <a:off x="6936635" y="1673651"/>
-              <a:ext cx="2642426" cy="263930"/>
-            </a:xfrm>
-            <a:prstGeom prst="line">
-              <a:avLst/>
-            </a:prstGeom>
-            <a:ln>
-              <a:solidFill>
-                <a:srgbClr val="00B050"/>
-              </a:solidFill>
-              <a:tailEnd type="triangle"/>
-            </a:ln>
-            <a:effectLst/>
-          </p:spPr>
-          <p:style>
-            <a:lnRef idx="2">
-              <a:schemeClr val="accent1"/>
-            </a:lnRef>
-            <a:fillRef idx="0">
-              <a:schemeClr val="accent1"/>
-            </a:fillRef>
-            <a:effectRef idx="1">
-              <a:schemeClr val="accent1"/>
-            </a:effectRef>
-            <a:fontRef idx="minor">
-              <a:schemeClr val="tx1"/>
-            </a:fontRef>
-          </p:style>
-        </p:cxnSp>
-        <p:cxnSp>
-          <p:nvCxnSpPr>
-            <p:cNvPr id="125" name="Straight Connector 124">
-              <a:extLst>
-                <a:ext uri="{FF2B5EF4-FFF2-40B4-BE49-F238E27FC236}">
-                  <a16:creationId xmlns:a16="http://schemas.microsoft.com/office/drawing/2014/main" id="{EAF4F2D7-47D7-4137-87B0-E309203CD85F}"/>
-                </a:ext>
-              </a:extLst>
-            </p:cNvPr>
-            <p:cNvCxnSpPr>
-              <a:cxnSpLocks/>
-              <a:stCxn id="12" idx="1"/>
-            </p:cNvCxnSpPr>
-            <p:nvPr/>
-          </p:nvCxnSpPr>
-          <p:spPr>
-            <a:xfrm flipH="1" flipV="1">
-              <a:off x="5540618" y="4418020"/>
-              <a:ext cx="917116" cy="1"/>
-            </a:xfrm>
-            <a:prstGeom prst="line">
-              <a:avLst/>
-            </a:prstGeom>
-            <a:ln>
-              <a:solidFill>
-                <a:srgbClr val="00B050"/>
-              </a:solidFill>
-              <a:tailEnd type="none"/>
-            </a:ln>
-            <a:effectLst/>
-          </p:spPr>
-          <p:style>
-            <a:lnRef idx="2">
-              <a:schemeClr val="accent1"/>
-            </a:lnRef>
-            <a:fillRef idx="0">
-              <a:schemeClr val="accent1"/>
-            </a:fillRef>
-            <a:effectRef idx="1">
-              <a:schemeClr val="accent1"/>
-            </a:effectRef>
-            <a:fontRef idx="minor">
-              <a:schemeClr val="tx1"/>
-            </a:fontRef>
-          </p:style>
-        </p:cxnSp>
-        <p:cxnSp>
-          <p:nvCxnSpPr>
-            <p:cNvPr id="138" name="Straight Connector 137">
-              <a:extLst>
-                <a:ext uri="{FF2B5EF4-FFF2-40B4-BE49-F238E27FC236}">
-                  <a16:creationId xmlns:a16="http://schemas.microsoft.com/office/drawing/2014/main" id="{67ABBEA6-936B-4BE6-B823-6C17EB8CE6A0}"/>
-                </a:ext>
-              </a:extLst>
-            </p:cNvPr>
-            <p:cNvCxnSpPr>
-              <a:cxnSpLocks/>
-            </p:cNvCxnSpPr>
-            <p:nvPr/>
-          </p:nvCxnSpPr>
-          <p:spPr>
-            <a:xfrm flipH="1" flipV="1">
-              <a:off x="5557326" y="1838745"/>
-              <a:ext cx="900409" cy="1"/>
-            </a:xfrm>
-            <a:prstGeom prst="line">
-              <a:avLst/>
-            </a:prstGeom>
-            <a:ln>
-              <a:solidFill>
-                <a:srgbClr val="00B050"/>
-              </a:solidFill>
-              <a:tailEnd type="none"/>
-            </a:ln>
-            <a:effectLst/>
-          </p:spPr>
-          <p:style>
-            <a:lnRef idx="2">
-              <a:schemeClr val="accent1"/>
-            </a:lnRef>
-            <a:fillRef idx="0">
-              <a:schemeClr val="accent1"/>
-            </a:fillRef>
-            <a:effectRef idx="1">
-              <a:schemeClr val="accent1"/>
-            </a:effectRef>
-            <a:fontRef idx="minor">
-              <a:schemeClr val="tx1"/>
-            </a:fontRef>
-          </p:style>
-        </p:cxnSp>
-        <p:cxnSp>
-          <p:nvCxnSpPr>
-            <p:cNvPr id="145" name="Straight Connector 144">
-              <a:extLst>
-                <a:ext uri="{FF2B5EF4-FFF2-40B4-BE49-F238E27FC236}">
-                  <a16:creationId xmlns:a16="http://schemas.microsoft.com/office/drawing/2014/main" id="{D94D2406-FAA3-4E8B-9614-F4E6B85F2BAA}"/>
-                </a:ext>
-              </a:extLst>
-            </p:cNvPr>
-            <p:cNvCxnSpPr>
-              <a:cxnSpLocks/>
-            </p:cNvCxnSpPr>
-            <p:nvPr/>
-          </p:nvCxnSpPr>
-          <p:spPr>
-            <a:xfrm>
-              <a:off x="5540618" y="1838745"/>
-              <a:ext cx="0" cy="2592395"/>
-            </a:xfrm>
-            <a:prstGeom prst="line">
-              <a:avLst/>
-            </a:prstGeom>
-            <a:ln>
-              <a:solidFill>
-                <a:srgbClr val="00B050"/>
-              </a:solidFill>
-              <a:tailEnd type="none"/>
-            </a:ln>
-            <a:effectLst/>
-          </p:spPr>
-          <p:style>
-            <a:lnRef idx="2">
-              <a:schemeClr val="accent1"/>
-            </a:lnRef>
-            <a:fillRef idx="0">
-              <a:schemeClr val="accent1"/>
-            </a:fillRef>
-            <a:effectRef idx="1">
-              <a:schemeClr val="accent1"/>
-            </a:effectRef>
-            <a:fontRef idx="minor">
-              <a:schemeClr val="tx1"/>
-            </a:fontRef>
-          </p:style>
-        </p:cxnSp>
-        <p:cxnSp>
-          <p:nvCxnSpPr>
-            <p:cNvPr id="152" name="Straight Connector 151">
-              <a:extLst>
-                <a:ext uri="{FF2B5EF4-FFF2-40B4-BE49-F238E27FC236}">
-                  <a16:creationId xmlns:a16="http://schemas.microsoft.com/office/drawing/2014/main" id="{827C9036-6A5A-4BA1-BC41-82798D57B6E7}"/>
-                </a:ext>
-              </a:extLst>
-            </p:cNvPr>
-            <p:cNvCxnSpPr>
-              <a:cxnSpLocks/>
-            </p:cNvCxnSpPr>
-            <p:nvPr/>
-          </p:nvCxnSpPr>
-          <p:spPr>
-            <a:xfrm flipH="1" flipV="1">
-              <a:off x="1910784" y="3610477"/>
-              <a:ext cx="3629834" cy="12429"/>
-            </a:xfrm>
-            <a:prstGeom prst="line">
-              <a:avLst/>
-            </a:prstGeom>
-            <a:ln>
-              <a:solidFill>
-                <a:srgbClr val="00B050"/>
-              </a:solidFill>
-              <a:headEnd type="none"/>
-              <a:tailEnd type="triangle"/>
-            </a:ln>
-            <a:effectLst/>
-          </p:spPr>
-          <p:style>
-            <a:lnRef idx="2">
-              <a:schemeClr val="accent1"/>
-            </a:lnRef>
-            <a:fillRef idx="0">
-              <a:schemeClr val="accent1"/>
-            </a:fillRef>
-            <a:effectRef idx="1">
-              <a:schemeClr val="accent1"/>
-            </a:effectRef>
-            <a:fontRef idx="minor">
-              <a:schemeClr val="tx1"/>
-            </a:fontRef>
-          </p:style>
-        </p:cxnSp>
-        <p:pic>
-          <p:nvPicPr>
-            <p:cNvPr id="169" name="Picture 168">
-              <a:extLst>
-                <a:ext uri="{FF2B5EF4-FFF2-40B4-BE49-F238E27FC236}">
-                  <a16:creationId xmlns:a16="http://schemas.microsoft.com/office/drawing/2014/main" id="{8B10EF4C-8960-4CA6-B5C6-D3095B7EFF34}"/>
-                </a:ext>
-              </a:extLst>
-            </p:cNvPr>
-            <p:cNvPicPr>
-              <a:picLocks noChangeAspect="1"/>
-            </p:cNvPicPr>
-            <p:nvPr/>
-          </p:nvPicPr>
-          <p:blipFill>
-            <a:blip r:embed="rId10">
-              <a:extLst>
-                <a:ext uri="{28A0092B-C50C-407E-A947-70E740481C1C}">
-                  <a14:useLocalDpi xmlns:a14="http://schemas.microsoft.com/office/drawing/2010/main" val="0"/>
-                </a:ext>
-              </a:extLst>
-            </a:blip>
-            <a:stretch>
-              <a:fillRect/>
-            </a:stretch>
-          </p:blipFill>
-          <p:spPr>
-            <a:xfrm>
-              <a:off x="6718593" y="2956422"/>
-              <a:ext cx="544781" cy="529649"/>
-            </a:xfrm>
-            <a:prstGeom prst="rect">
-              <a:avLst/>
-            </a:prstGeom>
-          </p:spPr>
-        </p:pic>
-        <p:cxnSp>
-          <p:nvCxnSpPr>
-            <p:cNvPr id="174" name="Straight Connector 173">
-              <a:extLst>
-                <a:ext uri="{FF2B5EF4-FFF2-40B4-BE49-F238E27FC236}">
-                  <a16:creationId xmlns:a16="http://schemas.microsoft.com/office/drawing/2014/main" id="{98C87919-6099-4BDC-B71A-C88822413E72}"/>
-                </a:ext>
-              </a:extLst>
-            </p:cNvPr>
-            <p:cNvCxnSpPr>
-              <a:cxnSpLocks/>
-              <a:stCxn id="169" idx="1"/>
-              <a:endCxn id="32" idx="3"/>
-            </p:cNvCxnSpPr>
-            <p:nvPr/>
-          </p:nvCxnSpPr>
-          <p:spPr>
-            <a:xfrm flipH="1" flipV="1">
-              <a:off x="4789783" y="2830659"/>
-              <a:ext cx="1928810" cy="390588"/>
-            </a:xfrm>
-            <a:prstGeom prst="line">
-              <a:avLst/>
-            </a:prstGeom>
-            <a:ln>
-              <a:solidFill>
-                <a:srgbClr val="414042"/>
-              </a:solidFill>
-              <a:headEnd type="triangle"/>
-              <a:tailEnd type="none"/>
-            </a:ln>
-            <a:effectLst/>
-          </p:spPr>
-          <p:style>
-            <a:lnRef idx="2">
-              <a:schemeClr val="accent1"/>
-            </a:lnRef>
-            <a:fillRef idx="0">
-              <a:schemeClr val="accent1"/>
-            </a:fillRef>
-            <a:effectRef idx="1">
-              <a:schemeClr val="accent1"/>
-            </a:effectRef>
-            <a:fontRef idx="minor">
-              <a:schemeClr val="tx1"/>
-            </a:fontRef>
-          </p:style>
-        </p:cxnSp>
-        <p:sp>
-          <p:nvSpPr>
-            <p:cNvPr id="189" name="TextBox 188">
-              <a:extLst>
-                <a:ext uri="{FF2B5EF4-FFF2-40B4-BE49-F238E27FC236}">
-                  <a16:creationId xmlns:a16="http://schemas.microsoft.com/office/drawing/2014/main" id="{815F4D3E-5EBD-4FDA-8A95-10BD6B39608A}"/>
-                </a:ext>
-              </a:extLst>
-            </p:cNvPr>
-            <p:cNvSpPr txBox="1"/>
-            <p:nvPr/>
-          </p:nvSpPr>
-          <p:spPr>
-            <a:xfrm>
-              <a:off x="70053" y="91643"/>
-              <a:ext cx="3467100" cy="369332"/>
-            </a:xfrm>
-            <a:prstGeom prst="rect">
-              <a:avLst/>
-            </a:prstGeom>
-            <a:noFill/>
-          </p:spPr>
-          <p:txBody>
-            <a:bodyPr wrap="square" rtlCol="0">
-              <a:spAutoFit/>
-            </a:bodyPr>
-            <a:lstStyle/>
-            <a:p>
-              <a:r>
-                <a:rPr lang="en-US" b="1" i="0" dirty="0">
-                  <a:solidFill>
-                    <a:srgbClr val="24292E"/>
-                  </a:solidFill>
-                  <a:effectLst/>
-                  <a:latin typeface="-apple-system"/>
-                </a:rPr>
-                <a:t>Symbiosis Architecture Diagram</a:t>
-              </a:r>
-              <a:endParaRPr lang="en-US" b="1" dirty="0"/>
-            </a:p>
-          </p:txBody>
-        </p:sp>
-        <p:sp>
-          <p:nvSpPr>
-            <p:cNvPr id="2" name="Rounded Rectangle 3">
-              <a:extLst>
-                <a:ext uri="{FF2B5EF4-FFF2-40B4-BE49-F238E27FC236}">
-                  <a16:creationId xmlns:a16="http://schemas.microsoft.com/office/drawing/2014/main" id="{E83B596A-C407-4E69-BA45-EAA3E08DB41A}"/>
-                </a:ext>
-              </a:extLst>
-            </p:cNvPr>
-            <p:cNvSpPr/>
-            <p:nvPr/>
-          </p:nvSpPr>
-          <p:spPr>
-            <a:xfrm>
-              <a:off x="7070269" y="1648149"/>
-              <a:ext cx="1200920" cy="3246769"/>
-            </a:xfrm>
-            <a:prstGeom prst="roundRect">
-              <a:avLst>
-                <a:gd name="adj" fmla="val 9818"/>
-              </a:avLst>
-            </a:prstGeom>
-            <a:noFill/>
-            <a:ln w="19050">
+            </a:solidFill>
+            <a:prstDash val="lgDashDot"/>
+          </a:ln>
+          <a:effectLst/>
+        </p:spPr>
+        <p:style>
+          <a:lnRef idx="1">
+            <a:schemeClr val="accent1"/>
+          </a:lnRef>
+          <a:fillRef idx="3">
+            <a:schemeClr val="accent1"/>
+          </a:fillRef>
+          <a:effectRef idx="2">
+            <a:schemeClr val="accent1"/>
+          </a:effectRef>
+          <a:fontRef idx="minor">
+            <a:schemeClr val="lt1"/>
+          </a:fontRef>
+        </p:style>
+        <p:txBody>
+          <a:bodyPr anchor="ctr"/>
+          <a:lstStyle/>
+          <a:p>
+            <a:pPr algn="ctr" fontAlgn="auto">
+              <a:spcBef>
+                <a:spcPts val="0"/>
+              </a:spcBef>
+              <a:spcAft>
+                <a:spcPts val="0"/>
+              </a:spcAft>
+              <a:defRPr/>
+            </a:pPr>
+            <a:endParaRPr lang="en-US" dirty="0">
               <a:solidFill>
                 <a:schemeClr val="tx1"/>
               </a:solidFill>
-              <a:prstDash val="lgDashDot"/>
-            </a:ln>
-            <a:effectLst/>
-          </p:spPr>
-          <p:style>
-            <a:lnRef idx="1">
-              <a:schemeClr val="accent1"/>
-            </a:lnRef>
-            <a:fillRef idx="3">
-              <a:schemeClr val="accent1"/>
-            </a:fillRef>
-            <a:effectRef idx="2">
-              <a:schemeClr val="accent1"/>
-            </a:effectRef>
-            <a:fontRef idx="minor">
-              <a:schemeClr val="lt1"/>
-            </a:fontRef>
-          </p:style>
-          <p:txBody>
-            <a:bodyPr anchor="ctr"/>
-            <a:lstStyle/>
-            <a:p>
-              <a:pPr algn="ctr" fontAlgn="auto">
-                <a:spcBef>
-                  <a:spcPts val="0"/>
-                </a:spcBef>
-                <a:spcAft>
-                  <a:spcPts val="0"/>
-                </a:spcAft>
-                <a:defRPr/>
-              </a:pPr>
-              <a:endParaRPr lang="en-US" dirty="0">
-                <a:solidFill>
-                  <a:schemeClr val="tx1"/>
-                </a:solidFill>
-                <a:latin typeface="Helvetica Neue"/>
-                <a:cs typeface="Helvetica Neue"/>
-              </a:endParaRPr>
-            </a:p>
-          </p:txBody>
-        </p:sp>
-      </p:grpSp>
+              <a:latin typeface="Helvetica Neue"/>
+              <a:cs typeface="Helvetica Neue"/>
+            </a:endParaRPr>
+          </a:p>
+        </p:txBody>
+      </p:sp>
     </p:spTree>
     <p:extLst>
       <p:ext uri="{BB962C8B-B14F-4D97-AF65-F5344CB8AC3E}">
